--- a/ClassMaterials/Engines/35_Final_Engines.pptx
+++ b/ClassMaterials/Engines/35_Final_Engines.pptx
@@ -5,31 +5,32 @@
     <p:sldMasterId id="2147483648" r:id="rId1"/>
   </p:sldMasterIdLst>
   <p:notesMasterIdLst>
-    <p:notesMasterId r:id="rId21"/>
+    <p:notesMasterId r:id="rId22"/>
   </p:notesMasterIdLst>
   <p:handoutMasterIdLst>
-    <p:handoutMasterId r:id="rId22"/>
+    <p:handoutMasterId r:id="rId23"/>
   </p:handoutMasterIdLst>
   <p:sldIdLst>
     <p:sldId id="304" r:id="rId2"/>
-    <p:sldId id="458" r:id="rId3"/>
-    <p:sldId id="412" r:id="rId4"/>
-    <p:sldId id="457" r:id="rId5"/>
-    <p:sldId id="455" r:id="rId6"/>
-    <p:sldId id="456" r:id="rId7"/>
-    <p:sldId id="330" r:id="rId8"/>
-    <p:sldId id="331" r:id="rId9"/>
-    <p:sldId id="332" r:id="rId10"/>
-    <p:sldId id="333" r:id="rId11"/>
-    <p:sldId id="453" r:id="rId12"/>
-    <p:sldId id="367" r:id="rId13"/>
-    <p:sldId id="366" r:id="rId14"/>
-    <p:sldId id="446" r:id="rId15"/>
-    <p:sldId id="447" r:id="rId16"/>
-    <p:sldId id="335" r:id="rId17"/>
-    <p:sldId id="336" r:id="rId18"/>
-    <p:sldId id="338" r:id="rId19"/>
-    <p:sldId id="339" r:id="rId20"/>
+    <p:sldId id="459" r:id="rId3"/>
+    <p:sldId id="458" r:id="rId4"/>
+    <p:sldId id="412" r:id="rId5"/>
+    <p:sldId id="457" r:id="rId6"/>
+    <p:sldId id="455" r:id="rId7"/>
+    <p:sldId id="456" r:id="rId8"/>
+    <p:sldId id="330" r:id="rId9"/>
+    <p:sldId id="331" r:id="rId10"/>
+    <p:sldId id="332" r:id="rId11"/>
+    <p:sldId id="333" r:id="rId12"/>
+    <p:sldId id="453" r:id="rId13"/>
+    <p:sldId id="367" r:id="rId14"/>
+    <p:sldId id="366" r:id="rId15"/>
+    <p:sldId id="446" r:id="rId16"/>
+    <p:sldId id="447" r:id="rId17"/>
+    <p:sldId id="335" r:id="rId18"/>
+    <p:sldId id="336" r:id="rId19"/>
+    <p:sldId id="338" r:id="rId20"/>
+    <p:sldId id="339" r:id="rId21"/>
   </p:sldIdLst>
   <p:sldSz cx="12192000" cy="6858000"/>
   <p:notesSz cx="7315200" cy="9601200"/>
@@ -175,6 +176,93 @@
     </p:ext>
   </p:extLst>
 </p:presentation>
+</file>
+
+<file path=ppt/changesInfos/changesInfo1.xml><?xml version="1.0" encoding="utf-8"?>
+<pc:chgInfo xmlns:a="http://schemas.openxmlformats.org/drawingml/2006/main" xmlns:r="http://schemas.openxmlformats.org/officeDocument/2006/relationships" xmlns:ac="http://schemas.microsoft.com/office/drawing/2013/main/command" xmlns:pc="http://schemas.microsoft.com/office/powerpoint/2013/main/command">
+  <pc:docChgLst>
+    <pc:chgData name="Hewner, Mike" userId="7f3f83dd-6dfb-4127-a87f-c1714bd4fac9" providerId="ADAL" clId="{14FC7E2B-0F04-4A10-B901-1DBC3B72BF4A}"/>
+    <pc:docChg chg="addSld modSld">
+      <pc:chgData name="Hewner, Mike" userId="7f3f83dd-6dfb-4127-a87f-c1714bd4fac9" providerId="ADAL" clId="{14FC7E2B-0F04-4A10-B901-1DBC3B72BF4A}" dt="2021-11-05T14:48:29.802" v="48" actId="20577"/>
+      <pc:docMkLst>
+        <pc:docMk/>
+      </pc:docMkLst>
+      <pc:sldChg chg="modSp mod">
+        <pc:chgData name="Hewner, Mike" userId="7f3f83dd-6dfb-4127-a87f-c1714bd4fac9" providerId="ADAL" clId="{14FC7E2B-0F04-4A10-B901-1DBC3B72BF4A}" dt="2021-11-05T14:47:17.938" v="1" actId="6549"/>
+        <pc:sldMkLst>
+          <pc:docMk/>
+          <pc:sldMk cId="0" sldId="304"/>
+        </pc:sldMkLst>
+        <pc:spChg chg="mod">
+          <ac:chgData name="Hewner, Mike" userId="7f3f83dd-6dfb-4127-a87f-c1714bd4fac9" providerId="ADAL" clId="{14FC7E2B-0F04-4A10-B901-1DBC3B72BF4A}" dt="2021-11-05T14:47:17.938" v="1" actId="6549"/>
+          <ac:spMkLst>
+            <pc:docMk/>
+            <pc:sldMk cId="0" sldId="304"/>
+            <ac:spMk id="61443" creationId="{00000000-0000-0000-0000-000000000000}"/>
+          </ac:spMkLst>
+        </pc:spChg>
+      </pc:sldChg>
+      <pc:sldChg chg="mod modShow">
+        <pc:chgData name="Hewner, Mike" userId="7f3f83dd-6dfb-4127-a87f-c1714bd4fac9" providerId="ADAL" clId="{14FC7E2B-0F04-4A10-B901-1DBC3B72BF4A}" dt="2021-11-05T14:47:06.394" v="0" actId="729"/>
+        <pc:sldMkLst>
+          <pc:docMk/>
+          <pc:sldMk cId="2789957542" sldId="412"/>
+        </pc:sldMkLst>
+      </pc:sldChg>
+      <pc:sldChg chg="mod modShow">
+        <pc:chgData name="Hewner, Mike" userId="7f3f83dd-6dfb-4127-a87f-c1714bd4fac9" providerId="ADAL" clId="{14FC7E2B-0F04-4A10-B901-1DBC3B72BF4A}" dt="2021-11-05T14:47:06.394" v="0" actId="729"/>
+        <pc:sldMkLst>
+          <pc:docMk/>
+          <pc:sldMk cId="1404268453" sldId="455"/>
+        </pc:sldMkLst>
+      </pc:sldChg>
+      <pc:sldChg chg="mod modShow">
+        <pc:chgData name="Hewner, Mike" userId="7f3f83dd-6dfb-4127-a87f-c1714bd4fac9" providerId="ADAL" clId="{14FC7E2B-0F04-4A10-B901-1DBC3B72BF4A}" dt="2021-11-05T14:47:06.394" v="0" actId="729"/>
+        <pc:sldMkLst>
+          <pc:docMk/>
+          <pc:sldMk cId="3721513751" sldId="456"/>
+        </pc:sldMkLst>
+      </pc:sldChg>
+      <pc:sldChg chg="mod modShow">
+        <pc:chgData name="Hewner, Mike" userId="7f3f83dd-6dfb-4127-a87f-c1714bd4fac9" providerId="ADAL" clId="{14FC7E2B-0F04-4A10-B901-1DBC3B72BF4A}" dt="2021-11-05T14:47:06.394" v="0" actId="729"/>
+        <pc:sldMkLst>
+          <pc:docMk/>
+          <pc:sldMk cId="2670320858" sldId="457"/>
+        </pc:sldMkLst>
+      </pc:sldChg>
+      <pc:sldChg chg="mod modShow">
+        <pc:chgData name="Hewner, Mike" userId="7f3f83dd-6dfb-4127-a87f-c1714bd4fac9" providerId="ADAL" clId="{14FC7E2B-0F04-4A10-B901-1DBC3B72BF4A}" dt="2021-11-05T14:47:06.394" v="0" actId="729"/>
+        <pc:sldMkLst>
+          <pc:docMk/>
+          <pc:sldMk cId="751260803" sldId="458"/>
+        </pc:sldMkLst>
+      </pc:sldChg>
+      <pc:sldChg chg="modSp new mod">
+        <pc:chgData name="Hewner, Mike" userId="7f3f83dd-6dfb-4127-a87f-c1714bd4fac9" providerId="ADAL" clId="{14FC7E2B-0F04-4A10-B901-1DBC3B72BF4A}" dt="2021-11-05T14:48:29.802" v="48" actId="20577"/>
+        <pc:sldMkLst>
+          <pc:docMk/>
+          <pc:sldMk cId="1355269295" sldId="459"/>
+        </pc:sldMkLst>
+        <pc:spChg chg="mod">
+          <ac:chgData name="Hewner, Mike" userId="7f3f83dd-6dfb-4127-a87f-c1714bd4fac9" providerId="ADAL" clId="{14FC7E2B-0F04-4A10-B901-1DBC3B72BF4A}" dt="2021-11-05T14:48:29.802" v="48" actId="20577"/>
+          <ac:spMkLst>
+            <pc:docMk/>
+            <pc:sldMk cId="1355269295" sldId="459"/>
+            <ac:spMk id="2" creationId="{06B1618C-4E9B-45A2-B805-3ED885604A25}"/>
+          </ac:spMkLst>
+        </pc:spChg>
+        <pc:spChg chg="mod">
+          <ac:chgData name="Hewner, Mike" userId="7f3f83dd-6dfb-4127-a87f-c1714bd4fac9" providerId="ADAL" clId="{14FC7E2B-0F04-4A10-B901-1DBC3B72BF4A}" dt="2021-11-05T14:47:55.656" v="4"/>
+          <ac:spMkLst>
+            <pc:docMk/>
+            <pc:sldMk cId="1355269295" sldId="459"/>
+            <ac:spMk id="3" creationId="{576371E3-F8F5-49C0-B187-07C29BCA2BA3}"/>
+          </ac:spMkLst>
+        </pc:spChg>
+      </pc:sldChg>
+    </pc:docChg>
+  </pc:docChgLst>
+</pc:chgInfo>
 </file>
 
 <file path=ppt/handoutMasters/handoutMaster1.xml><?xml version="1.0" encoding="utf-8"?>
@@ -1001,7 +1089,7 @@
             <a:fld id="{76265C54-799C-4F9B-B21B-5E9FC6A82654}" type="slidenum">
               <a:rPr lang="en-US" smtClean="0"/>
               <a:pPr/>
-              <a:t>6</a:t>
+              <a:t>7</a:t>
             </a:fld>
             <a:endParaRPr lang="en-US"/>
           </a:p>
@@ -1057,7 +1145,7 @@
             <a:fld id="{27E7E1B6-3FB4-4DF8-9A15-D0ECDAE2F8F0}" type="slidenum">
               <a:rPr lang="en-US"/>
               <a:pPr/>
-              <a:t>9</a:t>
+              <a:t>10</a:t>
             </a:fld>
             <a:endParaRPr lang="en-US"/>
           </a:p>
@@ -1203,7 +1291,7 @@
             <a:fld id="{76265C54-799C-4F9B-B21B-5E9FC6A82654}" type="slidenum">
               <a:rPr lang="en-US" smtClean="0"/>
               <a:pPr/>
-              <a:t>10</a:t>
+              <a:t>11</a:t>
             </a:fld>
             <a:endParaRPr lang="en-US"/>
           </a:p>
@@ -1298,7 +1386,7 @@
             <a:fld id="{76265C54-799C-4F9B-B21B-5E9FC6A82654}" type="slidenum">
               <a:rPr lang="en-US" smtClean="0"/>
               <a:pPr/>
-              <a:t>13</a:t>
+              <a:t>14</a:t>
             </a:fld>
             <a:endParaRPr lang="en-US"/>
           </a:p>
@@ -1383,7 +1471,7 @@
             <a:fld id="{76265C54-799C-4F9B-B21B-5E9FC6A82654}" type="slidenum">
               <a:rPr lang="en-US" smtClean="0"/>
               <a:pPr/>
-              <a:t>17</a:t>
+              <a:t>18</a:t>
             </a:fld>
             <a:endParaRPr lang="en-US"/>
           </a:p>
@@ -3571,20 +3659,6 @@
             <a:pPr algn="r"/>
             <a:r>
               <a:rPr lang="en-US" dirty="0"/>
-              <a:t>Ref Params Hint</a:t>
-            </a:r>
-          </a:p>
-          <a:p>
-            <a:pPr algn="r"/>
-            <a:r>
-              <a:rPr lang="en-US" dirty="0"/>
-              <a:t>Final Exam</a:t>
-            </a:r>
-          </a:p>
-          <a:p>
-            <a:pPr algn="r"/>
-            <a:r>
-              <a:rPr lang="en-US" dirty="0"/>
               <a:t>Engines</a:t>
             </a:r>
           </a:p>
@@ -3647,6 +3721,486 @@
 </file>
 
 <file path=ppt/slides/slide10.xml><?xml version="1.0" encoding="utf-8"?>
+<p:sld xmlns:a="http://schemas.openxmlformats.org/drawingml/2006/main" xmlns:r="http://schemas.openxmlformats.org/officeDocument/2006/relationships" xmlns:p="http://schemas.openxmlformats.org/presentationml/2006/main" showMasterPhAnim="0">
+  <p:cSld>
+    <p:spTree>
+      <p:nvGrpSpPr>
+        <p:cNvPr id="1" name=""/>
+        <p:cNvGrpSpPr/>
+        <p:nvPr/>
+      </p:nvGrpSpPr>
+      <p:grpSpPr>
+        <a:xfrm>
+          <a:off x="0" y="0"/>
+          <a:ext cx="0" cy="0"/>
+          <a:chOff x="0" y="0"/>
+          <a:chExt cx="0" cy="0"/>
+        </a:xfrm>
+      </p:grpSpPr>
+      <p:sp>
+        <p:nvSpPr>
+          <p:cNvPr id="80898" name="Rectangle 2"/>
+          <p:cNvSpPr>
+            <a:spLocks noGrp="1" noChangeArrowheads="1"/>
+          </p:cNvSpPr>
+          <p:nvPr>
+            <p:ph type="title"/>
+          </p:nvPr>
+        </p:nvSpPr>
+        <p:spPr>
+          <a:xfrm>
+            <a:off x="2471739" y="1"/>
+            <a:ext cx="5737225" cy="930275"/>
+          </a:xfrm>
+        </p:spPr>
+        <p:txBody>
+          <a:bodyPr/>
+          <a:lstStyle/>
+          <a:p>
+            <a:r>
+              <a:rPr lang="en-US" sz="4000" dirty="0"/>
+              <a:t>How Engines work 2</a:t>
+            </a:r>
+          </a:p>
+        </p:txBody>
+      </p:sp>
+      <p:sp>
+        <p:nvSpPr>
+          <p:cNvPr id="80899" name="Rectangle 3"/>
+          <p:cNvSpPr>
+            <a:spLocks noGrp="1" noChangeArrowheads="1"/>
+          </p:cNvSpPr>
+          <p:nvPr>
+            <p:ph type="body" idx="1"/>
+          </p:nvPr>
+        </p:nvSpPr>
+        <p:spPr>
+          <a:xfrm>
+            <a:off x="1524000" y="914400"/>
+            <a:ext cx="8909050" cy="5410200"/>
+          </a:xfrm>
+        </p:spPr>
+        <p:txBody>
+          <a:bodyPr/>
+          <a:lstStyle/>
+          <a:p>
+            <a:pPr>
+              <a:lnSpc>
+                <a:spcPct val="90000"/>
+              </a:lnSpc>
+            </a:pPr>
+            <a:r>
+              <a:rPr lang="en-US" sz="2800" dirty="0"/>
+              <a:t>The three arguments passed  to an engine are:</a:t>
+            </a:r>
+          </a:p>
+          <a:p>
+            <a:pPr>
+              <a:lnSpc>
+                <a:spcPct val="90000"/>
+              </a:lnSpc>
+            </a:pPr>
+            <a:r>
+              <a:rPr lang="en-US" sz="2800" dirty="0">
+                <a:solidFill>
+                  <a:srgbClr val="FF0000"/>
+                </a:solidFill>
+              </a:rPr>
+              <a:t>ticks:</a:t>
+            </a:r>
+            <a:r>
+              <a:rPr lang="en-US" sz="2800" dirty="0"/>
+              <a:t>   a positive integer specifying the amount of "fuel" given to the engine.</a:t>
+            </a:r>
+          </a:p>
+          <a:p>
+            <a:pPr>
+              <a:lnSpc>
+                <a:spcPct val="90000"/>
+              </a:lnSpc>
+            </a:pPr>
+            <a:r>
+              <a:rPr lang="en-US" sz="2800" dirty="0">
+                <a:solidFill>
+                  <a:srgbClr val="FF0000"/>
+                </a:solidFill>
+              </a:rPr>
+              <a:t>complete:</a:t>
+            </a:r>
+            <a:r>
+              <a:rPr lang="en-US" sz="2800" dirty="0"/>
+              <a:t>  a procedure that specifies what to do if the evaluation of </a:t>
+            </a:r>
+            <a:r>
+              <a:rPr lang="en-US" sz="2800" dirty="0">
+                <a:latin typeface="Courier New" pitchFamily="49" charset="0"/>
+              </a:rPr>
+              <a:t>thunk</a:t>
+            </a:r>
+            <a:r>
+              <a:rPr lang="en-US" sz="2800" dirty="0"/>
+              <a:t> finishes before the fuel expires.  </a:t>
+            </a:r>
+          </a:p>
+          <a:p>
+            <a:pPr lvl="1">
+              <a:lnSpc>
+                <a:spcPct val="90000"/>
+              </a:lnSpc>
+            </a:pPr>
+            <a:r>
+              <a:rPr lang="en-US" dirty="0">
+                <a:latin typeface="Courier New" pitchFamily="49" charset="0"/>
+              </a:rPr>
+              <a:t>complete</a:t>
+            </a:r>
+            <a:r>
+              <a:rPr lang="en-US" dirty="0"/>
+              <a:t> is a procedure of two arguments: amount of fuel "left over" and the result of the computation.</a:t>
+            </a:r>
+          </a:p>
+          <a:p>
+            <a:pPr>
+              <a:lnSpc>
+                <a:spcPct val="90000"/>
+              </a:lnSpc>
+            </a:pPr>
+            <a:r>
+              <a:rPr lang="en-US" sz="2800" dirty="0">
+                <a:solidFill>
+                  <a:srgbClr val="FF0000"/>
+                </a:solidFill>
+              </a:rPr>
+              <a:t>expire:</a:t>
+            </a:r>
+            <a:r>
+              <a:rPr lang="en-US" sz="2800" dirty="0"/>
+              <a:t>  a one-argument procedure to be executed if the computation runs out of fuel before it completes.  </a:t>
+            </a:r>
+          </a:p>
+          <a:p>
+            <a:pPr lvl="1">
+              <a:lnSpc>
+                <a:spcPct val="90000"/>
+              </a:lnSpc>
+            </a:pPr>
+            <a:r>
+              <a:rPr lang="en-US" dirty="0"/>
+              <a:t>The argument that will be passed to </a:t>
+            </a:r>
+            <a:r>
+              <a:rPr lang="en-US" dirty="0">
+                <a:latin typeface="Courier New" pitchFamily="49" charset="0"/>
+              </a:rPr>
+              <a:t>expire</a:t>
+            </a:r>
+            <a:r>
+              <a:rPr lang="en-US" dirty="0"/>
+              <a:t> is a new engine that can finish the computation from where it left off.</a:t>
+            </a:r>
+          </a:p>
+        </p:txBody>
+      </p:sp>
+    </p:spTree>
+  </p:cSld>
+  <p:clrMapOvr>
+    <a:masterClrMapping/>
+  </p:clrMapOvr>
+  <p:timing>
+    <p:tnLst>
+      <p:par>
+        <p:cTn id="1" dur="indefinite" restart="never" nodeType="tmRoot">
+          <p:childTnLst>
+            <p:seq concurrent="1" nextAc="seek">
+              <p:cTn id="2" dur="indefinite" nodeType="mainSeq">
+                <p:childTnLst>
+                  <p:par>
+                    <p:cTn id="3" fill="hold">
+                      <p:stCondLst>
+                        <p:cond delay="indefinite"/>
+                      </p:stCondLst>
+                      <p:childTnLst>
+                        <p:par>
+                          <p:cTn id="4" fill="hold">
+                            <p:stCondLst>
+                              <p:cond delay="0"/>
+                            </p:stCondLst>
+                            <p:childTnLst>
+                              <p:par>
+                                <p:cTn id="5" presetID="1" presetClass="entr" presetSubtype="0" fill="hold" grpId="0" nodeType="clickEffect">
+                                  <p:stCondLst>
+                                    <p:cond delay="0"/>
+                                  </p:stCondLst>
+                                  <p:childTnLst>
+                                    <p:set>
+                                      <p:cBhvr>
+                                        <p:cTn id="6" dur="1" fill="hold">
+                                          <p:stCondLst>
+                                            <p:cond delay="0"/>
+                                          </p:stCondLst>
+                                        </p:cTn>
+                                        <p:tgtEl>
+                                          <p:spTgt spid="80899">
+                                            <p:txEl>
+                                              <p:pRg st="0" end="0"/>
+                                            </p:txEl>
+                                          </p:spTgt>
+                                        </p:tgtEl>
+                                        <p:attrNameLst>
+                                          <p:attrName>style.visibility</p:attrName>
+                                        </p:attrNameLst>
+                                      </p:cBhvr>
+                                      <p:to>
+                                        <p:strVal val="visible"/>
+                                      </p:to>
+                                    </p:set>
+                                  </p:childTnLst>
+                                </p:cTn>
+                              </p:par>
+                            </p:childTnLst>
+                          </p:cTn>
+                        </p:par>
+                      </p:childTnLst>
+                    </p:cTn>
+                  </p:par>
+                  <p:par>
+                    <p:cTn id="7" fill="hold">
+                      <p:stCondLst>
+                        <p:cond delay="indefinite"/>
+                      </p:stCondLst>
+                      <p:childTnLst>
+                        <p:par>
+                          <p:cTn id="8" fill="hold">
+                            <p:stCondLst>
+                              <p:cond delay="0"/>
+                            </p:stCondLst>
+                            <p:childTnLst>
+                              <p:par>
+                                <p:cTn id="9" presetID="1" presetClass="entr" presetSubtype="0" fill="hold" grpId="0" nodeType="clickEffect">
+                                  <p:stCondLst>
+                                    <p:cond delay="0"/>
+                                  </p:stCondLst>
+                                  <p:childTnLst>
+                                    <p:set>
+                                      <p:cBhvr>
+                                        <p:cTn id="10" dur="1" fill="hold">
+                                          <p:stCondLst>
+                                            <p:cond delay="0"/>
+                                          </p:stCondLst>
+                                        </p:cTn>
+                                        <p:tgtEl>
+                                          <p:spTgt spid="80899">
+                                            <p:txEl>
+                                              <p:pRg st="1" end="1"/>
+                                            </p:txEl>
+                                          </p:spTgt>
+                                        </p:tgtEl>
+                                        <p:attrNameLst>
+                                          <p:attrName>style.visibility</p:attrName>
+                                        </p:attrNameLst>
+                                      </p:cBhvr>
+                                      <p:to>
+                                        <p:strVal val="visible"/>
+                                      </p:to>
+                                    </p:set>
+                                  </p:childTnLst>
+                                </p:cTn>
+                              </p:par>
+                            </p:childTnLst>
+                          </p:cTn>
+                        </p:par>
+                      </p:childTnLst>
+                    </p:cTn>
+                  </p:par>
+                  <p:par>
+                    <p:cTn id="11" fill="hold">
+                      <p:stCondLst>
+                        <p:cond delay="indefinite"/>
+                      </p:stCondLst>
+                      <p:childTnLst>
+                        <p:par>
+                          <p:cTn id="12" fill="hold">
+                            <p:stCondLst>
+                              <p:cond delay="0"/>
+                            </p:stCondLst>
+                            <p:childTnLst>
+                              <p:par>
+                                <p:cTn id="13" presetID="1" presetClass="entr" presetSubtype="0" fill="hold" grpId="0" nodeType="clickEffect">
+                                  <p:stCondLst>
+                                    <p:cond delay="0"/>
+                                  </p:stCondLst>
+                                  <p:childTnLst>
+                                    <p:set>
+                                      <p:cBhvr>
+                                        <p:cTn id="14" dur="1" fill="hold">
+                                          <p:stCondLst>
+                                            <p:cond delay="0"/>
+                                          </p:stCondLst>
+                                        </p:cTn>
+                                        <p:tgtEl>
+                                          <p:spTgt spid="80899">
+                                            <p:txEl>
+                                              <p:pRg st="2" end="2"/>
+                                            </p:txEl>
+                                          </p:spTgt>
+                                        </p:tgtEl>
+                                        <p:attrNameLst>
+                                          <p:attrName>style.visibility</p:attrName>
+                                        </p:attrNameLst>
+                                      </p:cBhvr>
+                                      <p:to>
+                                        <p:strVal val="visible"/>
+                                      </p:to>
+                                    </p:set>
+                                  </p:childTnLst>
+                                </p:cTn>
+                              </p:par>
+                              <p:par>
+                                <p:cTn id="15" presetID="1" presetClass="entr" presetSubtype="0" fill="hold" grpId="0" nodeType="withEffect">
+                                  <p:stCondLst>
+                                    <p:cond delay="0"/>
+                                  </p:stCondLst>
+                                  <p:childTnLst>
+                                    <p:set>
+                                      <p:cBhvr>
+                                        <p:cTn id="16" dur="1" fill="hold">
+                                          <p:stCondLst>
+                                            <p:cond delay="0"/>
+                                          </p:stCondLst>
+                                        </p:cTn>
+                                        <p:tgtEl>
+                                          <p:spTgt spid="80899">
+                                            <p:txEl>
+                                              <p:pRg st="3" end="3"/>
+                                            </p:txEl>
+                                          </p:spTgt>
+                                        </p:tgtEl>
+                                        <p:attrNameLst>
+                                          <p:attrName>style.visibility</p:attrName>
+                                        </p:attrNameLst>
+                                      </p:cBhvr>
+                                      <p:to>
+                                        <p:strVal val="visible"/>
+                                      </p:to>
+                                    </p:set>
+                                  </p:childTnLst>
+                                </p:cTn>
+                              </p:par>
+                            </p:childTnLst>
+                          </p:cTn>
+                        </p:par>
+                      </p:childTnLst>
+                    </p:cTn>
+                  </p:par>
+                  <p:par>
+                    <p:cTn id="17" fill="hold">
+                      <p:stCondLst>
+                        <p:cond delay="indefinite"/>
+                      </p:stCondLst>
+                      <p:childTnLst>
+                        <p:par>
+                          <p:cTn id="18" fill="hold">
+                            <p:stCondLst>
+                              <p:cond delay="0"/>
+                            </p:stCondLst>
+                            <p:childTnLst>
+                              <p:par>
+                                <p:cTn id="19" presetID="1" presetClass="entr" presetSubtype="0" fill="hold" grpId="0" nodeType="clickEffect">
+                                  <p:stCondLst>
+                                    <p:cond delay="0"/>
+                                  </p:stCondLst>
+                                  <p:childTnLst>
+                                    <p:set>
+                                      <p:cBhvr>
+                                        <p:cTn id="20" dur="1" fill="hold">
+                                          <p:stCondLst>
+                                            <p:cond delay="0"/>
+                                          </p:stCondLst>
+                                        </p:cTn>
+                                        <p:tgtEl>
+                                          <p:spTgt spid="80899">
+                                            <p:txEl>
+                                              <p:pRg st="4" end="4"/>
+                                            </p:txEl>
+                                          </p:spTgt>
+                                        </p:tgtEl>
+                                        <p:attrNameLst>
+                                          <p:attrName>style.visibility</p:attrName>
+                                        </p:attrNameLst>
+                                      </p:cBhvr>
+                                      <p:to>
+                                        <p:strVal val="visible"/>
+                                      </p:to>
+                                    </p:set>
+                                  </p:childTnLst>
+                                </p:cTn>
+                              </p:par>
+                              <p:par>
+                                <p:cTn id="21" presetID="1" presetClass="entr" presetSubtype="0" fill="hold" grpId="0" nodeType="withEffect">
+                                  <p:stCondLst>
+                                    <p:cond delay="0"/>
+                                  </p:stCondLst>
+                                  <p:childTnLst>
+                                    <p:set>
+                                      <p:cBhvr>
+                                        <p:cTn id="22" dur="1" fill="hold">
+                                          <p:stCondLst>
+                                            <p:cond delay="0"/>
+                                          </p:stCondLst>
+                                        </p:cTn>
+                                        <p:tgtEl>
+                                          <p:spTgt spid="80899">
+                                            <p:txEl>
+                                              <p:pRg st="5" end="5"/>
+                                            </p:txEl>
+                                          </p:spTgt>
+                                        </p:tgtEl>
+                                        <p:attrNameLst>
+                                          <p:attrName>style.visibility</p:attrName>
+                                        </p:attrNameLst>
+                                      </p:cBhvr>
+                                      <p:to>
+                                        <p:strVal val="visible"/>
+                                      </p:to>
+                                    </p:set>
+                                  </p:childTnLst>
+                                </p:cTn>
+                              </p:par>
+                            </p:childTnLst>
+                          </p:cTn>
+                        </p:par>
+                      </p:childTnLst>
+                    </p:cTn>
+                  </p:par>
+                </p:childTnLst>
+              </p:cTn>
+              <p:prevCondLst>
+                <p:cond evt="onPrev" delay="0">
+                  <p:tgtEl>
+                    <p:sldTgt/>
+                  </p:tgtEl>
+                </p:cond>
+              </p:prevCondLst>
+              <p:nextCondLst>
+                <p:cond evt="onNext" delay="0">
+                  <p:tgtEl>
+                    <p:sldTgt/>
+                  </p:tgtEl>
+                </p:cond>
+              </p:nextCondLst>
+            </p:seq>
+          </p:childTnLst>
+        </p:cTn>
+      </p:par>
+    </p:tnLst>
+    <p:bldLst>
+      <p:bldP spid="80899" grpId="0" build="p"/>
+    </p:bldLst>
+  </p:timing>
+</p:sld>
+</file>
+
+<file path=ppt/slides/slide11.xml><?xml version="1.0" encoding="utf-8"?>
 <p:sld xmlns:a="http://schemas.openxmlformats.org/drawingml/2006/main" xmlns:r="http://schemas.openxmlformats.org/officeDocument/2006/relationships" xmlns:p="http://schemas.openxmlformats.org/presentationml/2006/main" showMasterPhAnim="0">
   <p:cSld>
     <p:spTree>
@@ -4973,7 +5527,7 @@
 </p:sld>
 </file>
 
-<file path=ppt/slides/slide11.xml><?xml version="1.0" encoding="utf-8"?>
+<file path=ppt/slides/slide12.xml><?xml version="1.0" encoding="utf-8"?>
 <p:sld xmlns:a="http://schemas.openxmlformats.org/drawingml/2006/main" xmlns:r="http://schemas.openxmlformats.org/officeDocument/2006/relationships" xmlns:p="http://schemas.openxmlformats.org/presentationml/2006/main">
   <p:cSld>
     <p:spTree>
@@ -5392,7 +5946,7 @@
 </p:sld>
 </file>
 
-<file path=ppt/slides/slide12.xml><?xml version="1.0" encoding="utf-8"?>
+<file path=ppt/slides/slide13.xml><?xml version="1.0" encoding="utf-8"?>
 <p:sld xmlns:a="http://schemas.openxmlformats.org/drawingml/2006/main" xmlns:r="http://schemas.openxmlformats.org/officeDocument/2006/relationships" xmlns:p="http://schemas.openxmlformats.org/presentationml/2006/main" show="0">
   <p:cSld>
     <p:spTree>
@@ -5532,7 +6086,7 @@
 </p:sld>
 </file>
 
-<file path=ppt/slides/slide13.xml><?xml version="1.0" encoding="utf-8"?>
+<file path=ppt/slides/slide14.xml><?xml version="1.0" encoding="utf-8"?>
 <p:sld xmlns:a="http://schemas.openxmlformats.org/drawingml/2006/main" xmlns:r="http://schemas.openxmlformats.org/officeDocument/2006/relationships" xmlns:p="http://schemas.openxmlformats.org/presentationml/2006/main" showMasterPhAnim="0">
   <p:cSld>
     <p:spTree>
@@ -7142,7 +7696,7 @@
 </p:sld>
 </file>
 
-<file path=ppt/slides/slide14.xml><?xml version="1.0" encoding="utf-8"?>
+<file path=ppt/slides/slide15.xml><?xml version="1.0" encoding="utf-8"?>
 <p:sld xmlns:a="http://schemas.openxmlformats.org/drawingml/2006/main" xmlns:r="http://schemas.openxmlformats.org/officeDocument/2006/relationships" xmlns:p="http://schemas.openxmlformats.org/presentationml/2006/main">
   <p:cSld>
     <p:spTree>
@@ -7235,7 +7789,7 @@
 </p:sld>
 </file>
 
-<file path=ppt/slides/slide15.xml><?xml version="1.0" encoding="utf-8"?>
+<file path=ppt/slides/slide16.xml><?xml version="1.0" encoding="utf-8"?>
 <p:sld xmlns:a="http://schemas.openxmlformats.org/drawingml/2006/main" xmlns:r="http://schemas.openxmlformats.org/officeDocument/2006/relationships" xmlns:p="http://schemas.openxmlformats.org/presentationml/2006/main">
   <p:cSld>
     <p:spTree>
@@ -7436,7 +7990,7 @@
 </p:sld>
 </file>
 
-<file path=ppt/slides/slide16.xml><?xml version="1.0" encoding="utf-8"?>
+<file path=ppt/slides/slide17.xml><?xml version="1.0" encoding="utf-8"?>
 <p:sld xmlns:a="http://schemas.openxmlformats.org/drawingml/2006/main" xmlns:r="http://schemas.openxmlformats.org/officeDocument/2006/relationships" xmlns:p="http://schemas.openxmlformats.org/presentationml/2006/main">
   <p:cSld>
     <p:spTree>
@@ -7505,7 +8059,7 @@
 </p:sld>
 </file>
 
-<file path=ppt/slides/slide17.xml><?xml version="1.0" encoding="utf-8"?>
+<file path=ppt/slides/slide18.xml><?xml version="1.0" encoding="utf-8"?>
 <p:sld xmlns:a="http://schemas.openxmlformats.org/drawingml/2006/main" xmlns:r="http://schemas.openxmlformats.org/officeDocument/2006/relationships" xmlns:p="http://schemas.openxmlformats.org/presentationml/2006/main">
   <p:cSld>
     <p:spTree>
@@ -8209,7 +8763,7 @@
 </p:sld>
 </file>
 
-<file path=ppt/slides/slide18.xml><?xml version="1.0" encoding="utf-8"?>
+<file path=ppt/slides/slide19.xml><?xml version="1.0" encoding="utf-8"?>
 <p:sld xmlns:a="http://schemas.openxmlformats.org/drawingml/2006/main" xmlns:r="http://schemas.openxmlformats.org/officeDocument/2006/relationships" xmlns:p="http://schemas.openxmlformats.org/presentationml/2006/main">
   <p:cSld>
     <p:spTree>
@@ -8481,7 +9035,164 @@
 </p:sld>
 </file>
 
-<file path=ppt/slides/slide19.xml><?xml version="1.0" encoding="utf-8"?>
+<file path=ppt/slides/slide2.xml><?xml version="1.0" encoding="utf-8"?>
+<p:sld xmlns:a="http://schemas.openxmlformats.org/drawingml/2006/main" xmlns:r="http://schemas.openxmlformats.org/officeDocument/2006/relationships" xmlns:p="http://schemas.openxmlformats.org/presentationml/2006/main">
+  <p:cSld>
+    <p:spTree>
+      <p:nvGrpSpPr>
+        <p:cNvPr id="1" name=""/>
+        <p:cNvGrpSpPr/>
+        <p:nvPr/>
+      </p:nvGrpSpPr>
+      <p:grpSpPr>
+        <a:xfrm>
+          <a:off x="0" y="0"/>
+          <a:ext cx="0" cy="0"/>
+          <a:chOff x="0" y="0"/>
+          <a:chExt cx="0" cy="0"/>
+        </a:xfrm>
+      </p:grpSpPr>
+      <p:sp>
+        <p:nvSpPr>
+          <p:cNvPr id="2" name="Title 1">
+            <a:extLst>
+              <a:ext uri="{FF2B5EF4-FFF2-40B4-BE49-F238E27FC236}">
+                <a16:creationId xmlns:a16="http://schemas.microsoft.com/office/drawing/2014/main" id="{06B1618C-4E9B-45A2-B805-3ED885604A25}"/>
+              </a:ext>
+            </a:extLst>
+          </p:cNvPr>
+          <p:cNvSpPr>
+            <a:spLocks noGrp="1"/>
+          </p:cNvSpPr>
+          <p:nvPr>
+            <p:ph type="title"/>
+          </p:nvPr>
+        </p:nvSpPr>
+        <p:spPr/>
+        <p:txBody>
+          <a:bodyPr/>
+          <a:lstStyle/>
+          <a:p>
+            <a:r>
+              <a:rPr lang="en-US" dirty="0"/>
+              <a:t>How can we implement this? (hint: call/cc)</a:t>
+            </a:r>
+          </a:p>
+        </p:txBody>
+      </p:sp>
+      <p:sp>
+        <p:nvSpPr>
+          <p:cNvPr id="3" name="Content Placeholder 2">
+            <a:extLst>
+              <a:ext uri="{FF2B5EF4-FFF2-40B4-BE49-F238E27FC236}">
+                <a16:creationId xmlns:a16="http://schemas.microsoft.com/office/drawing/2014/main" id="{576371E3-F8F5-49C0-B187-07C29BCA2BA3}"/>
+              </a:ext>
+            </a:extLst>
+          </p:cNvPr>
+          <p:cNvSpPr>
+            <a:spLocks noGrp="1"/>
+          </p:cNvSpPr>
+          <p:nvPr>
+            <p:ph idx="1"/>
+          </p:nvPr>
+        </p:nvSpPr>
+        <p:spPr/>
+        <p:txBody>
+          <a:bodyPr/>
+          <a:lstStyle/>
+          <a:p>
+            <a:pPr marL="0" indent="0">
+              <a:buNone/>
+            </a:pPr>
+            <a:r>
+              <a:rPr lang="en-US" dirty="0"/>
+              <a:t>(run-</a:t>
+            </a:r>
+            <a:r>
+              <a:rPr lang="en-US" dirty="0" err="1"/>
+              <a:t>pausable</a:t>
+            </a:r>
+            <a:r>
+              <a:rPr lang="en-US" dirty="0"/>
+              <a:t> (lambda (pause-me)</a:t>
+            </a:r>
+          </a:p>
+          <a:p>
+            <a:pPr marL="0" indent="0">
+              <a:buNone/>
+            </a:pPr>
+            <a:r>
+              <a:rPr lang="en-US" dirty="0"/>
+              <a:t>                (display "1")</a:t>
+            </a:r>
+          </a:p>
+          <a:p>
+            <a:pPr marL="0" indent="0">
+              <a:buNone/>
+            </a:pPr>
+            <a:r>
+              <a:rPr lang="en-US" dirty="0"/>
+              <a:t>                (newline)</a:t>
+            </a:r>
+          </a:p>
+          <a:p>
+            <a:pPr marL="0" indent="0">
+              <a:buNone/>
+            </a:pPr>
+            <a:r>
+              <a:rPr lang="en-US" dirty="0"/>
+              <a:t>                (pause-me)</a:t>
+            </a:r>
+          </a:p>
+          <a:p>
+            <a:pPr marL="0" indent="0">
+              <a:buNone/>
+            </a:pPr>
+            <a:r>
+              <a:rPr lang="en-US" dirty="0"/>
+              <a:t>                (display "2")</a:t>
+            </a:r>
+          </a:p>
+          <a:p>
+            <a:pPr marL="0" indent="0">
+              <a:buNone/>
+            </a:pPr>
+            <a:r>
+              <a:rPr lang="en-US" dirty="0"/>
+              <a:t>                (newline)</a:t>
+            </a:r>
+          </a:p>
+          <a:p>
+            <a:pPr marL="0" indent="0">
+              <a:buNone/>
+            </a:pPr>
+            <a:r>
+              <a:rPr lang="en-US" dirty="0"/>
+              <a:t>                (display "3")))</a:t>
+            </a:r>
+          </a:p>
+          <a:p>
+            <a:pPr marL="0" indent="0">
+              <a:buNone/>
+            </a:pPr>
+            <a:endParaRPr lang="en-US" dirty="0"/>
+          </a:p>
+        </p:txBody>
+      </p:sp>
+    </p:spTree>
+    <p:extLst>
+      <p:ext uri="{BB962C8B-B14F-4D97-AF65-F5344CB8AC3E}">
+        <p14:creationId xmlns:p14="http://schemas.microsoft.com/office/powerpoint/2010/main" val="1355269295"/>
+      </p:ext>
+    </p:extLst>
+  </p:cSld>
+  <p:clrMapOvr>
+    <a:masterClrMapping/>
+  </p:clrMapOvr>
+</p:sld>
+</file>
+
+<file path=ppt/slides/slide20.xml><?xml version="1.0" encoding="utf-8"?>
 <p:sld xmlns:a="http://schemas.openxmlformats.org/drawingml/2006/main" xmlns:r="http://schemas.openxmlformats.org/officeDocument/2006/relationships" xmlns:p="http://schemas.openxmlformats.org/presentationml/2006/main">
   <p:cSld>
     <p:spTree>
@@ -8674,8 +9385,8 @@
 </p:sld>
 </file>
 
-<file path=ppt/slides/slide2.xml><?xml version="1.0" encoding="utf-8"?>
-<p:sld xmlns:a="http://schemas.openxmlformats.org/drawingml/2006/main" xmlns:r="http://schemas.openxmlformats.org/officeDocument/2006/relationships" xmlns:p="http://schemas.openxmlformats.org/presentationml/2006/main">
+<file path=ppt/slides/slide3.xml><?xml version="1.0" encoding="utf-8"?>
+<p:sld xmlns:a="http://schemas.openxmlformats.org/drawingml/2006/main" xmlns:r="http://schemas.openxmlformats.org/officeDocument/2006/relationships" xmlns:p="http://schemas.openxmlformats.org/presentationml/2006/main" show="0">
   <p:cSld>
     <p:spTree>
       <p:nvGrpSpPr>
@@ -8904,8 +9615,8 @@
 </p:sld>
 </file>
 
-<file path=ppt/slides/slide3.xml><?xml version="1.0" encoding="utf-8"?>
-<p:sld xmlns:a="http://schemas.openxmlformats.org/drawingml/2006/main" xmlns:r="http://schemas.openxmlformats.org/officeDocument/2006/relationships" xmlns:p="http://schemas.openxmlformats.org/presentationml/2006/main">
+<file path=ppt/slides/slide4.xml><?xml version="1.0" encoding="utf-8"?>
+<p:sld xmlns:a="http://schemas.openxmlformats.org/drawingml/2006/main" xmlns:r="http://schemas.openxmlformats.org/officeDocument/2006/relationships" xmlns:p="http://schemas.openxmlformats.org/presentationml/2006/main" show="0">
   <p:cSld>
     <p:spTree>
       <p:nvGrpSpPr>
@@ -9045,8 +9756,8 @@
 </p:sld>
 </file>
 
-<file path=ppt/slides/slide4.xml><?xml version="1.0" encoding="utf-8"?>
-<p:sld xmlns:a="http://schemas.openxmlformats.org/drawingml/2006/main" xmlns:r="http://schemas.openxmlformats.org/officeDocument/2006/relationships" xmlns:p="http://schemas.openxmlformats.org/presentationml/2006/main">
+<file path=ppt/slides/slide5.xml><?xml version="1.0" encoding="utf-8"?>
+<p:sld xmlns:a="http://schemas.openxmlformats.org/drawingml/2006/main" xmlns:r="http://schemas.openxmlformats.org/officeDocument/2006/relationships" xmlns:p="http://schemas.openxmlformats.org/presentationml/2006/main" show="0">
   <p:cSld>
     <p:spTree>
       <p:nvGrpSpPr>
@@ -9186,8 +9897,8 @@
 </p:sld>
 </file>
 
-<file path=ppt/slides/slide5.xml><?xml version="1.0" encoding="utf-8"?>
-<p:sld xmlns:a="http://schemas.openxmlformats.org/drawingml/2006/main" xmlns:r="http://schemas.openxmlformats.org/officeDocument/2006/relationships" xmlns:p="http://schemas.openxmlformats.org/presentationml/2006/main">
+<file path=ppt/slides/slide6.xml><?xml version="1.0" encoding="utf-8"?>
+<p:sld xmlns:a="http://schemas.openxmlformats.org/drawingml/2006/main" xmlns:r="http://schemas.openxmlformats.org/officeDocument/2006/relationships" xmlns:p="http://schemas.openxmlformats.org/presentationml/2006/main" show="0">
   <p:cSld>
     <p:spTree>
       <p:nvGrpSpPr>
@@ -9296,8 +10007,8 @@
 </p:sld>
 </file>
 
-<file path=ppt/slides/slide6.xml><?xml version="1.0" encoding="utf-8"?>
-<p:sld xmlns:a="http://schemas.openxmlformats.org/drawingml/2006/main" xmlns:r="http://schemas.openxmlformats.org/officeDocument/2006/relationships" xmlns:p="http://schemas.openxmlformats.org/presentationml/2006/main">
+<file path=ppt/slides/slide7.xml><?xml version="1.0" encoding="utf-8"?>
+<p:sld xmlns:a="http://schemas.openxmlformats.org/drawingml/2006/main" xmlns:r="http://schemas.openxmlformats.org/officeDocument/2006/relationships" xmlns:p="http://schemas.openxmlformats.org/presentationml/2006/main" show="0">
   <p:cSld>
     <p:spTree>
       <p:nvGrpSpPr>
@@ -9406,7 +10117,7 @@
 </p:sld>
 </file>
 
-<file path=ppt/slides/slide7.xml><?xml version="1.0" encoding="utf-8"?>
+<file path=ppt/slides/slide8.xml><?xml version="1.0" encoding="utf-8"?>
 <p:sld xmlns:a="http://schemas.openxmlformats.org/drawingml/2006/main" xmlns:r="http://schemas.openxmlformats.org/officeDocument/2006/relationships" xmlns:p="http://schemas.openxmlformats.org/presentationml/2006/main">
   <p:cSld>
     <p:spTree>
@@ -9553,7 +10264,7 @@
 </p:sld>
 </file>
 
-<file path=ppt/slides/slide8.xml><?xml version="1.0" encoding="utf-8"?>
+<file path=ppt/slides/slide9.xml><?xml version="1.0" encoding="utf-8"?>
 <p:sld xmlns:a="http://schemas.openxmlformats.org/drawingml/2006/main" xmlns:r="http://schemas.openxmlformats.org/officeDocument/2006/relationships" xmlns:p="http://schemas.openxmlformats.org/presentationml/2006/main">
   <p:cSld>
     <p:spTree>
@@ -9701,486 +10412,6 @@
   <p:clrMapOvr>
     <a:masterClrMapping/>
   </p:clrMapOvr>
-</p:sld>
-</file>
-
-<file path=ppt/slides/slide9.xml><?xml version="1.0" encoding="utf-8"?>
-<p:sld xmlns:a="http://schemas.openxmlformats.org/drawingml/2006/main" xmlns:r="http://schemas.openxmlformats.org/officeDocument/2006/relationships" xmlns:p="http://schemas.openxmlformats.org/presentationml/2006/main" showMasterPhAnim="0">
-  <p:cSld>
-    <p:spTree>
-      <p:nvGrpSpPr>
-        <p:cNvPr id="1" name=""/>
-        <p:cNvGrpSpPr/>
-        <p:nvPr/>
-      </p:nvGrpSpPr>
-      <p:grpSpPr>
-        <a:xfrm>
-          <a:off x="0" y="0"/>
-          <a:ext cx="0" cy="0"/>
-          <a:chOff x="0" y="0"/>
-          <a:chExt cx="0" cy="0"/>
-        </a:xfrm>
-      </p:grpSpPr>
-      <p:sp>
-        <p:nvSpPr>
-          <p:cNvPr id="80898" name="Rectangle 2"/>
-          <p:cNvSpPr>
-            <a:spLocks noGrp="1" noChangeArrowheads="1"/>
-          </p:cNvSpPr>
-          <p:nvPr>
-            <p:ph type="title"/>
-          </p:nvPr>
-        </p:nvSpPr>
-        <p:spPr>
-          <a:xfrm>
-            <a:off x="2471739" y="1"/>
-            <a:ext cx="5737225" cy="930275"/>
-          </a:xfrm>
-        </p:spPr>
-        <p:txBody>
-          <a:bodyPr/>
-          <a:lstStyle/>
-          <a:p>
-            <a:r>
-              <a:rPr lang="en-US" sz="4000" dirty="0"/>
-              <a:t>How Engines work 2</a:t>
-            </a:r>
-          </a:p>
-        </p:txBody>
-      </p:sp>
-      <p:sp>
-        <p:nvSpPr>
-          <p:cNvPr id="80899" name="Rectangle 3"/>
-          <p:cNvSpPr>
-            <a:spLocks noGrp="1" noChangeArrowheads="1"/>
-          </p:cNvSpPr>
-          <p:nvPr>
-            <p:ph type="body" idx="1"/>
-          </p:nvPr>
-        </p:nvSpPr>
-        <p:spPr>
-          <a:xfrm>
-            <a:off x="1524000" y="914400"/>
-            <a:ext cx="8909050" cy="5410200"/>
-          </a:xfrm>
-        </p:spPr>
-        <p:txBody>
-          <a:bodyPr/>
-          <a:lstStyle/>
-          <a:p>
-            <a:pPr>
-              <a:lnSpc>
-                <a:spcPct val="90000"/>
-              </a:lnSpc>
-            </a:pPr>
-            <a:r>
-              <a:rPr lang="en-US" sz="2800" dirty="0"/>
-              <a:t>The three arguments passed  to an engine are:</a:t>
-            </a:r>
-          </a:p>
-          <a:p>
-            <a:pPr>
-              <a:lnSpc>
-                <a:spcPct val="90000"/>
-              </a:lnSpc>
-            </a:pPr>
-            <a:r>
-              <a:rPr lang="en-US" sz="2800" dirty="0">
-                <a:solidFill>
-                  <a:srgbClr val="FF0000"/>
-                </a:solidFill>
-              </a:rPr>
-              <a:t>ticks:</a:t>
-            </a:r>
-            <a:r>
-              <a:rPr lang="en-US" sz="2800" dirty="0"/>
-              <a:t>   a positive integer specifying the amount of "fuel" given to the engine.</a:t>
-            </a:r>
-          </a:p>
-          <a:p>
-            <a:pPr>
-              <a:lnSpc>
-                <a:spcPct val="90000"/>
-              </a:lnSpc>
-            </a:pPr>
-            <a:r>
-              <a:rPr lang="en-US" sz="2800" dirty="0">
-                <a:solidFill>
-                  <a:srgbClr val="FF0000"/>
-                </a:solidFill>
-              </a:rPr>
-              <a:t>complete:</a:t>
-            </a:r>
-            <a:r>
-              <a:rPr lang="en-US" sz="2800" dirty="0"/>
-              <a:t>  a procedure that specifies what to do if the evaluation of </a:t>
-            </a:r>
-            <a:r>
-              <a:rPr lang="en-US" sz="2800" dirty="0">
-                <a:latin typeface="Courier New" pitchFamily="49" charset="0"/>
-              </a:rPr>
-              <a:t>thunk</a:t>
-            </a:r>
-            <a:r>
-              <a:rPr lang="en-US" sz="2800" dirty="0"/>
-              <a:t> finishes before the fuel expires.  </a:t>
-            </a:r>
-          </a:p>
-          <a:p>
-            <a:pPr lvl="1">
-              <a:lnSpc>
-                <a:spcPct val="90000"/>
-              </a:lnSpc>
-            </a:pPr>
-            <a:r>
-              <a:rPr lang="en-US" dirty="0">
-                <a:latin typeface="Courier New" pitchFamily="49" charset="0"/>
-              </a:rPr>
-              <a:t>complete</a:t>
-            </a:r>
-            <a:r>
-              <a:rPr lang="en-US" dirty="0"/>
-              <a:t> is a procedure of two arguments: amount of fuel "left over" and the result of the computation.</a:t>
-            </a:r>
-          </a:p>
-          <a:p>
-            <a:pPr>
-              <a:lnSpc>
-                <a:spcPct val="90000"/>
-              </a:lnSpc>
-            </a:pPr>
-            <a:r>
-              <a:rPr lang="en-US" sz="2800" dirty="0">
-                <a:solidFill>
-                  <a:srgbClr val="FF0000"/>
-                </a:solidFill>
-              </a:rPr>
-              <a:t>expire:</a:t>
-            </a:r>
-            <a:r>
-              <a:rPr lang="en-US" sz="2800" dirty="0"/>
-              <a:t>  a one-argument procedure to be executed if the computation runs out of fuel before it completes.  </a:t>
-            </a:r>
-          </a:p>
-          <a:p>
-            <a:pPr lvl="1">
-              <a:lnSpc>
-                <a:spcPct val="90000"/>
-              </a:lnSpc>
-            </a:pPr>
-            <a:r>
-              <a:rPr lang="en-US" dirty="0"/>
-              <a:t>The argument that will be passed to </a:t>
-            </a:r>
-            <a:r>
-              <a:rPr lang="en-US" dirty="0">
-                <a:latin typeface="Courier New" pitchFamily="49" charset="0"/>
-              </a:rPr>
-              <a:t>expire</a:t>
-            </a:r>
-            <a:r>
-              <a:rPr lang="en-US" dirty="0"/>
-              <a:t> is a new engine that can finish the computation from where it left off.</a:t>
-            </a:r>
-          </a:p>
-        </p:txBody>
-      </p:sp>
-    </p:spTree>
-  </p:cSld>
-  <p:clrMapOvr>
-    <a:masterClrMapping/>
-  </p:clrMapOvr>
-  <p:timing>
-    <p:tnLst>
-      <p:par>
-        <p:cTn id="1" dur="indefinite" restart="never" nodeType="tmRoot">
-          <p:childTnLst>
-            <p:seq concurrent="1" nextAc="seek">
-              <p:cTn id="2" dur="indefinite" nodeType="mainSeq">
-                <p:childTnLst>
-                  <p:par>
-                    <p:cTn id="3" fill="hold">
-                      <p:stCondLst>
-                        <p:cond delay="indefinite"/>
-                      </p:stCondLst>
-                      <p:childTnLst>
-                        <p:par>
-                          <p:cTn id="4" fill="hold">
-                            <p:stCondLst>
-                              <p:cond delay="0"/>
-                            </p:stCondLst>
-                            <p:childTnLst>
-                              <p:par>
-                                <p:cTn id="5" presetID="1" presetClass="entr" presetSubtype="0" fill="hold" grpId="0" nodeType="clickEffect">
-                                  <p:stCondLst>
-                                    <p:cond delay="0"/>
-                                  </p:stCondLst>
-                                  <p:childTnLst>
-                                    <p:set>
-                                      <p:cBhvr>
-                                        <p:cTn id="6" dur="1" fill="hold">
-                                          <p:stCondLst>
-                                            <p:cond delay="0"/>
-                                          </p:stCondLst>
-                                        </p:cTn>
-                                        <p:tgtEl>
-                                          <p:spTgt spid="80899">
-                                            <p:txEl>
-                                              <p:pRg st="0" end="0"/>
-                                            </p:txEl>
-                                          </p:spTgt>
-                                        </p:tgtEl>
-                                        <p:attrNameLst>
-                                          <p:attrName>style.visibility</p:attrName>
-                                        </p:attrNameLst>
-                                      </p:cBhvr>
-                                      <p:to>
-                                        <p:strVal val="visible"/>
-                                      </p:to>
-                                    </p:set>
-                                  </p:childTnLst>
-                                </p:cTn>
-                              </p:par>
-                            </p:childTnLst>
-                          </p:cTn>
-                        </p:par>
-                      </p:childTnLst>
-                    </p:cTn>
-                  </p:par>
-                  <p:par>
-                    <p:cTn id="7" fill="hold">
-                      <p:stCondLst>
-                        <p:cond delay="indefinite"/>
-                      </p:stCondLst>
-                      <p:childTnLst>
-                        <p:par>
-                          <p:cTn id="8" fill="hold">
-                            <p:stCondLst>
-                              <p:cond delay="0"/>
-                            </p:stCondLst>
-                            <p:childTnLst>
-                              <p:par>
-                                <p:cTn id="9" presetID="1" presetClass="entr" presetSubtype="0" fill="hold" grpId="0" nodeType="clickEffect">
-                                  <p:stCondLst>
-                                    <p:cond delay="0"/>
-                                  </p:stCondLst>
-                                  <p:childTnLst>
-                                    <p:set>
-                                      <p:cBhvr>
-                                        <p:cTn id="10" dur="1" fill="hold">
-                                          <p:stCondLst>
-                                            <p:cond delay="0"/>
-                                          </p:stCondLst>
-                                        </p:cTn>
-                                        <p:tgtEl>
-                                          <p:spTgt spid="80899">
-                                            <p:txEl>
-                                              <p:pRg st="1" end="1"/>
-                                            </p:txEl>
-                                          </p:spTgt>
-                                        </p:tgtEl>
-                                        <p:attrNameLst>
-                                          <p:attrName>style.visibility</p:attrName>
-                                        </p:attrNameLst>
-                                      </p:cBhvr>
-                                      <p:to>
-                                        <p:strVal val="visible"/>
-                                      </p:to>
-                                    </p:set>
-                                  </p:childTnLst>
-                                </p:cTn>
-                              </p:par>
-                            </p:childTnLst>
-                          </p:cTn>
-                        </p:par>
-                      </p:childTnLst>
-                    </p:cTn>
-                  </p:par>
-                  <p:par>
-                    <p:cTn id="11" fill="hold">
-                      <p:stCondLst>
-                        <p:cond delay="indefinite"/>
-                      </p:stCondLst>
-                      <p:childTnLst>
-                        <p:par>
-                          <p:cTn id="12" fill="hold">
-                            <p:stCondLst>
-                              <p:cond delay="0"/>
-                            </p:stCondLst>
-                            <p:childTnLst>
-                              <p:par>
-                                <p:cTn id="13" presetID="1" presetClass="entr" presetSubtype="0" fill="hold" grpId="0" nodeType="clickEffect">
-                                  <p:stCondLst>
-                                    <p:cond delay="0"/>
-                                  </p:stCondLst>
-                                  <p:childTnLst>
-                                    <p:set>
-                                      <p:cBhvr>
-                                        <p:cTn id="14" dur="1" fill="hold">
-                                          <p:stCondLst>
-                                            <p:cond delay="0"/>
-                                          </p:stCondLst>
-                                        </p:cTn>
-                                        <p:tgtEl>
-                                          <p:spTgt spid="80899">
-                                            <p:txEl>
-                                              <p:pRg st="2" end="2"/>
-                                            </p:txEl>
-                                          </p:spTgt>
-                                        </p:tgtEl>
-                                        <p:attrNameLst>
-                                          <p:attrName>style.visibility</p:attrName>
-                                        </p:attrNameLst>
-                                      </p:cBhvr>
-                                      <p:to>
-                                        <p:strVal val="visible"/>
-                                      </p:to>
-                                    </p:set>
-                                  </p:childTnLst>
-                                </p:cTn>
-                              </p:par>
-                              <p:par>
-                                <p:cTn id="15" presetID="1" presetClass="entr" presetSubtype="0" fill="hold" grpId="0" nodeType="withEffect">
-                                  <p:stCondLst>
-                                    <p:cond delay="0"/>
-                                  </p:stCondLst>
-                                  <p:childTnLst>
-                                    <p:set>
-                                      <p:cBhvr>
-                                        <p:cTn id="16" dur="1" fill="hold">
-                                          <p:stCondLst>
-                                            <p:cond delay="0"/>
-                                          </p:stCondLst>
-                                        </p:cTn>
-                                        <p:tgtEl>
-                                          <p:spTgt spid="80899">
-                                            <p:txEl>
-                                              <p:pRg st="3" end="3"/>
-                                            </p:txEl>
-                                          </p:spTgt>
-                                        </p:tgtEl>
-                                        <p:attrNameLst>
-                                          <p:attrName>style.visibility</p:attrName>
-                                        </p:attrNameLst>
-                                      </p:cBhvr>
-                                      <p:to>
-                                        <p:strVal val="visible"/>
-                                      </p:to>
-                                    </p:set>
-                                  </p:childTnLst>
-                                </p:cTn>
-                              </p:par>
-                            </p:childTnLst>
-                          </p:cTn>
-                        </p:par>
-                      </p:childTnLst>
-                    </p:cTn>
-                  </p:par>
-                  <p:par>
-                    <p:cTn id="17" fill="hold">
-                      <p:stCondLst>
-                        <p:cond delay="indefinite"/>
-                      </p:stCondLst>
-                      <p:childTnLst>
-                        <p:par>
-                          <p:cTn id="18" fill="hold">
-                            <p:stCondLst>
-                              <p:cond delay="0"/>
-                            </p:stCondLst>
-                            <p:childTnLst>
-                              <p:par>
-                                <p:cTn id="19" presetID="1" presetClass="entr" presetSubtype="0" fill="hold" grpId="0" nodeType="clickEffect">
-                                  <p:stCondLst>
-                                    <p:cond delay="0"/>
-                                  </p:stCondLst>
-                                  <p:childTnLst>
-                                    <p:set>
-                                      <p:cBhvr>
-                                        <p:cTn id="20" dur="1" fill="hold">
-                                          <p:stCondLst>
-                                            <p:cond delay="0"/>
-                                          </p:stCondLst>
-                                        </p:cTn>
-                                        <p:tgtEl>
-                                          <p:spTgt spid="80899">
-                                            <p:txEl>
-                                              <p:pRg st="4" end="4"/>
-                                            </p:txEl>
-                                          </p:spTgt>
-                                        </p:tgtEl>
-                                        <p:attrNameLst>
-                                          <p:attrName>style.visibility</p:attrName>
-                                        </p:attrNameLst>
-                                      </p:cBhvr>
-                                      <p:to>
-                                        <p:strVal val="visible"/>
-                                      </p:to>
-                                    </p:set>
-                                  </p:childTnLst>
-                                </p:cTn>
-                              </p:par>
-                              <p:par>
-                                <p:cTn id="21" presetID="1" presetClass="entr" presetSubtype="0" fill="hold" grpId="0" nodeType="withEffect">
-                                  <p:stCondLst>
-                                    <p:cond delay="0"/>
-                                  </p:stCondLst>
-                                  <p:childTnLst>
-                                    <p:set>
-                                      <p:cBhvr>
-                                        <p:cTn id="22" dur="1" fill="hold">
-                                          <p:stCondLst>
-                                            <p:cond delay="0"/>
-                                          </p:stCondLst>
-                                        </p:cTn>
-                                        <p:tgtEl>
-                                          <p:spTgt spid="80899">
-                                            <p:txEl>
-                                              <p:pRg st="5" end="5"/>
-                                            </p:txEl>
-                                          </p:spTgt>
-                                        </p:tgtEl>
-                                        <p:attrNameLst>
-                                          <p:attrName>style.visibility</p:attrName>
-                                        </p:attrNameLst>
-                                      </p:cBhvr>
-                                      <p:to>
-                                        <p:strVal val="visible"/>
-                                      </p:to>
-                                    </p:set>
-                                  </p:childTnLst>
-                                </p:cTn>
-                              </p:par>
-                            </p:childTnLst>
-                          </p:cTn>
-                        </p:par>
-                      </p:childTnLst>
-                    </p:cTn>
-                  </p:par>
-                </p:childTnLst>
-              </p:cTn>
-              <p:prevCondLst>
-                <p:cond evt="onPrev" delay="0">
-                  <p:tgtEl>
-                    <p:sldTgt/>
-                  </p:tgtEl>
-                </p:cond>
-              </p:prevCondLst>
-              <p:nextCondLst>
-                <p:cond evt="onNext" delay="0">
-                  <p:tgtEl>
-                    <p:sldTgt/>
-                  </p:tgtEl>
-                </p:cond>
-              </p:nextCondLst>
-            </p:seq>
-          </p:childTnLst>
-        </p:cTn>
-      </p:par>
-    </p:tnLst>
-    <p:bldLst>
-      <p:bldP spid="80899" grpId="0" build="p"/>
-    </p:bldLst>
-  </p:timing>
 </p:sld>
 </file>
 

--- a/ClassMaterials/Engines/35_Final_Engines.pptx
+++ b/ClassMaterials/Engines/35_Final_Engines.pptx
@@ -183,7 +183,7 @@
   <pc:docChgLst>
     <pc:chgData name="Hewner, Mike" userId="7f3f83dd-6dfb-4127-a87f-c1714bd4fac9" providerId="ADAL" clId="{14FC7E2B-0F04-4A10-B901-1DBC3B72BF4A}"/>
     <pc:docChg chg="addSld modSld">
-      <pc:chgData name="Hewner, Mike" userId="7f3f83dd-6dfb-4127-a87f-c1714bd4fac9" providerId="ADAL" clId="{14FC7E2B-0F04-4A10-B901-1DBC3B72BF4A}" dt="2021-11-05T14:48:29.802" v="48" actId="20577"/>
+      <pc:chgData name="Hewner, Mike" userId="7f3f83dd-6dfb-4127-a87f-c1714bd4fac9" providerId="ADAL" clId="{14FC7E2B-0F04-4A10-B901-1DBC3B72BF4A}" dt="2021-11-08T15:21:41.823" v="51"/>
       <pc:docMkLst>
         <pc:docMk/>
       </pc:docMkLst>
@@ -207,6 +207,13 @@
         <pc:sldMkLst>
           <pc:docMk/>
           <pc:sldMk cId="2789957542" sldId="412"/>
+        </pc:sldMkLst>
+      </pc:sldChg>
+      <pc:sldChg chg="modNotesTx">
+        <pc:chgData name="Hewner, Mike" userId="7f3f83dd-6dfb-4127-a87f-c1714bd4fac9" providerId="ADAL" clId="{14FC7E2B-0F04-4A10-B901-1DBC3B72BF4A}" dt="2021-11-08T15:21:41.823" v="51"/>
+        <pc:sldMkLst>
+          <pc:docMk/>
+          <pc:sldMk cId="4072322918" sldId="447"/>
         </pc:sldMkLst>
       </pc:sldChg>
       <pc:sldChg chg="mod modShow">
@@ -1406,6 +1413,138 @@
 </file>
 
 <file path=ppt/notesSlides/notesSlide6.xml><?xml version="1.0" encoding="utf-8"?>
+<p:notes xmlns:a="http://schemas.openxmlformats.org/drawingml/2006/main" xmlns:r="http://schemas.openxmlformats.org/officeDocument/2006/relationships" xmlns:p="http://schemas.openxmlformats.org/presentationml/2006/main">
+  <p:cSld>
+    <p:spTree>
+      <p:nvGrpSpPr>
+        <p:cNvPr id="1" name=""/>
+        <p:cNvGrpSpPr/>
+        <p:nvPr/>
+      </p:nvGrpSpPr>
+      <p:grpSpPr>
+        <a:xfrm>
+          <a:off x="0" y="0"/>
+          <a:ext cx="0" cy="0"/>
+          <a:chOff x="0" y="0"/>
+          <a:chExt cx="0" cy="0"/>
+        </a:xfrm>
+      </p:grpSpPr>
+      <p:sp>
+        <p:nvSpPr>
+          <p:cNvPr id="2" name="Slide Image Placeholder 1"/>
+          <p:cNvSpPr>
+            <a:spLocks noGrp="1" noRot="1" noChangeAspect="1"/>
+          </p:cNvSpPr>
+          <p:nvPr>
+            <p:ph type="sldImg"/>
+          </p:nvPr>
+        </p:nvSpPr>
+        <p:spPr/>
+      </p:sp>
+      <p:sp>
+        <p:nvSpPr>
+          <p:cNvPr id="3" name="Notes Placeholder 2"/>
+          <p:cNvSpPr>
+            <a:spLocks noGrp="1"/>
+          </p:cNvSpPr>
+          <p:nvPr>
+            <p:ph type="body" idx="1"/>
+          </p:nvPr>
+        </p:nvSpPr>
+        <p:spPr/>
+        <p:txBody>
+          <a:bodyPr/>
+          <a:lstStyle/>
+          <a:p>
+            <a:r>
+              <a:rPr lang="en-US" dirty="0">
+                <a:effectLst/>
+                <a:latin typeface="Arial" panose="020B0604020202020204" pitchFamily="34" charset="0"/>
+              </a:rPr>
+              <a:t>Engines from Continuations</a:t>
+            </a:r>
+            <a:br>
+              <a:rPr lang="en-US" dirty="0"/>
+            </a:br>
+            <a:r>
+              <a:rPr lang="en-US" dirty="0">
+                <a:effectLst/>
+                <a:latin typeface="Arial" panose="020B0604020202020204" pitchFamily="34" charset="0"/>
+              </a:rPr>
+              <a:t>R. Kent </a:t>
+            </a:r>
+            <a:r>
+              <a:rPr lang="en-US" dirty="0" err="1">
+                <a:effectLst/>
+                <a:latin typeface="Arial" panose="020B0604020202020204" pitchFamily="34" charset="0"/>
+              </a:rPr>
+              <a:t>Dybvig</a:t>
+            </a:r>
+            <a:r>
+              <a:rPr lang="en-US" dirty="0">
+                <a:effectLst/>
+                <a:latin typeface="Arial" panose="020B0604020202020204" pitchFamily="34" charset="0"/>
+              </a:rPr>
+              <a:t> and Robert </a:t>
+            </a:r>
+            <a:r>
+              <a:rPr lang="en-US" dirty="0" err="1">
+                <a:effectLst/>
+                <a:latin typeface="Arial" panose="020B0604020202020204" pitchFamily="34" charset="0"/>
+              </a:rPr>
+              <a:t>Hieb</a:t>
+            </a:r>
+            <a:endParaRPr lang="en-US" dirty="0">
+              <a:effectLst/>
+              <a:latin typeface="Arial" panose="020B0604020202020204" pitchFamily="34" charset="0"/>
+            </a:endParaRPr>
+          </a:p>
+          <a:p>
+            <a:r>
+              <a:rPr lang="en-US" dirty="0"/>
+              <a:t>https://legacy.cs.indiana.edu/~dyb/pubs/engines.pdf</a:t>
+            </a:r>
+          </a:p>
+        </p:txBody>
+      </p:sp>
+      <p:sp>
+        <p:nvSpPr>
+          <p:cNvPr id="4" name="Slide Number Placeholder 3"/>
+          <p:cNvSpPr>
+            <a:spLocks noGrp="1"/>
+          </p:cNvSpPr>
+          <p:nvPr>
+            <p:ph type="sldNum" sz="quarter" idx="5"/>
+          </p:nvPr>
+        </p:nvSpPr>
+        <p:spPr/>
+        <p:txBody>
+          <a:bodyPr/>
+          <a:lstStyle/>
+          <a:p>
+            <a:fld id="{76265C54-799C-4F9B-B21B-5E9FC6A82654}" type="slidenum">
+              <a:rPr lang="en-US" smtClean="0"/>
+              <a:pPr/>
+              <a:t>16</a:t>
+            </a:fld>
+            <a:endParaRPr lang="en-US"/>
+          </a:p>
+        </p:txBody>
+      </p:sp>
+    </p:spTree>
+    <p:extLst>
+      <p:ext uri="{BB962C8B-B14F-4D97-AF65-F5344CB8AC3E}">
+        <p14:creationId xmlns:p14="http://schemas.microsoft.com/office/powerpoint/2010/main" val="3027234544"/>
+      </p:ext>
+    </p:extLst>
+  </p:cSld>
+  <p:clrMapOvr>
+    <a:masterClrMapping/>
+  </p:clrMapOvr>
+</p:notes>
+</file>
+
+<file path=ppt/notesSlides/notesSlide7.xml><?xml version="1.0" encoding="utf-8"?>
 <p:notes xmlns:a="http://schemas.openxmlformats.org/drawingml/2006/main" xmlns:r="http://schemas.openxmlformats.org/officeDocument/2006/relationships" xmlns:p="http://schemas.openxmlformats.org/presentationml/2006/main">
   <p:cSld>
     <p:spTree>
@@ -7854,7 +7993,7 @@
           <p:nvPr/>
         </p:nvPicPr>
         <p:blipFill>
-          <a:blip r:embed="rId2"/>
+          <a:blip r:embed="rId3"/>
           <a:stretch>
             <a:fillRect/>
           </a:stretch>

--- a/ClassMaterials/Engines/35_Final_Engines.pptx
+++ b/ClassMaterials/Engines/35_Final_Engines.pptx
@@ -260,6 +260,30 @@
         </pc:spChg>
         <pc:spChg chg="mod">
           <ac:chgData name="Hewner, Mike" userId="7f3f83dd-6dfb-4127-a87f-c1714bd4fac9" providerId="ADAL" clId="{14FC7E2B-0F04-4A10-B901-1DBC3B72BF4A}" dt="2021-11-05T14:47:55.656" v="4"/>
+          <ac:spMkLst>
+            <pc:docMk/>
+            <pc:sldMk cId="1355269295" sldId="459"/>
+            <ac:spMk id="3" creationId="{576371E3-F8F5-49C0-B187-07C29BCA2BA3}"/>
+          </ac:spMkLst>
+        </pc:spChg>
+      </pc:sldChg>
+    </pc:docChg>
+  </pc:docChgLst>
+  <pc:docChgLst>
+    <pc:chgData name="Hewner, Mike" userId="7f3f83dd-6dfb-4127-a87f-c1714bd4fac9" providerId="ADAL" clId="{BBA2D8EA-036A-4EF7-8187-05A3C68860D7}"/>
+    <pc:docChg chg="custSel modSld">
+      <pc:chgData name="Hewner, Mike" userId="7f3f83dd-6dfb-4127-a87f-c1714bd4fac9" providerId="ADAL" clId="{BBA2D8EA-036A-4EF7-8187-05A3C68860D7}" dt="2022-02-10T19:16:29.609" v="93" actId="20577"/>
+      <pc:docMkLst>
+        <pc:docMk/>
+      </pc:docMkLst>
+      <pc:sldChg chg="modSp mod">
+        <pc:chgData name="Hewner, Mike" userId="7f3f83dd-6dfb-4127-a87f-c1714bd4fac9" providerId="ADAL" clId="{BBA2D8EA-036A-4EF7-8187-05A3C68860D7}" dt="2022-02-10T19:16:29.609" v="93" actId="20577"/>
+        <pc:sldMkLst>
+          <pc:docMk/>
+          <pc:sldMk cId="1355269295" sldId="459"/>
+        </pc:sldMkLst>
+        <pc:spChg chg="mod">
+          <ac:chgData name="Hewner, Mike" userId="7f3f83dd-6dfb-4127-a87f-c1714bd4fac9" providerId="ADAL" clId="{BBA2D8EA-036A-4EF7-8187-05A3C68860D7}" dt="2022-02-10T19:16:29.609" v="93" actId="20577"/>
           <ac:spMkLst>
             <pc:docMk/>
             <pc:sldMk cId="1355269295" sldId="459"/>
@@ -9244,16 +9268,16 @@
               <a:buNone/>
             </a:pPr>
             <a:r>
-              <a:rPr lang="en-US" dirty="0"/>
+              <a:rPr lang="en-US" sz="2800" dirty="0"/>
               <a:t>(run-</a:t>
             </a:r>
             <a:r>
-              <a:rPr lang="en-US" dirty="0" err="1"/>
+              <a:rPr lang="en-US" sz="2800" dirty="0" err="1"/>
               <a:t>pausable</a:t>
             </a:r>
             <a:r>
-              <a:rPr lang="en-US" dirty="0"/>
-              <a:t> (lambda (pause-me)</a:t>
+              <a:rPr lang="en-US" sz="2800" dirty="0"/>
+              <a:t> (lambda ()</a:t>
             </a:r>
           </a:p>
           <a:p>
@@ -9261,8 +9285,8 @@
               <a:buNone/>
             </a:pPr>
             <a:r>
-              <a:rPr lang="en-US" dirty="0"/>
-              <a:t>                (display "1")</a:t>
+              <a:rPr lang="en-US" sz="2800" dirty="0"/>
+              <a:t>                (display 1)</a:t>
             </a:r>
           </a:p>
           <a:p>
@@ -9270,8 +9294,8 @@
               <a:buNone/>
             </a:pPr>
             <a:r>
-              <a:rPr lang="en-US" dirty="0"/>
-              <a:t>                (newline)</a:t>
+              <a:rPr lang="en-US" sz="2800" dirty="0"/>
+              <a:t>                (pause-me)</a:t>
             </a:r>
           </a:p>
           <a:p>
@@ -9279,8 +9303,8 @@
               <a:buNone/>
             </a:pPr>
             <a:r>
-              <a:rPr lang="en-US" dirty="0"/>
-              <a:t>                (pause-me)</a:t>
+              <a:rPr lang="en-US" sz="2800" dirty="0"/>
+              <a:t>                (display 3)))</a:t>
             </a:r>
           </a:p>
           <a:p>
@@ -9288,8 +9312,8 @@
               <a:buNone/>
             </a:pPr>
             <a:r>
-              <a:rPr lang="en-US" dirty="0"/>
-              <a:t>                (display "2")</a:t>
+              <a:rPr lang="en-US" sz="2800" dirty="0"/>
+              <a:t>(display 2)</a:t>
             </a:r>
           </a:p>
           <a:p>
@@ -9297,8 +9321,8 @@
               <a:buNone/>
             </a:pPr>
             <a:r>
-              <a:rPr lang="en-US" dirty="0"/>
-              <a:t>                (newline)</a:t>
+              <a:rPr lang="en-US" sz="2800" dirty="0"/>
+              <a:t>(resume)</a:t>
             </a:r>
           </a:p>
           <a:p>
@@ -9306,9 +9330,22 @@
               <a:buNone/>
             </a:pPr>
             <a:r>
-              <a:rPr lang="en-US" dirty="0"/>
-              <a:t>                (display "3")))</a:t>
-            </a:r>
+              <a:rPr lang="en-US" sz="2800" dirty="0"/>
+              <a:t>(</a:t>
+            </a:r>
+            <a:r>
+              <a:rPr lang="en-US" sz="2800"/>
+              <a:t>display </a:t>
+            </a:r>
+            <a:r>
+              <a:rPr lang="en-US" sz="2800" dirty="0"/>
+              <a:t>4</a:t>
+            </a:r>
+            <a:r>
+              <a:rPr lang="en-US" sz="2800"/>
+              <a:t>)</a:t>
+            </a:r>
+            <a:endParaRPr lang="en-US" sz="2800" dirty="0"/>
           </a:p>
           <a:p>
             <a:pPr marL="0" indent="0">

--- a/ClassMaterials/Engines/35_Final_Engines.pptx
+++ b/ClassMaterials/Engines/35_Final_Engines.pptx
@@ -5,32 +5,30 @@
     <p:sldMasterId id="2147483648" r:id="rId1"/>
   </p:sldMasterIdLst>
   <p:notesMasterIdLst>
-    <p:notesMasterId r:id="rId22"/>
+    <p:notesMasterId r:id="rId20"/>
   </p:notesMasterIdLst>
   <p:handoutMasterIdLst>
-    <p:handoutMasterId r:id="rId23"/>
+    <p:handoutMasterId r:id="rId21"/>
   </p:handoutMasterIdLst>
   <p:sldIdLst>
     <p:sldId id="304" r:id="rId2"/>
-    <p:sldId id="459" r:id="rId3"/>
-    <p:sldId id="458" r:id="rId4"/>
-    <p:sldId id="412" r:id="rId5"/>
-    <p:sldId id="457" r:id="rId6"/>
-    <p:sldId id="455" r:id="rId7"/>
-    <p:sldId id="456" r:id="rId8"/>
-    <p:sldId id="330" r:id="rId9"/>
-    <p:sldId id="331" r:id="rId10"/>
-    <p:sldId id="332" r:id="rId11"/>
-    <p:sldId id="333" r:id="rId12"/>
-    <p:sldId id="453" r:id="rId13"/>
-    <p:sldId id="367" r:id="rId14"/>
-    <p:sldId id="366" r:id="rId15"/>
-    <p:sldId id="446" r:id="rId16"/>
-    <p:sldId id="447" r:id="rId17"/>
-    <p:sldId id="335" r:id="rId18"/>
-    <p:sldId id="336" r:id="rId19"/>
-    <p:sldId id="338" r:id="rId20"/>
-    <p:sldId id="339" r:id="rId21"/>
+    <p:sldId id="460" r:id="rId3"/>
+    <p:sldId id="461" r:id="rId4"/>
+    <p:sldId id="462" r:id="rId5"/>
+    <p:sldId id="459" r:id="rId6"/>
+    <p:sldId id="330" r:id="rId7"/>
+    <p:sldId id="331" r:id="rId8"/>
+    <p:sldId id="332" r:id="rId9"/>
+    <p:sldId id="333" r:id="rId10"/>
+    <p:sldId id="453" r:id="rId11"/>
+    <p:sldId id="367" r:id="rId12"/>
+    <p:sldId id="366" r:id="rId13"/>
+    <p:sldId id="446" r:id="rId14"/>
+    <p:sldId id="447" r:id="rId15"/>
+    <p:sldId id="335" r:id="rId16"/>
+    <p:sldId id="336" r:id="rId17"/>
+    <p:sldId id="338" r:id="rId18"/>
+    <p:sldId id="339" r:id="rId19"/>
   </p:sldIdLst>
   <p:sldSz cx="12192000" cy="6858000"/>
   <p:notesSz cx="7315200" cy="9601200"/>
@@ -1073,91 +1071,6 @@
       </p:grpSpPr>
       <p:sp>
         <p:nvSpPr>
-          <p:cNvPr id="2" name="Slide Image Placeholder 1"/>
-          <p:cNvSpPr>
-            <a:spLocks noGrp="1" noRot="1" noChangeAspect="1"/>
-          </p:cNvSpPr>
-          <p:nvPr>
-            <p:ph type="sldImg"/>
-          </p:nvPr>
-        </p:nvSpPr>
-        <p:spPr/>
-      </p:sp>
-      <p:sp>
-        <p:nvSpPr>
-          <p:cNvPr id="3" name="Notes Placeholder 2"/>
-          <p:cNvSpPr>
-            <a:spLocks noGrp="1"/>
-          </p:cNvSpPr>
-          <p:nvPr>
-            <p:ph type="body" idx="1"/>
-          </p:nvPr>
-        </p:nvSpPr>
-        <p:spPr/>
-        <p:txBody>
-          <a:bodyPr/>
-          <a:lstStyle/>
-          <a:p>
-            <a:endParaRPr lang="en-US"/>
-          </a:p>
-        </p:txBody>
-      </p:sp>
-      <p:sp>
-        <p:nvSpPr>
-          <p:cNvPr id="4" name="Slide Number Placeholder 3"/>
-          <p:cNvSpPr>
-            <a:spLocks noGrp="1"/>
-          </p:cNvSpPr>
-          <p:nvPr>
-            <p:ph type="sldNum" sz="quarter" idx="5"/>
-          </p:nvPr>
-        </p:nvSpPr>
-        <p:spPr/>
-        <p:txBody>
-          <a:bodyPr/>
-          <a:lstStyle/>
-          <a:p>
-            <a:fld id="{76265C54-799C-4F9B-B21B-5E9FC6A82654}" type="slidenum">
-              <a:rPr lang="en-US" smtClean="0"/>
-              <a:pPr/>
-              <a:t>7</a:t>
-            </a:fld>
-            <a:endParaRPr lang="en-US"/>
-          </a:p>
-        </p:txBody>
-      </p:sp>
-    </p:spTree>
-    <p:extLst>
-      <p:ext uri="{BB962C8B-B14F-4D97-AF65-F5344CB8AC3E}">
-        <p14:creationId xmlns:p14="http://schemas.microsoft.com/office/powerpoint/2010/main" val="3364663131"/>
-      </p:ext>
-    </p:extLst>
-  </p:cSld>
-  <p:clrMapOvr>
-    <a:masterClrMapping/>
-  </p:clrMapOvr>
-</p:notes>
-</file>
-
-<file path=ppt/notesSlides/notesSlide3.xml><?xml version="1.0" encoding="utf-8"?>
-<p:notes xmlns:a="http://schemas.openxmlformats.org/drawingml/2006/main" xmlns:r="http://schemas.openxmlformats.org/officeDocument/2006/relationships" xmlns:p="http://schemas.openxmlformats.org/presentationml/2006/main">
-  <p:cSld>
-    <p:spTree>
-      <p:nvGrpSpPr>
-        <p:cNvPr id="1" name=""/>
-        <p:cNvGrpSpPr/>
-        <p:nvPr/>
-      </p:nvGrpSpPr>
-      <p:grpSpPr>
-        <a:xfrm>
-          <a:off x="0" y="0"/>
-          <a:ext cx="0" cy="0"/>
-          <a:chOff x="0" y="0"/>
-          <a:chExt cx="0" cy="0"/>
-        </a:xfrm>
-      </p:grpSpPr>
-      <p:sp>
-        <p:nvSpPr>
           <p:cNvPr id="7" name="Rectangle 7"/>
           <p:cNvSpPr>
             <a:spLocks noGrp="1" noChangeArrowheads="1"/>
@@ -1176,7 +1089,7 @@
             <a:fld id="{27E7E1B6-3FB4-4DF8-9A15-D0ECDAE2F8F0}" type="slidenum">
               <a:rPr lang="en-US"/>
               <a:pPr/>
-              <a:t>10</a:t>
+              <a:t>8</a:t>
             </a:fld>
             <a:endParaRPr lang="en-US"/>
           </a:p>
@@ -1226,6 +1139,112 @@
     <p:extLst>
       <p:ext uri="{BB962C8B-B14F-4D97-AF65-F5344CB8AC3E}">
         <p14:creationId xmlns:p14="http://schemas.microsoft.com/office/powerpoint/2010/main" val="995215211"/>
+      </p:ext>
+    </p:extLst>
+  </p:cSld>
+  <p:clrMapOvr>
+    <a:masterClrMapping/>
+  </p:clrMapOvr>
+</p:notes>
+</file>
+
+<file path=ppt/notesSlides/notesSlide3.xml><?xml version="1.0" encoding="utf-8"?>
+<p:notes xmlns:a="http://schemas.openxmlformats.org/drawingml/2006/main" xmlns:r="http://schemas.openxmlformats.org/officeDocument/2006/relationships" xmlns:p="http://schemas.openxmlformats.org/presentationml/2006/main">
+  <p:cSld>
+    <p:spTree>
+      <p:nvGrpSpPr>
+        <p:cNvPr id="1" name=""/>
+        <p:cNvGrpSpPr/>
+        <p:nvPr/>
+      </p:nvGrpSpPr>
+      <p:grpSpPr>
+        <a:xfrm>
+          <a:off x="0" y="0"/>
+          <a:ext cx="0" cy="0"/>
+          <a:chOff x="0" y="0"/>
+          <a:chExt cx="0" cy="0"/>
+        </a:xfrm>
+      </p:grpSpPr>
+      <p:sp>
+        <p:nvSpPr>
+          <p:cNvPr id="2" name="Slide Image Placeholder 1"/>
+          <p:cNvSpPr>
+            <a:spLocks noGrp="1" noRot="1" noChangeAspect="1"/>
+          </p:cNvSpPr>
+          <p:nvPr>
+            <p:ph type="sldImg"/>
+          </p:nvPr>
+        </p:nvSpPr>
+        <p:spPr>
+          <a:xfrm>
+            <a:off x="457200" y="720725"/>
+            <a:ext cx="6400800" cy="3600450"/>
+          </a:xfrm>
+        </p:spPr>
+      </p:sp>
+      <p:sp>
+        <p:nvSpPr>
+          <p:cNvPr id="3" name="Notes Placeholder 2"/>
+          <p:cNvSpPr>
+            <a:spLocks noGrp="1"/>
+          </p:cNvSpPr>
+          <p:nvPr>
+            <p:ph type="body" idx="1"/>
+          </p:nvPr>
+        </p:nvSpPr>
+        <p:spPr/>
+        <p:txBody>
+          <a:bodyPr>
+            <a:normAutofit/>
+          </a:bodyPr>
+          <a:lstStyle/>
+          <a:p>
+            <a:r>
+              <a:rPr lang="en-US" dirty="0"/>
+              <a:t>How</a:t>
+            </a:r>
+            <a:r>
+              <a:rPr lang="en-US" baseline="0" dirty="0"/>
+              <a:t> many ticks were needed to complete the computation?</a:t>
+            </a:r>
+          </a:p>
+          <a:p>
+            <a:r>
+              <a:rPr lang="en-US" baseline="0" dirty="0"/>
+              <a:t>Answer 300 – 9 = 293</a:t>
+            </a:r>
+            <a:endParaRPr lang="en-US" dirty="0"/>
+          </a:p>
+        </p:txBody>
+      </p:sp>
+      <p:sp>
+        <p:nvSpPr>
+          <p:cNvPr id="4" name="Slide Number Placeholder 3"/>
+          <p:cNvSpPr>
+            <a:spLocks noGrp="1"/>
+          </p:cNvSpPr>
+          <p:nvPr>
+            <p:ph type="sldNum" sz="quarter" idx="10"/>
+          </p:nvPr>
+        </p:nvSpPr>
+        <p:spPr/>
+        <p:txBody>
+          <a:bodyPr/>
+          <a:lstStyle/>
+          <a:p>
+            <a:fld id="{76265C54-799C-4F9B-B21B-5E9FC6A82654}" type="slidenum">
+              <a:rPr lang="en-US" smtClean="0"/>
+              <a:pPr/>
+              <a:t>9</a:t>
+            </a:fld>
+            <a:endParaRPr lang="en-US"/>
+          </a:p>
+        </p:txBody>
+      </p:sp>
+    </p:spTree>
+    <p:extLst>
+      <p:ext uri="{BB962C8B-B14F-4D97-AF65-F5344CB8AC3E}">
+        <p14:creationId xmlns:p14="http://schemas.microsoft.com/office/powerpoint/2010/main" val="310381752"/>
       </p:ext>
     </p:extLst>
   </p:cSld>
@@ -1286,20 +1305,9 @@
           </a:bodyPr>
           <a:lstStyle/>
           <a:p>
-            <a:r>
-              <a:rPr lang="en-US" dirty="0"/>
-              <a:t>How</a:t>
-            </a:r>
-            <a:r>
-              <a:rPr lang="en-US" baseline="0" dirty="0"/>
-              <a:t> many ticks were needed to complete the computation?</a:t>
-            </a:r>
-          </a:p>
-          <a:p>
-            <a:r>
-              <a:rPr lang="en-US" baseline="0" dirty="0"/>
-              <a:t>Answer 300 – 9 = 293</a:t>
-            </a:r>
+            <a:endParaRPr lang="en-US" baseline="0" dirty="0"/>
+          </a:p>
+          <a:p>
             <a:endParaRPr lang="en-US" dirty="0"/>
           </a:p>
         </p:txBody>
@@ -1322,7 +1330,7 @@
             <a:fld id="{76265C54-799C-4F9B-B21B-5E9FC6A82654}" type="slidenum">
               <a:rPr lang="en-US" smtClean="0"/>
               <a:pPr/>
-              <a:t>11</a:t>
+              <a:t>12</a:t>
             </a:fld>
             <a:endParaRPr lang="en-US"/>
           </a:p>
@@ -1331,7 +1339,7 @@
     </p:spTree>
     <p:extLst>
       <p:ext uri="{BB962C8B-B14F-4D97-AF65-F5344CB8AC3E}">
-        <p14:creationId xmlns:p14="http://schemas.microsoft.com/office/powerpoint/2010/main" val="310381752"/>
+        <p14:creationId xmlns:p14="http://schemas.microsoft.com/office/powerpoint/2010/main" val="1080345699"/>
       </p:ext>
     </p:extLst>
   </p:cSld>
@@ -1368,12 +1376,7 @@
             <p:ph type="sldImg"/>
           </p:nvPr>
         </p:nvSpPr>
-        <p:spPr>
-          <a:xfrm>
-            <a:off x="457200" y="720725"/>
-            <a:ext cx="6400800" cy="3600450"/>
-          </a:xfrm>
-        </p:spPr>
+        <p:spPr/>
       </p:sp>
       <p:sp>
         <p:nvSpPr>
@@ -1387,15 +1390,57 @@
         </p:nvSpPr>
         <p:spPr/>
         <p:txBody>
-          <a:bodyPr>
-            <a:normAutofit/>
-          </a:bodyPr>
+          <a:bodyPr/>
           <a:lstStyle/>
           <a:p>
-            <a:endParaRPr lang="en-US" baseline="0" dirty="0"/>
-          </a:p>
-          <a:p>
-            <a:endParaRPr lang="en-US" dirty="0"/>
+            <a:r>
+              <a:rPr lang="en-US" dirty="0">
+                <a:effectLst/>
+                <a:latin typeface="Arial" panose="020B0604020202020204" pitchFamily="34" charset="0"/>
+              </a:rPr>
+              <a:t>Engines from Continuations</a:t>
+            </a:r>
+            <a:br>
+              <a:rPr lang="en-US" dirty="0"/>
+            </a:br>
+            <a:r>
+              <a:rPr lang="en-US" dirty="0">
+                <a:effectLst/>
+                <a:latin typeface="Arial" panose="020B0604020202020204" pitchFamily="34" charset="0"/>
+              </a:rPr>
+              <a:t>R. Kent </a:t>
+            </a:r>
+            <a:r>
+              <a:rPr lang="en-US" dirty="0" err="1">
+                <a:effectLst/>
+                <a:latin typeface="Arial" panose="020B0604020202020204" pitchFamily="34" charset="0"/>
+              </a:rPr>
+              <a:t>Dybvig</a:t>
+            </a:r>
+            <a:r>
+              <a:rPr lang="en-US" dirty="0">
+                <a:effectLst/>
+                <a:latin typeface="Arial" panose="020B0604020202020204" pitchFamily="34" charset="0"/>
+              </a:rPr>
+              <a:t> and Robert </a:t>
+            </a:r>
+            <a:r>
+              <a:rPr lang="en-US" dirty="0" err="1">
+                <a:effectLst/>
+                <a:latin typeface="Arial" panose="020B0604020202020204" pitchFamily="34" charset="0"/>
+              </a:rPr>
+              <a:t>Hieb</a:t>
+            </a:r>
+            <a:endParaRPr lang="en-US" dirty="0">
+              <a:effectLst/>
+              <a:latin typeface="Arial" panose="020B0604020202020204" pitchFamily="34" charset="0"/>
+            </a:endParaRPr>
+          </a:p>
+          <a:p>
+            <a:r>
+              <a:rPr lang="en-US" dirty="0"/>
+              <a:t>https://legacy.cs.indiana.edu/~dyb/pubs/engines.pdf</a:t>
+            </a:r>
           </a:p>
         </p:txBody>
       </p:sp>
@@ -1406,7 +1451,7 @@
             <a:spLocks noGrp="1"/>
           </p:cNvSpPr>
           <p:nvPr>
-            <p:ph type="sldNum" sz="quarter" idx="10"/>
+            <p:ph type="sldNum" sz="quarter" idx="5"/>
           </p:nvPr>
         </p:nvSpPr>
         <p:spPr/>
@@ -1426,7 +1471,7 @@
     </p:spTree>
     <p:extLst>
       <p:ext uri="{BB962C8B-B14F-4D97-AF65-F5344CB8AC3E}">
-        <p14:creationId xmlns:p14="http://schemas.microsoft.com/office/powerpoint/2010/main" val="1080345699"/>
+        <p14:creationId xmlns:p14="http://schemas.microsoft.com/office/powerpoint/2010/main" val="3027234544"/>
       </p:ext>
     </p:extLst>
   </p:cSld>
@@ -1480,54 +1525,7 @@
           <a:bodyPr/>
           <a:lstStyle/>
           <a:p>
-            <a:r>
-              <a:rPr lang="en-US" dirty="0">
-                <a:effectLst/>
-                <a:latin typeface="Arial" panose="020B0604020202020204" pitchFamily="34" charset="0"/>
-              </a:rPr>
-              <a:t>Engines from Continuations</a:t>
-            </a:r>
-            <a:br>
-              <a:rPr lang="en-US" dirty="0"/>
-            </a:br>
-            <a:r>
-              <a:rPr lang="en-US" dirty="0">
-                <a:effectLst/>
-                <a:latin typeface="Arial" panose="020B0604020202020204" pitchFamily="34" charset="0"/>
-              </a:rPr>
-              <a:t>R. Kent </a:t>
-            </a:r>
-            <a:r>
-              <a:rPr lang="en-US" dirty="0" err="1">
-                <a:effectLst/>
-                <a:latin typeface="Arial" panose="020B0604020202020204" pitchFamily="34" charset="0"/>
-              </a:rPr>
-              <a:t>Dybvig</a:t>
-            </a:r>
-            <a:r>
-              <a:rPr lang="en-US" dirty="0">
-                <a:effectLst/>
-                <a:latin typeface="Arial" panose="020B0604020202020204" pitchFamily="34" charset="0"/>
-              </a:rPr>
-              <a:t> and Robert </a:t>
-            </a:r>
-            <a:r>
-              <a:rPr lang="en-US" dirty="0" err="1">
-                <a:effectLst/>
-                <a:latin typeface="Arial" panose="020B0604020202020204" pitchFamily="34" charset="0"/>
-              </a:rPr>
-              <a:t>Hieb</a:t>
-            </a:r>
-            <a:endParaRPr lang="en-US" dirty="0">
-              <a:effectLst/>
-              <a:latin typeface="Arial" panose="020B0604020202020204" pitchFamily="34" charset="0"/>
-            </a:endParaRPr>
-          </a:p>
-          <a:p>
-            <a:r>
-              <a:rPr lang="en-US" dirty="0"/>
-              <a:t>https://legacy.cs.indiana.edu/~dyb/pubs/engines.pdf</a:t>
-            </a:r>
+            <a:endParaRPr lang="en-US" dirty="0"/>
           </a:p>
         </p:txBody>
       </p:sp>
@@ -1550,91 +1548,6 @@
               <a:rPr lang="en-US" smtClean="0"/>
               <a:pPr/>
               <a:t>16</a:t>
-            </a:fld>
-            <a:endParaRPr lang="en-US"/>
-          </a:p>
-        </p:txBody>
-      </p:sp>
-    </p:spTree>
-    <p:extLst>
-      <p:ext uri="{BB962C8B-B14F-4D97-AF65-F5344CB8AC3E}">
-        <p14:creationId xmlns:p14="http://schemas.microsoft.com/office/powerpoint/2010/main" val="3027234544"/>
-      </p:ext>
-    </p:extLst>
-  </p:cSld>
-  <p:clrMapOvr>
-    <a:masterClrMapping/>
-  </p:clrMapOvr>
-</p:notes>
-</file>
-
-<file path=ppt/notesSlides/notesSlide7.xml><?xml version="1.0" encoding="utf-8"?>
-<p:notes xmlns:a="http://schemas.openxmlformats.org/drawingml/2006/main" xmlns:r="http://schemas.openxmlformats.org/officeDocument/2006/relationships" xmlns:p="http://schemas.openxmlformats.org/presentationml/2006/main">
-  <p:cSld>
-    <p:spTree>
-      <p:nvGrpSpPr>
-        <p:cNvPr id="1" name=""/>
-        <p:cNvGrpSpPr/>
-        <p:nvPr/>
-      </p:nvGrpSpPr>
-      <p:grpSpPr>
-        <a:xfrm>
-          <a:off x="0" y="0"/>
-          <a:ext cx="0" cy="0"/>
-          <a:chOff x="0" y="0"/>
-          <a:chExt cx="0" cy="0"/>
-        </a:xfrm>
-      </p:grpSpPr>
-      <p:sp>
-        <p:nvSpPr>
-          <p:cNvPr id="2" name="Slide Image Placeholder 1"/>
-          <p:cNvSpPr>
-            <a:spLocks noGrp="1" noRot="1" noChangeAspect="1"/>
-          </p:cNvSpPr>
-          <p:nvPr>
-            <p:ph type="sldImg"/>
-          </p:nvPr>
-        </p:nvSpPr>
-        <p:spPr/>
-      </p:sp>
-      <p:sp>
-        <p:nvSpPr>
-          <p:cNvPr id="3" name="Notes Placeholder 2"/>
-          <p:cNvSpPr>
-            <a:spLocks noGrp="1"/>
-          </p:cNvSpPr>
-          <p:nvPr>
-            <p:ph type="body" idx="1"/>
-          </p:nvPr>
-        </p:nvSpPr>
-        <p:spPr/>
-        <p:txBody>
-          <a:bodyPr/>
-          <a:lstStyle/>
-          <a:p>
-            <a:endParaRPr lang="en-US" dirty="0"/>
-          </a:p>
-        </p:txBody>
-      </p:sp>
-      <p:sp>
-        <p:nvSpPr>
-          <p:cNvPr id="4" name="Slide Number Placeholder 3"/>
-          <p:cNvSpPr>
-            <a:spLocks noGrp="1"/>
-          </p:cNvSpPr>
-          <p:nvPr>
-            <p:ph type="sldNum" sz="quarter" idx="5"/>
-          </p:nvPr>
-        </p:nvSpPr>
-        <p:spPr/>
-        <p:txBody>
-          <a:bodyPr/>
-          <a:lstStyle/>
-          <a:p>
-            <a:fld id="{76265C54-799C-4F9B-B21B-5E9FC6A82654}" type="slidenum">
-              <a:rPr lang="en-US" smtClean="0"/>
-              <a:pPr/>
-              <a:t>18</a:t>
             </a:fld>
             <a:endParaRPr lang="en-US"/>
           </a:p>
@@ -3884,1813 +3797,6 @@
 </file>
 
 <file path=ppt/slides/slide10.xml><?xml version="1.0" encoding="utf-8"?>
-<p:sld xmlns:a="http://schemas.openxmlformats.org/drawingml/2006/main" xmlns:r="http://schemas.openxmlformats.org/officeDocument/2006/relationships" xmlns:p="http://schemas.openxmlformats.org/presentationml/2006/main" showMasterPhAnim="0">
-  <p:cSld>
-    <p:spTree>
-      <p:nvGrpSpPr>
-        <p:cNvPr id="1" name=""/>
-        <p:cNvGrpSpPr/>
-        <p:nvPr/>
-      </p:nvGrpSpPr>
-      <p:grpSpPr>
-        <a:xfrm>
-          <a:off x="0" y="0"/>
-          <a:ext cx="0" cy="0"/>
-          <a:chOff x="0" y="0"/>
-          <a:chExt cx="0" cy="0"/>
-        </a:xfrm>
-      </p:grpSpPr>
-      <p:sp>
-        <p:nvSpPr>
-          <p:cNvPr id="80898" name="Rectangle 2"/>
-          <p:cNvSpPr>
-            <a:spLocks noGrp="1" noChangeArrowheads="1"/>
-          </p:cNvSpPr>
-          <p:nvPr>
-            <p:ph type="title"/>
-          </p:nvPr>
-        </p:nvSpPr>
-        <p:spPr>
-          <a:xfrm>
-            <a:off x="2471739" y="1"/>
-            <a:ext cx="5737225" cy="930275"/>
-          </a:xfrm>
-        </p:spPr>
-        <p:txBody>
-          <a:bodyPr/>
-          <a:lstStyle/>
-          <a:p>
-            <a:r>
-              <a:rPr lang="en-US" sz="4000" dirty="0"/>
-              <a:t>How Engines work 2</a:t>
-            </a:r>
-          </a:p>
-        </p:txBody>
-      </p:sp>
-      <p:sp>
-        <p:nvSpPr>
-          <p:cNvPr id="80899" name="Rectangle 3"/>
-          <p:cNvSpPr>
-            <a:spLocks noGrp="1" noChangeArrowheads="1"/>
-          </p:cNvSpPr>
-          <p:nvPr>
-            <p:ph type="body" idx="1"/>
-          </p:nvPr>
-        </p:nvSpPr>
-        <p:spPr>
-          <a:xfrm>
-            <a:off x="1524000" y="914400"/>
-            <a:ext cx="8909050" cy="5410200"/>
-          </a:xfrm>
-        </p:spPr>
-        <p:txBody>
-          <a:bodyPr/>
-          <a:lstStyle/>
-          <a:p>
-            <a:pPr>
-              <a:lnSpc>
-                <a:spcPct val="90000"/>
-              </a:lnSpc>
-            </a:pPr>
-            <a:r>
-              <a:rPr lang="en-US" sz="2800" dirty="0"/>
-              <a:t>The three arguments passed  to an engine are:</a:t>
-            </a:r>
-          </a:p>
-          <a:p>
-            <a:pPr>
-              <a:lnSpc>
-                <a:spcPct val="90000"/>
-              </a:lnSpc>
-            </a:pPr>
-            <a:r>
-              <a:rPr lang="en-US" sz="2800" dirty="0">
-                <a:solidFill>
-                  <a:srgbClr val="FF0000"/>
-                </a:solidFill>
-              </a:rPr>
-              <a:t>ticks:</a:t>
-            </a:r>
-            <a:r>
-              <a:rPr lang="en-US" sz="2800" dirty="0"/>
-              <a:t>   a positive integer specifying the amount of "fuel" given to the engine.</a:t>
-            </a:r>
-          </a:p>
-          <a:p>
-            <a:pPr>
-              <a:lnSpc>
-                <a:spcPct val="90000"/>
-              </a:lnSpc>
-            </a:pPr>
-            <a:r>
-              <a:rPr lang="en-US" sz="2800" dirty="0">
-                <a:solidFill>
-                  <a:srgbClr val="FF0000"/>
-                </a:solidFill>
-              </a:rPr>
-              <a:t>complete:</a:t>
-            </a:r>
-            <a:r>
-              <a:rPr lang="en-US" sz="2800" dirty="0"/>
-              <a:t>  a procedure that specifies what to do if the evaluation of </a:t>
-            </a:r>
-            <a:r>
-              <a:rPr lang="en-US" sz="2800" dirty="0">
-                <a:latin typeface="Courier New" pitchFamily="49" charset="0"/>
-              </a:rPr>
-              <a:t>thunk</a:t>
-            </a:r>
-            <a:r>
-              <a:rPr lang="en-US" sz="2800" dirty="0"/>
-              <a:t> finishes before the fuel expires.  </a:t>
-            </a:r>
-          </a:p>
-          <a:p>
-            <a:pPr lvl="1">
-              <a:lnSpc>
-                <a:spcPct val="90000"/>
-              </a:lnSpc>
-            </a:pPr>
-            <a:r>
-              <a:rPr lang="en-US" dirty="0">
-                <a:latin typeface="Courier New" pitchFamily="49" charset="0"/>
-              </a:rPr>
-              <a:t>complete</a:t>
-            </a:r>
-            <a:r>
-              <a:rPr lang="en-US" dirty="0"/>
-              <a:t> is a procedure of two arguments: amount of fuel "left over" and the result of the computation.</a:t>
-            </a:r>
-          </a:p>
-          <a:p>
-            <a:pPr>
-              <a:lnSpc>
-                <a:spcPct val="90000"/>
-              </a:lnSpc>
-            </a:pPr>
-            <a:r>
-              <a:rPr lang="en-US" sz="2800" dirty="0">
-                <a:solidFill>
-                  <a:srgbClr val="FF0000"/>
-                </a:solidFill>
-              </a:rPr>
-              <a:t>expire:</a:t>
-            </a:r>
-            <a:r>
-              <a:rPr lang="en-US" sz="2800" dirty="0"/>
-              <a:t>  a one-argument procedure to be executed if the computation runs out of fuel before it completes.  </a:t>
-            </a:r>
-          </a:p>
-          <a:p>
-            <a:pPr lvl="1">
-              <a:lnSpc>
-                <a:spcPct val="90000"/>
-              </a:lnSpc>
-            </a:pPr>
-            <a:r>
-              <a:rPr lang="en-US" dirty="0"/>
-              <a:t>The argument that will be passed to </a:t>
-            </a:r>
-            <a:r>
-              <a:rPr lang="en-US" dirty="0">
-                <a:latin typeface="Courier New" pitchFamily="49" charset="0"/>
-              </a:rPr>
-              <a:t>expire</a:t>
-            </a:r>
-            <a:r>
-              <a:rPr lang="en-US" dirty="0"/>
-              <a:t> is a new engine that can finish the computation from where it left off.</a:t>
-            </a:r>
-          </a:p>
-        </p:txBody>
-      </p:sp>
-    </p:spTree>
-  </p:cSld>
-  <p:clrMapOvr>
-    <a:masterClrMapping/>
-  </p:clrMapOvr>
-  <p:timing>
-    <p:tnLst>
-      <p:par>
-        <p:cTn id="1" dur="indefinite" restart="never" nodeType="tmRoot">
-          <p:childTnLst>
-            <p:seq concurrent="1" nextAc="seek">
-              <p:cTn id="2" dur="indefinite" nodeType="mainSeq">
-                <p:childTnLst>
-                  <p:par>
-                    <p:cTn id="3" fill="hold">
-                      <p:stCondLst>
-                        <p:cond delay="indefinite"/>
-                      </p:stCondLst>
-                      <p:childTnLst>
-                        <p:par>
-                          <p:cTn id="4" fill="hold">
-                            <p:stCondLst>
-                              <p:cond delay="0"/>
-                            </p:stCondLst>
-                            <p:childTnLst>
-                              <p:par>
-                                <p:cTn id="5" presetID="1" presetClass="entr" presetSubtype="0" fill="hold" grpId="0" nodeType="clickEffect">
-                                  <p:stCondLst>
-                                    <p:cond delay="0"/>
-                                  </p:stCondLst>
-                                  <p:childTnLst>
-                                    <p:set>
-                                      <p:cBhvr>
-                                        <p:cTn id="6" dur="1" fill="hold">
-                                          <p:stCondLst>
-                                            <p:cond delay="0"/>
-                                          </p:stCondLst>
-                                        </p:cTn>
-                                        <p:tgtEl>
-                                          <p:spTgt spid="80899">
-                                            <p:txEl>
-                                              <p:pRg st="0" end="0"/>
-                                            </p:txEl>
-                                          </p:spTgt>
-                                        </p:tgtEl>
-                                        <p:attrNameLst>
-                                          <p:attrName>style.visibility</p:attrName>
-                                        </p:attrNameLst>
-                                      </p:cBhvr>
-                                      <p:to>
-                                        <p:strVal val="visible"/>
-                                      </p:to>
-                                    </p:set>
-                                  </p:childTnLst>
-                                </p:cTn>
-                              </p:par>
-                            </p:childTnLst>
-                          </p:cTn>
-                        </p:par>
-                      </p:childTnLst>
-                    </p:cTn>
-                  </p:par>
-                  <p:par>
-                    <p:cTn id="7" fill="hold">
-                      <p:stCondLst>
-                        <p:cond delay="indefinite"/>
-                      </p:stCondLst>
-                      <p:childTnLst>
-                        <p:par>
-                          <p:cTn id="8" fill="hold">
-                            <p:stCondLst>
-                              <p:cond delay="0"/>
-                            </p:stCondLst>
-                            <p:childTnLst>
-                              <p:par>
-                                <p:cTn id="9" presetID="1" presetClass="entr" presetSubtype="0" fill="hold" grpId="0" nodeType="clickEffect">
-                                  <p:stCondLst>
-                                    <p:cond delay="0"/>
-                                  </p:stCondLst>
-                                  <p:childTnLst>
-                                    <p:set>
-                                      <p:cBhvr>
-                                        <p:cTn id="10" dur="1" fill="hold">
-                                          <p:stCondLst>
-                                            <p:cond delay="0"/>
-                                          </p:stCondLst>
-                                        </p:cTn>
-                                        <p:tgtEl>
-                                          <p:spTgt spid="80899">
-                                            <p:txEl>
-                                              <p:pRg st="1" end="1"/>
-                                            </p:txEl>
-                                          </p:spTgt>
-                                        </p:tgtEl>
-                                        <p:attrNameLst>
-                                          <p:attrName>style.visibility</p:attrName>
-                                        </p:attrNameLst>
-                                      </p:cBhvr>
-                                      <p:to>
-                                        <p:strVal val="visible"/>
-                                      </p:to>
-                                    </p:set>
-                                  </p:childTnLst>
-                                </p:cTn>
-                              </p:par>
-                            </p:childTnLst>
-                          </p:cTn>
-                        </p:par>
-                      </p:childTnLst>
-                    </p:cTn>
-                  </p:par>
-                  <p:par>
-                    <p:cTn id="11" fill="hold">
-                      <p:stCondLst>
-                        <p:cond delay="indefinite"/>
-                      </p:stCondLst>
-                      <p:childTnLst>
-                        <p:par>
-                          <p:cTn id="12" fill="hold">
-                            <p:stCondLst>
-                              <p:cond delay="0"/>
-                            </p:stCondLst>
-                            <p:childTnLst>
-                              <p:par>
-                                <p:cTn id="13" presetID="1" presetClass="entr" presetSubtype="0" fill="hold" grpId="0" nodeType="clickEffect">
-                                  <p:stCondLst>
-                                    <p:cond delay="0"/>
-                                  </p:stCondLst>
-                                  <p:childTnLst>
-                                    <p:set>
-                                      <p:cBhvr>
-                                        <p:cTn id="14" dur="1" fill="hold">
-                                          <p:stCondLst>
-                                            <p:cond delay="0"/>
-                                          </p:stCondLst>
-                                        </p:cTn>
-                                        <p:tgtEl>
-                                          <p:spTgt spid="80899">
-                                            <p:txEl>
-                                              <p:pRg st="2" end="2"/>
-                                            </p:txEl>
-                                          </p:spTgt>
-                                        </p:tgtEl>
-                                        <p:attrNameLst>
-                                          <p:attrName>style.visibility</p:attrName>
-                                        </p:attrNameLst>
-                                      </p:cBhvr>
-                                      <p:to>
-                                        <p:strVal val="visible"/>
-                                      </p:to>
-                                    </p:set>
-                                  </p:childTnLst>
-                                </p:cTn>
-                              </p:par>
-                              <p:par>
-                                <p:cTn id="15" presetID="1" presetClass="entr" presetSubtype="0" fill="hold" grpId="0" nodeType="withEffect">
-                                  <p:stCondLst>
-                                    <p:cond delay="0"/>
-                                  </p:stCondLst>
-                                  <p:childTnLst>
-                                    <p:set>
-                                      <p:cBhvr>
-                                        <p:cTn id="16" dur="1" fill="hold">
-                                          <p:stCondLst>
-                                            <p:cond delay="0"/>
-                                          </p:stCondLst>
-                                        </p:cTn>
-                                        <p:tgtEl>
-                                          <p:spTgt spid="80899">
-                                            <p:txEl>
-                                              <p:pRg st="3" end="3"/>
-                                            </p:txEl>
-                                          </p:spTgt>
-                                        </p:tgtEl>
-                                        <p:attrNameLst>
-                                          <p:attrName>style.visibility</p:attrName>
-                                        </p:attrNameLst>
-                                      </p:cBhvr>
-                                      <p:to>
-                                        <p:strVal val="visible"/>
-                                      </p:to>
-                                    </p:set>
-                                  </p:childTnLst>
-                                </p:cTn>
-                              </p:par>
-                            </p:childTnLst>
-                          </p:cTn>
-                        </p:par>
-                      </p:childTnLst>
-                    </p:cTn>
-                  </p:par>
-                  <p:par>
-                    <p:cTn id="17" fill="hold">
-                      <p:stCondLst>
-                        <p:cond delay="indefinite"/>
-                      </p:stCondLst>
-                      <p:childTnLst>
-                        <p:par>
-                          <p:cTn id="18" fill="hold">
-                            <p:stCondLst>
-                              <p:cond delay="0"/>
-                            </p:stCondLst>
-                            <p:childTnLst>
-                              <p:par>
-                                <p:cTn id="19" presetID="1" presetClass="entr" presetSubtype="0" fill="hold" grpId="0" nodeType="clickEffect">
-                                  <p:stCondLst>
-                                    <p:cond delay="0"/>
-                                  </p:stCondLst>
-                                  <p:childTnLst>
-                                    <p:set>
-                                      <p:cBhvr>
-                                        <p:cTn id="20" dur="1" fill="hold">
-                                          <p:stCondLst>
-                                            <p:cond delay="0"/>
-                                          </p:stCondLst>
-                                        </p:cTn>
-                                        <p:tgtEl>
-                                          <p:spTgt spid="80899">
-                                            <p:txEl>
-                                              <p:pRg st="4" end="4"/>
-                                            </p:txEl>
-                                          </p:spTgt>
-                                        </p:tgtEl>
-                                        <p:attrNameLst>
-                                          <p:attrName>style.visibility</p:attrName>
-                                        </p:attrNameLst>
-                                      </p:cBhvr>
-                                      <p:to>
-                                        <p:strVal val="visible"/>
-                                      </p:to>
-                                    </p:set>
-                                  </p:childTnLst>
-                                </p:cTn>
-                              </p:par>
-                              <p:par>
-                                <p:cTn id="21" presetID="1" presetClass="entr" presetSubtype="0" fill="hold" grpId="0" nodeType="withEffect">
-                                  <p:stCondLst>
-                                    <p:cond delay="0"/>
-                                  </p:stCondLst>
-                                  <p:childTnLst>
-                                    <p:set>
-                                      <p:cBhvr>
-                                        <p:cTn id="22" dur="1" fill="hold">
-                                          <p:stCondLst>
-                                            <p:cond delay="0"/>
-                                          </p:stCondLst>
-                                        </p:cTn>
-                                        <p:tgtEl>
-                                          <p:spTgt spid="80899">
-                                            <p:txEl>
-                                              <p:pRg st="5" end="5"/>
-                                            </p:txEl>
-                                          </p:spTgt>
-                                        </p:tgtEl>
-                                        <p:attrNameLst>
-                                          <p:attrName>style.visibility</p:attrName>
-                                        </p:attrNameLst>
-                                      </p:cBhvr>
-                                      <p:to>
-                                        <p:strVal val="visible"/>
-                                      </p:to>
-                                    </p:set>
-                                  </p:childTnLst>
-                                </p:cTn>
-                              </p:par>
-                            </p:childTnLst>
-                          </p:cTn>
-                        </p:par>
-                      </p:childTnLst>
-                    </p:cTn>
-                  </p:par>
-                </p:childTnLst>
-              </p:cTn>
-              <p:prevCondLst>
-                <p:cond evt="onPrev" delay="0">
-                  <p:tgtEl>
-                    <p:sldTgt/>
-                  </p:tgtEl>
-                </p:cond>
-              </p:prevCondLst>
-              <p:nextCondLst>
-                <p:cond evt="onNext" delay="0">
-                  <p:tgtEl>
-                    <p:sldTgt/>
-                  </p:tgtEl>
-                </p:cond>
-              </p:nextCondLst>
-            </p:seq>
-          </p:childTnLst>
-        </p:cTn>
-      </p:par>
-    </p:tnLst>
-    <p:bldLst>
-      <p:bldP spid="80899" grpId="0" build="p"/>
-    </p:bldLst>
-  </p:timing>
-</p:sld>
-</file>
-
-<file path=ppt/slides/slide11.xml><?xml version="1.0" encoding="utf-8"?>
-<p:sld xmlns:a="http://schemas.openxmlformats.org/drawingml/2006/main" xmlns:r="http://schemas.openxmlformats.org/officeDocument/2006/relationships" xmlns:p="http://schemas.openxmlformats.org/presentationml/2006/main" showMasterPhAnim="0">
-  <p:cSld>
-    <p:spTree>
-      <p:nvGrpSpPr>
-        <p:cNvPr id="1" name=""/>
-        <p:cNvGrpSpPr/>
-        <p:nvPr/>
-      </p:nvGrpSpPr>
-      <p:grpSpPr>
-        <a:xfrm>
-          <a:off x="0" y="0"/>
-          <a:ext cx="0" cy="0"/>
-          <a:chOff x="0" y="0"/>
-          <a:chExt cx="0" cy="0"/>
-        </a:xfrm>
-      </p:grpSpPr>
-      <p:sp>
-        <p:nvSpPr>
-          <p:cNvPr id="76802" name="Rectangle 2"/>
-          <p:cNvSpPr>
-            <a:spLocks noGrp="1" noChangeArrowheads="1"/>
-          </p:cNvSpPr>
-          <p:nvPr>
-            <p:ph type="title"/>
-          </p:nvPr>
-        </p:nvSpPr>
-        <p:spPr>
-          <a:xfrm>
-            <a:off x="1981200" y="274638"/>
-            <a:ext cx="8229600" cy="735012"/>
-          </a:xfrm>
-        </p:spPr>
-        <p:txBody>
-          <a:bodyPr/>
-          <a:lstStyle/>
-          <a:p>
-            <a:r>
-              <a:rPr lang="en-US" sz="4000" dirty="0"/>
-              <a:t>Example</a:t>
-            </a:r>
-          </a:p>
-        </p:txBody>
-      </p:sp>
-      <p:sp>
-        <p:nvSpPr>
-          <p:cNvPr id="76803" name="Rectangle 3"/>
-          <p:cNvSpPr>
-            <a:spLocks noGrp="1" noChangeArrowheads="1"/>
-          </p:cNvSpPr>
-          <p:nvPr>
-            <p:ph type="body" idx="1"/>
-          </p:nvPr>
-        </p:nvSpPr>
-        <p:spPr>
-          <a:xfrm>
-            <a:off x="1524000" y="1066800"/>
-            <a:ext cx="8686800" cy="5791200"/>
-          </a:xfrm>
-        </p:spPr>
-        <p:txBody>
-          <a:bodyPr/>
-          <a:lstStyle/>
-          <a:p>
-            <a:pPr>
-              <a:lnSpc>
-                <a:spcPct val="80000"/>
-              </a:lnSpc>
-              <a:buFontTx/>
-              <a:buNone/>
-            </a:pPr>
-            <a:r>
-              <a:rPr lang="en-US" sz="2000" b="1" dirty="0">
-                <a:latin typeface="Courier New" pitchFamily="49" charset="0"/>
-              </a:rPr>
-              <a:t>(define fib</a:t>
-            </a:r>
-          </a:p>
-          <a:p>
-            <a:pPr>
-              <a:lnSpc>
-                <a:spcPct val="80000"/>
-              </a:lnSpc>
-              <a:buFontTx/>
-              <a:buNone/>
-            </a:pPr>
-            <a:r>
-              <a:rPr lang="en-US" sz="2000" b="1" dirty="0">
-                <a:latin typeface="Courier New" pitchFamily="49" charset="0"/>
-              </a:rPr>
-              <a:t>  (lambda (n)</a:t>
-            </a:r>
-          </a:p>
-          <a:p>
-            <a:pPr>
-              <a:lnSpc>
-                <a:spcPct val="80000"/>
-              </a:lnSpc>
-              <a:buFontTx/>
-              <a:buNone/>
-            </a:pPr>
-            <a:r>
-              <a:rPr lang="en-US" sz="2000" b="1" dirty="0">
-                <a:latin typeface="Courier New" pitchFamily="49" charset="0"/>
-              </a:rPr>
-              <a:t>    (cond [(zero? n) 0]</a:t>
-            </a:r>
-          </a:p>
-          <a:p>
-            <a:pPr>
-              <a:lnSpc>
-                <a:spcPct val="80000"/>
-              </a:lnSpc>
-              <a:buFontTx/>
-              <a:buNone/>
-            </a:pPr>
-            <a:r>
-              <a:rPr lang="en-US" sz="2000" b="1" dirty="0">
-                <a:latin typeface="Courier New" pitchFamily="49" charset="0"/>
-              </a:rPr>
-              <a:t>          [(= n 1) 1]</a:t>
-            </a:r>
-          </a:p>
-          <a:p>
-            <a:pPr>
-              <a:lnSpc>
-                <a:spcPct val="80000"/>
-              </a:lnSpc>
-              <a:buFontTx/>
-              <a:buNone/>
-            </a:pPr>
-            <a:r>
-              <a:rPr lang="en-US" sz="2000" b="1" dirty="0">
-                <a:latin typeface="Courier New" pitchFamily="49" charset="0"/>
-              </a:rPr>
-              <a:t>          [else (+ (fib (- n 1)) </a:t>
-            </a:r>
-          </a:p>
-          <a:p>
-            <a:pPr>
-              <a:lnSpc>
-                <a:spcPct val="80000"/>
-              </a:lnSpc>
-              <a:buFontTx/>
-              <a:buNone/>
-            </a:pPr>
-            <a:r>
-              <a:rPr lang="en-US" sz="2000" b="1" dirty="0">
-                <a:latin typeface="Courier New" pitchFamily="49" charset="0"/>
-              </a:rPr>
-              <a:t>                   (fib (- n 2)))])))</a:t>
-            </a:r>
-          </a:p>
-          <a:p>
-            <a:pPr>
-              <a:lnSpc>
-                <a:spcPct val="80000"/>
-              </a:lnSpc>
-              <a:buFontTx/>
-              <a:buNone/>
-            </a:pPr>
-            <a:r>
-              <a:rPr lang="en-US" sz="2000" b="1" dirty="0">
-                <a:solidFill>
-                  <a:srgbClr val="FF0000"/>
-                </a:solidFill>
-                <a:latin typeface="Courier New" pitchFamily="49" charset="0"/>
-              </a:rPr>
-              <a:t>(define engine-fib</a:t>
-            </a:r>
-          </a:p>
-          <a:p>
-            <a:pPr>
-              <a:lnSpc>
-                <a:spcPct val="80000"/>
-              </a:lnSpc>
-              <a:buFontTx/>
-              <a:buNone/>
-            </a:pPr>
-            <a:r>
-              <a:rPr lang="en-US" sz="2000" b="1" dirty="0">
-                <a:solidFill>
-                  <a:srgbClr val="FF0000"/>
-                </a:solidFill>
-                <a:latin typeface="Courier New" pitchFamily="49" charset="0"/>
-              </a:rPr>
-              <a:t>  (lambda (n)</a:t>
-            </a:r>
-          </a:p>
-          <a:p>
-            <a:pPr>
-              <a:lnSpc>
-                <a:spcPct val="80000"/>
-              </a:lnSpc>
-              <a:buFontTx/>
-              <a:buNone/>
-            </a:pPr>
-            <a:r>
-              <a:rPr lang="en-US" sz="2000" b="1" dirty="0">
-                <a:solidFill>
-                  <a:srgbClr val="FF0000"/>
-                </a:solidFill>
-                <a:latin typeface="Courier New" pitchFamily="49" charset="0"/>
-              </a:rPr>
-              <a:t>    (make-engine </a:t>
-            </a:r>
-          </a:p>
-          <a:p>
-            <a:pPr>
-              <a:lnSpc>
-                <a:spcPct val="80000"/>
-              </a:lnSpc>
-              <a:buFontTx/>
-              <a:buNone/>
-            </a:pPr>
-            <a:r>
-              <a:rPr lang="en-US" sz="2000" b="1" dirty="0">
-                <a:solidFill>
-                  <a:srgbClr val="FF0000"/>
-                </a:solidFill>
-                <a:latin typeface="Courier New" pitchFamily="49" charset="0"/>
-              </a:rPr>
-              <a:t>       (lambda () (fib n)))))</a:t>
-            </a:r>
-          </a:p>
-          <a:p>
-            <a:pPr>
-              <a:lnSpc>
-                <a:spcPct val="80000"/>
-              </a:lnSpc>
-              <a:buFontTx/>
-              <a:buNone/>
-            </a:pPr>
-            <a:r>
-              <a:rPr lang="en-US" sz="2000" dirty="0">
-                <a:latin typeface="Courier New" pitchFamily="49" charset="0"/>
-              </a:rPr>
-              <a:t>&gt; </a:t>
-            </a:r>
-            <a:r>
-              <a:rPr lang="en-US" sz="2000" b="1" dirty="0">
-                <a:latin typeface="Courier New" pitchFamily="49" charset="0"/>
-              </a:rPr>
-              <a:t>(define eng (engine-fib 7))</a:t>
-            </a:r>
-          </a:p>
-          <a:p>
-            <a:pPr>
-              <a:lnSpc>
-                <a:spcPct val="80000"/>
-              </a:lnSpc>
-              <a:buFontTx/>
-              <a:buNone/>
-            </a:pPr>
-            <a:r>
-              <a:rPr lang="en-US" sz="2000" dirty="0">
-                <a:latin typeface="Courier New" pitchFamily="49" charset="0"/>
-              </a:rPr>
-              <a:t>&gt; </a:t>
-            </a:r>
-            <a:r>
-              <a:rPr lang="en-US" sz="2000" b="1" dirty="0">
-                <a:latin typeface="Courier New" pitchFamily="49" charset="0"/>
-              </a:rPr>
-              <a:t>(eng 50 cons (lambda (new-eng) (set! eng new-eng)))</a:t>
-            </a:r>
-          </a:p>
-          <a:p>
-            <a:pPr>
-              <a:lnSpc>
-                <a:spcPct val="80000"/>
-              </a:lnSpc>
-              <a:buFontTx/>
-              <a:buNone/>
-            </a:pPr>
-            <a:r>
-              <a:rPr lang="en-US" sz="2000" dirty="0">
-                <a:latin typeface="Courier New" pitchFamily="49" charset="0"/>
-              </a:rPr>
-              <a:t>&gt; </a:t>
-            </a:r>
-            <a:r>
-              <a:rPr lang="en-US" sz="2000" b="1" dirty="0">
-                <a:latin typeface="Courier New" pitchFamily="49" charset="0"/>
-              </a:rPr>
-              <a:t>(eng 50 cons (lambda (new-eng) (set! eng new-eng)))</a:t>
-            </a:r>
-          </a:p>
-          <a:p>
-            <a:pPr>
-              <a:lnSpc>
-                <a:spcPct val="80000"/>
-              </a:lnSpc>
-              <a:buFontTx/>
-              <a:buNone/>
-            </a:pPr>
-            <a:r>
-              <a:rPr lang="en-US" sz="2000" dirty="0">
-                <a:latin typeface="Courier New" pitchFamily="49" charset="0"/>
-              </a:rPr>
-              <a:t>&gt; </a:t>
-            </a:r>
-            <a:r>
-              <a:rPr lang="en-US" sz="2000" b="1" dirty="0">
-                <a:latin typeface="Courier New" pitchFamily="49" charset="0"/>
-              </a:rPr>
-              <a:t>(eng 50 cons (lambda (new-eng) (set! eng new-eng)))</a:t>
-            </a:r>
-          </a:p>
-          <a:p>
-            <a:pPr>
-              <a:lnSpc>
-                <a:spcPct val="80000"/>
-              </a:lnSpc>
-              <a:buFontTx/>
-              <a:buNone/>
-            </a:pPr>
-            <a:r>
-              <a:rPr lang="en-US" sz="2000" dirty="0">
-                <a:latin typeface="Courier New" pitchFamily="49" charset="0"/>
-              </a:rPr>
-              <a:t>&gt; </a:t>
-            </a:r>
-            <a:r>
-              <a:rPr lang="en-US" sz="2000" b="1" dirty="0">
-                <a:latin typeface="Courier New" pitchFamily="49" charset="0"/>
-              </a:rPr>
-              <a:t>(eng 50 cons (lambda (new-eng) (set! eng new-eng)))</a:t>
-            </a:r>
-          </a:p>
-          <a:p>
-            <a:pPr>
-              <a:lnSpc>
-                <a:spcPct val="80000"/>
-              </a:lnSpc>
-              <a:buFontTx/>
-              <a:buNone/>
-            </a:pPr>
-            <a:r>
-              <a:rPr lang="en-US" sz="2000" dirty="0">
-                <a:latin typeface="Courier New" pitchFamily="49" charset="0"/>
-              </a:rPr>
-              <a:t>&gt; </a:t>
-            </a:r>
-            <a:r>
-              <a:rPr lang="en-US" sz="2000" b="1" dirty="0">
-                <a:latin typeface="Courier New" pitchFamily="49" charset="0"/>
-              </a:rPr>
-              <a:t>(eng 50 cons (lambda (new-eng) (set! eng new-</a:t>
-            </a:r>
-            <a:r>
-              <a:rPr lang="en-US" sz="2000" b="1" dirty="0" err="1">
-                <a:latin typeface="Courier New" pitchFamily="49" charset="0"/>
-              </a:rPr>
-              <a:t>eng</a:t>
-            </a:r>
-            <a:r>
-              <a:rPr lang="en-US" sz="2000" b="1" dirty="0">
-                <a:latin typeface="Courier New" pitchFamily="49" charset="0"/>
-              </a:rPr>
-              <a:t>)))</a:t>
-            </a:r>
-          </a:p>
-          <a:p>
-            <a:pPr>
-              <a:lnSpc>
-                <a:spcPct val="80000"/>
-              </a:lnSpc>
-              <a:buNone/>
-            </a:pPr>
-            <a:r>
-              <a:rPr lang="en-US" sz="2000" dirty="0">
-                <a:latin typeface="Courier New" pitchFamily="49" charset="0"/>
-              </a:rPr>
-              <a:t>&gt; </a:t>
-            </a:r>
-            <a:r>
-              <a:rPr lang="en-US" sz="2000" b="1" dirty="0">
-                <a:latin typeface="Courier New" pitchFamily="49" charset="0"/>
-              </a:rPr>
-              <a:t>(</a:t>
-            </a:r>
-            <a:r>
-              <a:rPr lang="en-US" sz="2000" b="1" dirty="0" err="1">
-                <a:latin typeface="Courier New" pitchFamily="49" charset="0"/>
-              </a:rPr>
-              <a:t>eng</a:t>
-            </a:r>
-            <a:r>
-              <a:rPr lang="en-US" sz="2000" b="1" dirty="0">
-                <a:latin typeface="Courier New" pitchFamily="49" charset="0"/>
-              </a:rPr>
-              <a:t> 50 cons (lambda (new-</a:t>
-            </a:r>
-            <a:r>
-              <a:rPr lang="en-US" sz="2000" b="1" dirty="0" err="1">
-                <a:latin typeface="Courier New" pitchFamily="49" charset="0"/>
-              </a:rPr>
-              <a:t>eng</a:t>
-            </a:r>
-            <a:r>
-              <a:rPr lang="en-US" sz="2000" b="1" dirty="0">
-                <a:latin typeface="Courier New" pitchFamily="49" charset="0"/>
-              </a:rPr>
-              <a:t>) (set! </a:t>
-            </a:r>
-            <a:r>
-              <a:rPr lang="en-US" sz="2000" b="1" dirty="0" err="1">
-                <a:latin typeface="Courier New" pitchFamily="49" charset="0"/>
-              </a:rPr>
-              <a:t>eng</a:t>
-            </a:r>
-            <a:r>
-              <a:rPr lang="en-US" sz="2000" b="1" dirty="0">
-                <a:latin typeface="Courier New" pitchFamily="49" charset="0"/>
-              </a:rPr>
-              <a:t> new-</a:t>
-            </a:r>
-            <a:r>
-              <a:rPr lang="en-US" sz="2000" b="1" dirty="0" err="1">
-                <a:latin typeface="Courier New" pitchFamily="49" charset="0"/>
-              </a:rPr>
-              <a:t>eng</a:t>
-            </a:r>
-            <a:r>
-              <a:rPr lang="en-US" sz="2000" b="1" dirty="0">
-                <a:latin typeface="Courier New" pitchFamily="49" charset="0"/>
-              </a:rPr>
-              <a:t>)))</a:t>
-            </a:r>
-          </a:p>
-          <a:p>
-            <a:pPr>
-              <a:lnSpc>
-                <a:spcPct val="80000"/>
-              </a:lnSpc>
-              <a:buFontTx/>
-              <a:buNone/>
-            </a:pPr>
-            <a:r>
-              <a:rPr lang="en-US" sz="2000" dirty="0">
-                <a:latin typeface="Courier New" pitchFamily="49" charset="0"/>
-              </a:rPr>
-              <a:t>(9 . 13)</a:t>
-            </a:r>
-          </a:p>
-          <a:p>
-            <a:pPr>
-              <a:lnSpc>
-                <a:spcPct val="80000"/>
-              </a:lnSpc>
-              <a:buFontTx/>
-              <a:buNone/>
-            </a:pPr>
-            <a:endParaRPr lang="en-US" sz="2000" dirty="0">
-              <a:latin typeface="Courier New" pitchFamily="49" charset="0"/>
-            </a:endParaRPr>
-          </a:p>
-          <a:p>
-            <a:pPr>
-              <a:lnSpc>
-                <a:spcPct val="80000"/>
-              </a:lnSpc>
-              <a:buFontTx/>
-              <a:buNone/>
-            </a:pPr>
-            <a:endParaRPr lang="en-US" sz="2000" dirty="0">
-              <a:latin typeface="Courier New" pitchFamily="49" charset="0"/>
-            </a:endParaRPr>
-          </a:p>
-        </p:txBody>
-      </p:sp>
-      <p:sp>
-        <p:nvSpPr>
-          <p:cNvPr id="4" name="TextBox 3"/>
-          <p:cNvSpPr txBox="1"/>
-          <p:nvPr/>
-        </p:nvSpPr>
-        <p:spPr>
-          <a:xfrm>
-            <a:off x="7467600" y="838200"/>
-            <a:ext cx="2819400" cy="3416320"/>
-          </a:xfrm>
-          <a:prstGeom prst="rect">
-            <a:avLst/>
-          </a:prstGeom>
-          <a:noFill/>
-          <a:ln w="34925">
-            <a:solidFill>
-              <a:srgbClr val="FF0000"/>
-            </a:solidFill>
-          </a:ln>
-        </p:spPr>
-        <p:txBody>
-          <a:bodyPr wrap="square" rtlCol="0">
-            <a:spAutoFit/>
-          </a:bodyPr>
-          <a:lstStyle/>
-          <a:p>
-            <a:r>
-              <a:rPr lang="en-US" b="1" dirty="0"/>
-              <a:t>Engine arguments:</a:t>
-            </a:r>
-          </a:p>
-          <a:p>
-            <a:r>
-              <a:rPr lang="en-US" b="1" dirty="0">
-                <a:solidFill>
-                  <a:srgbClr val="FF0000"/>
-                </a:solidFill>
-              </a:rPr>
-              <a:t>ticks </a:t>
-            </a:r>
-            <a:r>
-              <a:rPr lang="en-US" dirty="0"/>
-              <a:t>(initial  amount of fuel)</a:t>
-            </a:r>
-          </a:p>
-          <a:p>
-            <a:r>
-              <a:rPr lang="en-US" dirty="0">
-                <a:solidFill>
-                  <a:srgbClr val="FF0000"/>
-                </a:solidFill>
-              </a:rPr>
-              <a:t>complete</a:t>
-            </a:r>
-            <a:r>
-              <a:rPr lang="en-US" dirty="0"/>
-              <a:t> (receives # remaining ticks and answer if computation finishes)</a:t>
-            </a:r>
-          </a:p>
-          <a:p>
-            <a:r>
-              <a:rPr lang="en-US" b="1" dirty="0">
-                <a:solidFill>
-                  <a:srgbClr val="FF0000"/>
-                </a:solidFill>
-              </a:rPr>
-              <a:t>expire</a:t>
-            </a:r>
-            <a:r>
-              <a:rPr lang="en-US" dirty="0"/>
-              <a:t> (receives engine capable of completing the computation if fuel expires before computation finishes)</a:t>
-            </a:r>
-          </a:p>
-        </p:txBody>
-      </p:sp>
-    </p:spTree>
-  </p:cSld>
-  <p:clrMapOvr>
-    <a:masterClrMapping/>
-  </p:clrMapOvr>
-  <p:timing>
-    <p:tnLst>
-      <p:par>
-        <p:cTn id="1" dur="indefinite" restart="never" nodeType="tmRoot">
-          <p:childTnLst>
-            <p:seq concurrent="1" nextAc="seek">
-              <p:cTn id="2" dur="indefinite" nodeType="mainSeq">
-                <p:childTnLst>
-                  <p:par>
-                    <p:cTn id="3" fill="hold">
-                      <p:stCondLst>
-                        <p:cond delay="indefinite"/>
-                      </p:stCondLst>
-                      <p:childTnLst>
-                        <p:par>
-                          <p:cTn id="4" fill="hold">
-                            <p:stCondLst>
-                              <p:cond delay="0"/>
-                            </p:stCondLst>
-                            <p:childTnLst>
-                              <p:par>
-                                <p:cTn id="5" presetID="1" presetClass="entr" presetSubtype="0" fill="hold" grpId="0" nodeType="clickEffect">
-                                  <p:stCondLst>
-                                    <p:cond delay="0"/>
-                                  </p:stCondLst>
-                                  <p:childTnLst>
-                                    <p:set>
-                                      <p:cBhvr>
-                                        <p:cTn id="6" dur="1" fill="hold">
-                                          <p:stCondLst>
-                                            <p:cond delay="0"/>
-                                          </p:stCondLst>
-                                        </p:cTn>
-                                        <p:tgtEl>
-                                          <p:spTgt spid="76803">
-                                            <p:txEl>
-                                              <p:pRg st="0" end="0"/>
-                                            </p:txEl>
-                                          </p:spTgt>
-                                        </p:tgtEl>
-                                        <p:attrNameLst>
-                                          <p:attrName>style.visibility</p:attrName>
-                                        </p:attrNameLst>
-                                      </p:cBhvr>
-                                      <p:to>
-                                        <p:strVal val="visible"/>
-                                      </p:to>
-                                    </p:set>
-                                  </p:childTnLst>
-                                </p:cTn>
-                              </p:par>
-                              <p:par>
-                                <p:cTn id="7" presetID="1" presetClass="entr" presetSubtype="0" fill="hold" grpId="0" nodeType="withEffect">
-                                  <p:stCondLst>
-                                    <p:cond delay="0"/>
-                                  </p:stCondLst>
-                                  <p:childTnLst>
-                                    <p:set>
-                                      <p:cBhvr>
-                                        <p:cTn id="8" dur="1" fill="hold">
-                                          <p:stCondLst>
-                                            <p:cond delay="0"/>
-                                          </p:stCondLst>
-                                        </p:cTn>
-                                        <p:tgtEl>
-                                          <p:spTgt spid="76803">
-                                            <p:txEl>
-                                              <p:pRg st="1" end="1"/>
-                                            </p:txEl>
-                                          </p:spTgt>
-                                        </p:tgtEl>
-                                        <p:attrNameLst>
-                                          <p:attrName>style.visibility</p:attrName>
-                                        </p:attrNameLst>
-                                      </p:cBhvr>
-                                      <p:to>
-                                        <p:strVal val="visible"/>
-                                      </p:to>
-                                    </p:set>
-                                  </p:childTnLst>
-                                </p:cTn>
-                              </p:par>
-                              <p:par>
-                                <p:cTn id="9" presetID="1" presetClass="entr" presetSubtype="0" fill="hold" grpId="0" nodeType="withEffect">
-                                  <p:stCondLst>
-                                    <p:cond delay="0"/>
-                                  </p:stCondLst>
-                                  <p:childTnLst>
-                                    <p:set>
-                                      <p:cBhvr>
-                                        <p:cTn id="10" dur="1" fill="hold">
-                                          <p:stCondLst>
-                                            <p:cond delay="0"/>
-                                          </p:stCondLst>
-                                        </p:cTn>
-                                        <p:tgtEl>
-                                          <p:spTgt spid="76803">
-                                            <p:txEl>
-                                              <p:pRg st="2" end="2"/>
-                                            </p:txEl>
-                                          </p:spTgt>
-                                        </p:tgtEl>
-                                        <p:attrNameLst>
-                                          <p:attrName>style.visibility</p:attrName>
-                                        </p:attrNameLst>
-                                      </p:cBhvr>
-                                      <p:to>
-                                        <p:strVal val="visible"/>
-                                      </p:to>
-                                    </p:set>
-                                  </p:childTnLst>
-                                </p:cTn>
-                              </p:par>
-                              <p:par>
-                                <p:cTn id="11" presetID="1" presetClass="entr" presetSubtype="0" fill="hold" grpId="0" nodeType="withEffect">
-                                  <p:stCondLst>
-                                    <p:cond delay="0"/>
-                                  </p:stCondLst>
-                                  <p:childTnLst>
-                                    <p:set>
-                                      <p:cBhvr>
-                                        <p:cTn id="12" dur="1" fill="hold">
-                                          <p:stCondLst>
-                                            <p:cond delay="0"/>
-                                          </p:stCondLst>
-                                        </p:cTn>
-                                        <p:tgtEl>
-                                          <p:spTgt spid="76803">
-                                            <p:txEl>
-                                              <p:pRg st="3" end="3"/>
-                                            </p:txEl>
-                                          </p:spTgt>
-                                        </p:tgtEl>
-                                        <p:attrNameLst>
-                                          <p:attrName>style.visibility</p:attrName>
-                                        </p:attrNameLst>
-                                      </p:cBhvr>
-                                      <p:to>
-                                        <p:strVal val="visible"/>
-                                      </p:to>
-                                    </p:set>
-                                  </p:childTnLst>
-                                </p:cTn>
-                              </p:par>
-                              <p:par>
-                                <p:cTn id="13" presetID="1" presetClass="entr" presetSubtype="0" fill="hold" grpId="0" nodeType="withEffect">
-                                  <p:stCondLst>
-                                    <p:cond delay="0"/>
-                                  </p:stCondLst>
-                                  <p:childTnLst>
-                                    <p:set>
-                                      <p:cBhvr>
-                                        <p:cTn id="14" dur="1" fill="hold">
-                                          <p:stCondLst>
-                                            <p:cond delay="0"/>
-                                          </p:stCondLst>
-                                        </p:cTn>
-                                        <p:tgtEl>
-                                          <p:spTgt spid="76803">
-                                            <p:txEl>
-                                              <p:pRg st="4" end="4"/>
-                                            </p:txEl>
-                                          </p:spTgt>
-                                        </p:tgtEl>
-                                        <p:attrNameLst>
-                                          <p:attrName>style.visibility</p:attrName>
-                                        </p:attrNameLst>
-                                      </p:cBhvr>
-                                      <p:to>
-                                        <p:strVal val="visible"/>
-                                      </p:to>
-                                    </p:set>
-                                  </p:childTnLst>
-                                </p:cTn>
-                              </p:par>
-                              <p:par>
-                                <p:cTn id="15" presetID="1" presetClass="entr" presetSubtype="0" fill="hold" grpId="0" nodeType="withEffect">
-                                  <p:stCondLst>
-                                    <p:cond delay="0"/>
-                                  </p:stCondLst>
-                                  <p:childTnLst>
-                                    <p:set>
-                                      <p:cBhvr>
-                                        <p:cTn id="16" dur="1" fill="hold">
-                                          <p:stCondLst>
-                                            <p:cond delay="0"/>
-                                          </p:stCondLst>
-                                        </p:cTn>
-                                        <p:tgtEl>
-                                          <p:spTgt spid="76803">
-                                            <p:txEl>
-                                              <p:pRg st="5" end="5"/>
-                                            </p:txEl>
-                                          </p:spTgt>
-                                        </p:tgtEl>
-                                        <p:attrNameLst>
-                                          <p:attrName>style.visibility</p:attrName>
-                                        </p:attrNameLst>
-                                      </p:cBhvr>
-                                      <p:to>
-                                        <p:strVal val="visible"/>
-                                      </p:to>
-                                    </p:set>
-                                  </p:childTnLst>
-                                </p:cTn>
-                              </p:par>
-                            </p:childTnLst>
-                          </p:cTn>
-                        </p:par>
-                      </p:childTnLst>
-                    </p:cTn>
-                  </p:par>
-                  <p:par>
-                    <p:cTn id="17" fill="hold">
-                      <p:stCondLst>
-                        <p:cond delay="indefinite"/>
-                      </p:stCondLst>
-                      <p:childTnLst>
-                        <p:par>
-                          <p:cTn id="18" fill="hold">
-                            <p:stCondLst>
-                              <p:cond delay="0"/>
-                            </p:stCondLst>
-                            <p:childTnLst>
-                              <p:par>
-                                <p:cTn id="19" presetID="1" presetClass="entr" presetSubtype="0" fill="hold" grpId="0" nodeType="clickEffect">
-                                  <p:stCondLst>
-                                    <p:cond delay="0"/>
-                                  </p:stCondLst>
-                                  <p:childTnLst>
-                                    <p:set>
-                                      <p:cBhvr>
-                                        <p:cTn id="20" dur="1" fill="hold">
-                                          <p:stCondLst>
-                                            <p:cond delay="0"/>
-                                          </p:stCondLst>
-                                        </p:cTn>
-                                        <p:tgtEl>
-                                          <p:spTgt spid="76803">
-                                            <p:txEl>
-                                              <p:pRg st="6" end="6"/>
-                                            </p:txEl>
-                                          </p:spTgt>
-                                        </p:tgtEl>
-                                        <p:attrNameLst>
-                                          <p:attrName>style.visibility</p:attrName>
-                                        </p:attrNameLst>
-                                      </p:cBhvr>
-                                      <p:to>
-                                        <p:strVal val="visible"/>
-                                      </p:to>
-                                    </p:set>
-                                  </p:childTnLst>
-                                </p:cTn>
-                              </p:par>
-                              <p:par>
-                                <p:cTn id="21" presetID="1" presetClass="entr" presetSubtype="0" fill="hold" grpId="0" nodeType="withEffect">
-                                  <p:stCondLst>
-                                    <p:cond delay="0"/>
-                                  </p:stCondLst>
-                                  <p:childTnLst>
-                                    <p:set>
-                                      <p:cBhvr>
-                                        <p:cTn id="22" dur="1" fill="hold">
-                                          <p:stCondLst>
-                                            <p:cond delay="0"/>
-                                          </p:stCondLst>
-                                        </p:cTn>
-                                        <p:tgtEl>
-                                          <p:spTgt spid="76803">
-                                            <p:txEl>
-                                              <p:pRg st="7" end="7"/>
-                                            </p:txEl>
-                                          </p:spTgt>
-                                        </p:tgtEl>
-                                        <p:attrNameLst>
-                                          <p:attrName>style.visibility</p:attrName>
-                                        </p:attrNameLst>
-                                      </p:cBhvr>
-                                      <p:to>
-                                        <p:strVal val="visible"/>
-                                      </p:to>
-                                    </p:set>
-                                  </p:childTnLst>
-                                </p:cTn>
-                              </p:par>
-                              <p:par>
-                                <p:cTn id="23" presetID="1" presetClass="entr" presetSubtype="0" fill="hold" grpId="0" nodeType="withEffect">
-                                  <p:stCondLst>
-                                    <p:cond delay="0"/>
-                                  </p:stCondLst>
-                                  <p:childTnLst>
-                                    <p:set>
-                                      <p:cBhvr>
-                                        <p:cTn id="24" dur="1" fill="hold">
-                                          <p:stCondLst>
-                                            <p:cond delay="0"/>
-                                          </p:stCondLst>
-                                        </p:cTn>
-                                        <p:tgtEl>
-                                          <p:spTgt spid="76803">
-                                            <p:txEl>
-                                              <p:pRg st="8" end="8"/>
-                                            </p:txEl>
-                                          </p:spTgt>
-                                        </p:tgtEl>
-                                        <p:attrNameLst>
-                                          <p:attrName>style.visibility</p:attrName>
-                                        </p:attrNameLst>
-                                      </p:cBhvr>
-                                      <p:to>
-                                        <p:strVal val="visible"/>
-                                      </p:to>
-                                    </p:set>
-                                  </p:childTnLst>
-                                </p:cTn>
-                              </p:par>
-                              <p:par>
-                                <p:cTn id="25" presetID="1" presetClass="entr" presetSubtype="0" fill="hold" grpId="0" nodeType="withEffect">
-                                  <p:stCondLst>
-                                    <p:cond delay="0"/>
-                                  </p:stCondLst>
-                                  <p:childTnLst>
-                                    <p:set>
-                                      <p:cBhvr>
-                                        <p:cTn id="26" dur="1" fill="hold">
-                                          <p:stCondLst>
-                                            <p:cond delay="0"/>
-                                          </p:stCondLst>
-                                        </p:cTn>
-                                        <p:tgtEl>
-                                          <p:spTgt spid="76803">
-                                            <p:txEl>
-                                              <p:pRg st="9" end="9"/>
-                                            </p:txEl>
-                                          </p:spTgt>
-                                        </p:tgtEl>
-                                        <p:attrNameLst>
-                                          <p:attrName>style.visibility</p:attrName>
-                                        </p:attrNameLst>
-                                      </p:cBhvr>
-                                      <p:to>
-                                        <p:strVal val="visible"/>
-                                      </p:to>
-                                    </p:set>
-                                  </p:childTnLst>
-                                </p:cTn>
-                              </p:par>
-                            </p:childTnLst>
-                          </p:cTn>
-                        </p:par>
-                      </p:childTnLst>
-                    </p:cTn>
-                  </p:par>
-                  <p:par>
-                    <p:cTn id="27" fill="hold">
-                      <p:stCondLst>
-                        <p:cond delay="indefinite"/>
-                      </p:stCondLst>
-                      <p:childTnLst>
-                        <p:par>
-                          <p:cTn id="28" fill="hold">
-                            <p:stCondLst>
-                              <p:cond delay="0"/>
-                            </p:stCondLst>
-                            <p:childTnLst>
-                              <p:par>
-                                <p:cTn id="29" presetID="1" presetClass="entr" presetSubtype="0" fill="hold" grpId="0" nodeType="clickEffect">
-                                  <p:stCondLst>
-                                    <p:cond delay="0"/>
-                                  </p:stCondLst>
-                                  <p:childTnLst>
-                                    <p:set>
-                                      <p:cBhvr>
-                                        <p:cTn id="30" dur="1" fill="hold">
-                                          <p:stCondLst>
-                                            <p:cond delay="0"/>
-                                          </p:stCondLst>
-                                        </p:cTn>
-                                        <p:tgtEl>
-                                          <p:spTgt spid="76803">
-                                            <p:txEl>
-                                              <p:pRg st="10" end="10"/>
-                                            </p:txEl>
-                                          </p:spTgt>
-                                        </p:tgtEl>
-                                        <p:attrNameLst>
-                                          <p:attrName>style.visibility</p:attrName>
-                                        </p:attrNameLst>
-                                      </p:cBhvr>
-                                      <p:to>
-                                        <p:strVal val="visible"/>
-                                      </p:to>
-                                    </p:set>
-                                  </p:childTnLst>
-                                </p:cTn>
-                              </p:par>
-                            </p:childTnLst>
-                          </p:cTn>
-                        </p:par>
-                      </p:childTnLst>
-                    </p:cTn>
-                  </p:par>
-                  <p:par>
-                    <p:cTn id="31" fill="hold">
-                      <p:stCondLst>
-                        <p:cond delay="indefinite"/>
-                      </p:stCondLst>
-                      <p:childTnLst>
-                        <p:par>
-                          <p:cTn id="32" fill="hold">
-                            <p:stCondLst>
-                              <p:cond delay="0"/>
-                            </p:stCondLst>
-                            <p:childTnLst>
-                              <p:par>
-                                <p:cTn id="33" presetID="1" presetClass="entr" presetSubtype="0" fill="hold" grpId="0" nodeType="clickEffect">
-                                  <p:stCondLst>
-                                    <p:cond delay="0"/>
-                                  </p:stCondLst>
-                                  <p:childTnLst>
-                                    <p:set>
-                                      <p:cBhvr>
-                                        <p:cTn id="34" dur="1" fill="hold">
-                                          <p:stCondLst>
-                                            <p:cond delay="0"/>
-                                          </p:stCondLst>
-                                        </p:cTn>
-                                        <p:tgtEl>
-                                          <p:spTgt spid="76803">
-                                            <p:txEl>
-                                              <p:pRg st="11" end="11"/>
-                                            </p:txEl>
-                                          </p:spTgt>
-                                        </p:tgtEl>
-                                        <p:attrNameLst>
-                                          <p:attrName>style.visibility</p:attrName>
-                                        </p:attrNameLst>
-                                      </p:cBhvr>
-                                      <p:to>
-                                        <p:strVal val="visible"/>
-                                      </p:to>
-                                    </p:set>
-                                  </p:childTnLst>
-                                </p:cTn>
-                              </p:par>
-                            </p:childTnLst>
-                          </p:cTn>
-                        </p:par>
-                      </p:childTnLst>
-                    </p:cTn>
-                  </p:par>
-                  <p:par>
-                    <p:cTn id="35" fill="hold">
-                      <p:stCondLst>
-                        <p:cond delay="indefinite"/>
-                      </p:stCondLst>
-                      <p:childTnLst>
-                        <p:par>
-                          <p:cTn id="36" fill="hold">
-                            <p:stCondLst>
-                              <p:cond delay="0"/>
-                            </p:stCondLst>
-                            <p:childTnLst>
-                              <p:par>
-                                <p:cTn id="37" presetID="1" presetClass="entr" presetSubtype="0" fill="hold" grpId="0" nodeType="clickEffect">
-                                  <p:stCondLst>
-                                    <p:cond delay="0"/>
-                                  </p:stCondLst>
-                                  <p:childTnLst>
-                                    <p:set>
-                                      <p:cBhvr>
-                                        <p:cTn id="38" dur="1" fill="hold">
-                                          <p:stCondLst>
-                                            <p:cond delay="0"/>
-                                          </p:stCondLst>
-                                        </p:cTn>
-                                        <p:tgtEl>
-                                          <p:spTgt spid="76803">
-                                            <p:txEl>
-                                              <p:pRg st="12" end="12"/>
-                                            </p:txEl>
-                                          </p:spTgt>
-                                        </p:tgtEl>
-                                        <p:attrNameLst>
-                                          <p:attrName>style.visibility</p:attrName>
-                                        </p:attrNameLst>
-                                      </p:cBhvr>
-                                      <p:to>
-                                        <p:strVal val="visible"/>
-                                      </p:to>
-                                    </p:set>
-                                  </p:childTnLst>
-                                </p:cTn>
-                              </p:par>
-                            </p:childTnLst>
-                          </p:cTn>
-                        </p:par>
-                      </p:childTnLst>
-                    </p:cTn>
-                  </p:par>
-                  <p:par>
-                    <p:cTn id="39" fill="hold">
-                      <p:stCondLst>
-                        <p:cond delay="indefinite"/>
-                      </p:stCondLst>
-                      <p:childTnLst>
-                        <p:par>
-                          <p:cTn id="40" fill="hold">
-                            <p:stCondLst>
-                              <p:cond delay="0"/>
-                            </p:stCondLst>
-                            <p:childTnLst>
-                              <p:par>
-                                <p:cTn id="41" presetID="1" presetClass="entr" presetSubtype="0" fill="hold" grpId="0" nodeType="clickEffect">
-                                  <p:stCondLst>
-                                    <p:cond delay="0"/>
-                                  </p:stCondLst>
-                                  <p:childTnLst>
-                                    <p:set>
-                                      <p:cBhvr>
-                                        <p:cTn id="42" dur="1" fill="hold">
-                                          <p:stCondLst>
-                                            <p:cond delay="0"/>
-                                          </p:stCondLst>
-                                        </p:cTn>
-                                        <p:tgtEl>
-                                          <p:spTgt spid="76803">
-                                            <p:txEl>
-                                              <p:pRg st="13" end="13"/>
-                                            </p:txEl>
-                                          </p:spTgt>
-                                        </p:tgtEl>
-                                        <p:attrNameLst>
-                                          <p:attrName>style.visibility</p:attrName>
-                                        </p:attrNameLst>
-                                      </p:cBhvr>
-                                      <p:to>
-                                        <p:strVal val="visible"/>
-                                      </p:to>
-                                    </p:set>
-                                  </p:childTnLst>
-                                </p:cTn>
-                              </p:par>
-                            </p:childTnLst>
-                          </p:cTn>
-                        </p:par>
-                      </p:childTnLst>
-                    </p:cTn>
-                  </p:par>
-                  <p:par>
-                    <p:cTn id="43" fill="hold">
-                      <p:stCondLst>
-                        <p:cond delay="indefinite"/>
-                      </p:stCondLst>
-                      <p:childTnLst>
-                        <p:par>
-                          <p:cTn id="44" fill="hold">
-                            <p:stCondLst>
-                              <p:cond delay="0"/>
-                            </p:stCondLst>
-                            <p:childTnLst>
-                              <p:par>
-                                <p:cTn id="45" presetID="1" presetClass="entr" presetSubtype="0" fill="hold" grpId="0" nodeType="clickEffect">
-                                  <p:stCondLst>
-                                    <p:cond delay="0"/>
-                                  </p:stCondLst>
-                                  <p:childTnLst>
-                                    <p:set>
-                                      <p:cBhvr>
-                                        <p:cTn id="46" dur="1" fill="hold">
-                                          <p:stCondLst>
-                                            <p:cond delay="0"/>
-                                          </p:stCondLst>
-                                        </p:cTn>
-                                        <p:tgtEl>
-                                          <p:spTgt spid="76803">
-                                            <p:txEl>
-                                              <p:pRg st="14" end="14"/>
-                                            </p:txEl>
-                                          </p:spTgt>
-                                        </p:tgtEl>
-                                        <p:attrNameLst>
-                                          <p:attrName>style.visibility</p:attrName>
-                                        </p:attrNameLst>
-                                      </p:cBhvr>
-                                      <p:to>
-                                        <p:strVal val="visible"/>
-                                      </p:to>
-                                    </p:set>
-                                  </p:childTnLst>
-                                </p:cTn>
-                              </p:par>
-                            </p:childTnLst>
-                          </p:cTn>
-                        </p:par>
-                      </p:childTnLst>
-                    </p:cTn>
-                  </p:par>
-                  <p:par>
-                    <p:cTn id="47" fill="hold">
-                      <p:stCondLst>
-                        <p:cond delay="indefinite"/>
-                      </p:stCondLst>
-                      <p:childTnLst>
-                        <p:par>
-                          <p:cTn id="48" fill="hold">
-                            <p:stCondLst>
-                              <p:cond delay="0"/>
-                            </p:stCondLst>
-                            <p:childTnLst>
-                              <p:par>
-                                <p:cTn id="49" presetID="1" presetClass="entr" presetSubtype="0" fill="hold" grpId="0" nodeType="clickEffect">
-                                  <p:stCondLst>
-                                    <p:cond delay="0"/>
-                                  </p:stCondLst>
-                                  <p:childTnLst>
-                                    <p:set>
-                                      <p:cBhvr>
-                                        <p:cTn id="50" dur="1" fill="hold">
-                                          <p:stCondLst>
-                                            <p:cond delay="0"/>
-                                          </p:stCondLst>
-                                        </p:cTn>
-                                        <p:tgtEl>
-                                          <p:spTgt spid="76803">
-                                            <p:txEl>
-                                              <p:pRg st="15" end="15"/>
-                                            </p:txEl>
-                                          </p:spTgt>
-                                        </p:tgtEl>
-                                        <p:attrNameLst>
-                                          <p:attrName>style.visibility</p:attrName>
-                                        </p:attrNameLst>
-                                      </p:cBhvr>
-                                      <p:to>
-                                        <p:strVal val="visible"/>
-                                      </p:to>
-                                    </p:set>
-                                  </p:childTnLst>
-                                </p:cTn>
-                              </p:par>
-                            </p:childTnLst>
-                          </p:cTn>
-                        </p:par>
-                      </p:childTnLst>
-                    </p:cTn>
-                  </p:par>
-                  <p:par>
-                    <p:cTn id="51" fill="hold">
-                      <p:stCondLst>
-                        <p:cond delay="indefinite"/>
-                      </p:stCondLst>
-                      <p:childTnLst>
-                        <p:par>
-                          <p:cTn id="52" fill="hold">
-                            <p:stCondLst>
-                              <p:cond delay="0"/>
-                            </p:stCondLst>
-                            <p:childTnLst>
-                              <p:par>
-                                <p:cTn id="53" presetID="1" presetClass="entr" presetSubtype="0" fill="hold" grpId="0" nodeType="clickEffect">
-                                  <p:stCondLst>
-                                    <p:cond delay="0"/>
-                                  </p:stCondLst>
-                                  <p:childTnLst>
-                                    <p:set>
-                                      <p:cBhvr>
-                                        <p:cTn id="54" dur="1" fill="hold">
-                                          <p:stCondLst>
-                                            <p:cond delay="0"/>
-                                          </p:stCondLst>
-                                        </p:cTn>
-                                        <p:tgtEl>
-                                          <p:spTgt spid="76803">
-                                            <p:txEl>
-                                              <p:pRg st="16" end="16"/>
-                                            </p:txEl>
-                                          </p:spTgt>
-                                        </p:tgtEl>
-                                        <p:attrNameLst>
-                                          <p:attrName>style.visibility</p:attrName>
-                                        </p:attrNameLst>
-                                      </p:cBhvr>
-                                      <p:to>
-                                        <p:strVal val="visible"/>
-                                      </p:to>
-                                    </p:set>
-                                  </p:childTnLst>
-                                </p:cTn>
-                              </p:par>
-                            </p:childTnLst>
-                          </p:cTn>
-                        </p:par>
-                      </p:childTnLst>
-                    </p:cTn>
-                  </p:par>
-                  <p:par>
-                    <p:cTn id="55" fill="hold">
-                      <p:stCondLst>
-                        <p:cond delay="indefinite"/>
-                      </p:stCondLst>
-                      <p:childTnLst>
-                        <p:par>
-                          <p:cTn id="56" fill="hold">
-                            <p:stCondLst>
-                              <p:cond delay="0"/>
-                            </p:stCondLst>
-                            <p:childTnLst>
-                              <p:par>
-                                <p:cTn id="57" presetID="1" presetClass="entr" presetSubtype="0" fill="hold" grpId="0" nodeType="clickEffect">
-                                  <p:stCondLst>
-                                    <p:cond delay="0"/>
-                                  </p:stCondLst>
-                                  <p:childTnLst>
-                                    <p:set>
-                                      <p:cBhvr>
-                                        <p:cTn id="58" dur="1" fill="hold">
-                                          <p:stCondLst>
-                                            <p:cond delay="0"/>
-                                          </p:stCondLst>
-                                        </p:cTn>
-                                        <p:tgtEl>
-                                          <p:spTgt spid="76803">
-                                            <p:txEl>
-                                              <p:pRg st="17" end="17"/>
-                                            </p:txEl>
-                                          </p:spTgt>
-                                        </p:tgtEl>
-                                        <p:attrNameLst>
-                                          <p:attrName>style.visibility</p:attrName>
-                                        </p:attrNameLst>
-                                      </p:cBhvr>
-                                      <p:to>
-                                        <p:strVal val="visible"/>
-                                      </p:to>
-                                    </p:set>
-                                  </p:childTnLst>
-                                </p:cTn>
-                              </p:par>
-                            </p:childTnLst>
-                          </p:cTn>
-                        </p:par>
-                      </p:childTnLst>
-                    </p:cTn>
-                  </p:par>
-                </p:childTnLst>
-              </p:cTn>
-              <p:prevCondLst>
-                <p:cond evt="onPrev" delay="0">
-                  <p:tgtEl>
-                    <p:sldTgt/>
-                  </p:tgtEl>
-                </p:cond>
-              </p:prevCondLst>
-              <p:nextCondLst>
-                <p:cond evt="onNext" delay="0">
-                  <p:tgtEl>
-                    <p:sldTgt/>
-                  </p:tgtEl>
-                </p:cond>
-              </p:nextCondLst>
-            </p:seq>
-          </p:childTnLst>
-        </p:cTn>
-      </p:par>
-    </p:tnLst>
-    <p:bldLst>
-      <p:bldP spid="76803" grpId="0" build="p"/>
-    </p:bldLst>
-  </p:timing>
-</p:sld>
-</file>
-
-<file path=ppt/slides/slide12.xml><?xml version="1.0" encoding="utf-8"?>
 <p:sld xmlns:a="http://schemas.openxmlformats.org/drawingml/2006/main" xmlns:r="http://schemas.openxmlformats.org/officeDocument/2006/relationships" xmlns:p="http://schemas.openxmlformats.org/presentationml/2006/main">
   <p:cSld>
     <p:spTree>
@@ -6109,7 +4215,7 @@
 </p:sld>
 </file>
 
-<file path=ppt/slides/slide13.xml><?xml version="1.0" encoding="utf-8"?>
+<file path=ppt/slides/slide11.xml><?xml version="1.0" encoding="utf-8"?>
 <p:sld xmlns:a="http://schemas.openxmlformats.org/drawingml/2006/main" xmlns:r="http://schemas.openxmlformats.org/officeDocument/2006/relationships" xmlns:p="http://schemas.openxmlformats.org/presentationml/2006/main" show="0">
   <p:cSld>
     <p:spTree>
@@ -6249,7 +4355,7 @@
 </p:sld>
 </file>
 
-<file path=ppt/slides/slide14.xml><?xml version="1.0" encoding="utf-8"?>
+<file path=ppt/slides/slide12.xml><?xml version="1.0" encoding="utf-8"?>
 <p:sld xmlns:a="http://schemas.openxmlformats.org/drawingml/2006/main" xmlns:r="http://schemas.openxmlformats.org/officeDocument/2006/relationships" xmlns:p="http://schemas.openxmlformats.org/presentationml/2006/main" showMasterPhAnim="0">
   <p:cSld>
     <p:spTree>
@@ -7859,7 +5965,7 @@
 </p:sld>
 </file>
 
-<file path=ppt/slides/slide15.xml><?xml version="1.0" encoding="utf-8"?>
+<file path=ppt/slides/slide13.xml><?xml version="1.0" encoding="utf-8"?>
 <p:sld xmlns:a="http://schemas.openxmlformats.org/drawingml/2006/main" xmlns:r="http://schemas.openxmlformats.org/officeDocument/2006/relationships" xmlns:p="http://schemas.openxmlformats.org/presentationml/2006/main">
   <p:cSld>
     <p:spTree>
@@ -7952,7 +6058,7 @@
 </p:sld>
 </file>
 
-<file path=ppt/slides/slide16.xml><?xml version="1.0" encoding="utf-8"?>
+<file path=ppt/slides/slide14.xml><?xml version="1.0" encoding="utf-8"?>
 <p:sld xmlns:a="http://schemas.openxmlformats.org/drawingml/2006/main" xmlns:r="http://schemas.openxmlformats.org/officeDocument/2006/relationships" xmlns:p="http://schemas.openxmlformats.org/presentationml/2006/main">
   <p:cSld>
     <p:spTree>
@@ -8153,7 +6259,7 @@
 </p:sld>
 </file>
 
-<file path=ppt/slides/slide17.xml><?xml version="1.0" encoding="utf-8"?>
+<file path=ppt/slides/slide15.xml><?xml version="1.0" encoding="utf-8"?>
 <p:sld xmlns:a="http://schemas.openxmlformats.org/drawingml/2006/main" xmlns:r="http://schemas.openxmlformats.org/officeDocument/2006/relationships" xmlns:p="http://schemas.openxmlformats.org/presentationml/2006/main">
   <p:cSld>
     <p:spTree>
@@ -8222,7 +6328,7 @@
 </p:sld>
 </file>
 
-<file path=ppt/slides/slide18.xml><?xml version="1.0" encoding="utf-8"?>
+<file path=ppt/slides/slide16.xml><?xml version="1.0" encoding="utf-8"?>
 <p:sld xmlns:a="http://schemas.openxmlformats.org/drawingml/2006/main" xmlns:r="http://schemas.openxmlformats.org/officeDocument/2006/relationships" xmlns:p="http://schemas.openxmlformats.org/presentationml/2006/main">
   <p:cSld>
     <p:spTree>
@@ -8926,7 +7032,7 @@
 </p:sld>
 </file>
 
-<file path=ppt/slides/slide19.xml><?xml version="1.0" encoding="utf-8"?>
+<file path=ppt/slides/slide17.xml><?xml version="1.0" encoding="utf-8"?>
 <p:sld xmlns:a="http://schemas.openxmlformats.org/drawingml/2006/main" xmlns:r="http://schemas.openxmlformats.org/officeDocument/2006/relationships" xmlns:p="http://schemas.openxmlformats.org/presentationml/2006/main">
   <p:cSld>
     <p:spTree>
@@ -9198,177 +7304,7 @@
 </p:sld>
 </file>
 
-<file path=ppt/slides/slide2.xml><?xml version="1.0" encoding="utf-8"?>
-<p:sld xmlns:a="http://schemas.openxmlformats.org/drawingml/2006/main" xmlns:r="http://schemas.openxmlformats.org/officeDocument/2006/relationships" xmlns:p="http://schemas.openxmlformats.org/presentationml/2006/main">
-  <p:cSld>
-    <p:spTree>
-      <p:nvGrpSpPr>
-        <p:cNvPr id="1" name=""/>
-        <p:cNvGrpSpPr/>
-        <p:nvPr/>
-      </p:nvGrpSpPr>
-      <p:grpSpPr>
-        <a:xfrm>
-          <a:off x="0" y="0"/>
-          <a:ext cx="0" cy="0"/>
-          <a:chOff x="0" y="0"/>
-          <a:chExt cx="0" cy="0"/>
-        </a:xfrm>
-      </p:grpSpPr>
-      <p:sp>
-        <p:nvSpPr>
-          <p:cNvPr id="2" name="Title 1">
-            <a:extLst>
-              <a:ext uri="{FF2B5EF4-FFF2-40B4-BE49-F238E27FC236}">
-                <a16:creationId xmlns:a16="http://schemas.microsoft.com/office/drawing/2014/main" id="{06B1618C-4E9B-45A2-B805-3ED885604A25}"/>
-              </a:ext>
-            </a:extLst>
-          </p:cNvPr>
-          <p:cNvSpPr>
-            <a:spLocks noGrp="1"/>
-          </p:cNvSpPr>
-          <p:nvPr>
-            <p:ph type="title"/>
-          </p:nvPr>
-        </p:nvSpPr>
-        <p:spPr/>
-        <p:txBody>
-          <a:bodyPr/>
-          <a:lstStyle/>
-          <a:p>
-            <a:r>
-              <a:rPr lang="en-US" dirty="0"/>
-              <a:t>How can we implement this? (hint: call/cc)</a:t>
-            </a:r>
-          </a:p>
-        </p:txBody>
-      </p:sp>
-      <p:sp>
-        <p:nvSpPr>
-          <p:cNvPr id="3" name="Content Placeholder 2">
-            <a:extLst>
-              <a:ext uri="{FF2B5EF4-FFF2-40B4-BE49-F238E27FC236}">
-                <a16:creationId xmlns:a16="http://schemas.microsoft.com/office/drawing/2014/main" id="{576371E3-F8F5-49C0-B187-07C29BCA2BA3}"/>
-              </a:ext>
-            </a:extLst>
-          </p:cNvPr>
-          <p:cNvSpPr>
-            <a:spLocks noGrp="1"/>
-          </p:cNvSpPr>
-          <p:nvPr>
-            <p:ph idx="1"/>
-          </p:nvPr>
-        </p:nvSpPr>
-        <p:spPr/>
-        <p:txBody>
-          <a:bodyPr/>
-          <a:lstStyle/>
-          <a:p>
-            <a:pPr marL="0" indent="0">
-              <a:buNone/>
-            </a:pPr>
-            <a:r>
-              <a:rPr lang="en-US" sz="2800" dirty="0"/>
-              <a:t>(run-</a:t>
-            </a:r>
-            <a:r>
-              <a:rPr lang="en-US" sz="2800" dirty="0" err="1"/>
-              <a:t>pausable</a:t>
-            </a:r>
-            <a:r>
-              <a:rPr lang="en-US" sz="2800" dirty="0"/>
-              <a:t> (lambda ()</a:t>
-            </a:r>
-          </a:p>
-          <a:p>
-            <a:pPr marL="0" indent="0">
-              <a:buNone/>
-            </a:pPr>
-            <a:r>
-              <a:rPr lang="en-US" sz="2800" dirty="0"/>
-              <a:t>                (display 1)</a:t>
-            </a:r>
-          </a:p>
-          <a:p>
-            <a:pPr marL="0" indent="0">
-              <a:buNone/>
-            </a:pPr>
-            <a:r>
-              <a:rPr lang="en-US" sz="2800" dirty="0"/>
-              <a:t>                (pause-me)</a:t>
-            </a:r>
-          </a:p>
-          <a:p>
-            <a:pPr marL="0" indent="0">
-              <a:buNone/>
-            </a:pPr>
-            <a:r>
-              <a:rPr lang="en-US" sz="2800" dirty="0"/>
-              <a:t>                (display 3)))</a:t>
-            </a:r>
-          </a:p>
-          <a:p>
-            <a:pPr marL="0" indent="0">
-              <a:buNone/>
-            </a:pPr>
-            <a:r>
-              <a:rPr lang="en-US" sz="2800" dirty="0"/>
-              <a:t>(display 2)</a:t>
-            </a:r>
-          </a:p>
-          <a:p>
-            <a:pPr marL="0" indent="0">
-              <a:buNone/>
-            </a:pPr>
-            <a:r>
-              <a:rPr lang="en-US" sz="2800" dirty="0"/>
-              <a:t>(resume)</a:t>
-            </a:r>
-          </a:p>
-          <a:p>
-            <a:pPr marL="0" indent="0">
-              <a:buNone/>
-            </a:pPr>
-            <a:r>
-              <a:rPr lang="en-US" sz="2800" dirty="0"/>
-              <a:t>(</a:t>
-            </a:r>
-            <a:r>
-              <a:rPr lang="en-US" sz="2800"/>
-              <a:t>display </a:t>
-            </a:r>
-            <a:r>
-              <a:rPr lang="en-US" sz="2800" dirty="0"/>
-              <a:t>4</a:t>
-            </a:r>
-            <a:r>
-              <a:rPr lang="en-US" sz="2800"/>
-              <a:t>)</a:t>
-            </a:r>
-            <a:endParaRPr lang="en-US" sz="2800" dirty="0"/>
-          </a:p>
-          <a:p>
-            <a:pPr marL="0" indent="0">
-              <a:buNone/>
-            </a:pPr>
-            <a:endParaRPr lang="en-US" dirty="0"/>
-          </a:p>
-        </p:txBody>
-      </p:sp>
-    </p:spTree>
-    <p:extLst>
-      <p:ext uri="{BB962C8B-B14F-4D97-AF65-F5344CB8AC3E}">
-        <p14:creationId xmlns:p14="http://schemas.microsoft.com/office/powerpoint/2010/main" val="1355269295"/>
-      </p:ext>
-    </p:extLst>
-  </p:cSld>
-  <p:clrMapOvr>
-    <a:masterClrMapping/>
-  </p:clrMapOvr>
-</p:sld>
-</file>
-
-<file path=ppt/slides/slide20.xml><?xml version="1.0" encoding="utf-8"?>
+<file path=ppt/slides/slide18.xml><?xml version="1.0" encoding="utf-8"?>
 <p:sld xmlns:a="http://schemas.openxmlformats.org/drawingml/2006/main" xmlns:r="http://schemas.openxmlformats.org/officeDocument/2006/relationships" xmlns:p="http://schemas.openxmlformats.org/presentationml/2006/main">
   <p:cSld>
     <p:spTree>
@@ -9561,8 +7497,8 @@
 </p:sld>
 </file>
 
-<file path=ppt/slides/slide3.xml><?xml version="1.0" encoding="utf-8"?>
-<p:sld xmlns:a="http://schemas.openxmlformats.org/drawingml/2006/main" xmlns:r="http://schemas.openxmlformats.org/officeDocument/2006/relationships" xmlns:p="http://schemas.openxmlformats.org/presentationml/2006/main" show="0">
+<file path=ppt/slides/slide2.xml><?xml version="1.0" encoding="utf-8"?>
+<p:sld xmlns:a="http://schemas.openxmlformats.org/drawingml/2006/main" xmlns:r="http://schemas.openxmlformats.org/officeDocument/2006/relationships" xmlns:p="http://schemas.openxmlformats.org/presentationml/2006/main">
   <p:cSld>
     <p:spTree>
       <p:nvGrpSpPr>
@@ -9583,7 +7519,7 @@
           <p:cNvPr id="2" name="Title 1">
             <a:extLst>
               <a:ext uri="{FF2B5EF4-FFF2-40B4-BE49-F238E27FC236}">
-                <a16:creationId xmlns:a16="http://schemas.microsoft.com/office/drawing/2014/main" id="{777F9EDB-65E4-4659-944C-841BB3E0B83D}"/>
+                <a16:creationId xmlns:a16="http://schemas.microsoft.com/office/drawing/2014/main" id="{8036D690-228C-C793-A01B-21B85C561E09}"/>
               </a:ext>
             </a:extLst>
           </p:cNvPr>
@@ -9601,7 +7537,7 @@
           <a:p>
             <a:r>
               <a:rPr lang="en-US" dirty="0"/>
-              <a:t>Ref params</a:t>
+              <a:t>Pattern 1: Escape</a:t>
             </a:r>
           </a:p>
         </p:txBody>
@@ -9611,7 +7547,7 @@
           <p:cNvPr id="3" name="Content Placeholder 2">
             <a:extLst>
               <a:ext uri="{FF2B5EF4-FFF2-40B4-BE49-F238E27FC236}">
-                <a16:creationId xmlns:a16="http://schemas.microsoft.com/office/drawing/2014/main" id="{9BB46E2D-025C-4EBC-91A6-7F462856513F}"/>
+                <a16:creationId xmlns:a16="http://schemas.microsoft.com/office/drawing/2014/main" id="{82737287-EB6A-28A4-2A17-6790CFB4E2EB}"/>
               </a:ext>
             </a:extLst>
           </p:cNvPr>
@@ -9627,153 +7563,21 @@
           <a:bodyPr/>
           <a:lstStyle/>
           <a:p>
-            <a:pPr marL="0" indent="0">
-              <a:buNone/>
-            </a:pPr>
-            <a:r>
-              <a:rPr lang="en-US" sz="2400" dirty="0">
-                <a:latin typeface="Courier New" panose="02070309020205020404" pitchFamily="49" charset="0"/>
-                <a:cs typeface="Courier New" panose="02070309020205020404" pitchFamily="49" charset="0"/>
-              </a:rPr>
-              <a:t>(define f</a:t>
-            </a:r>
-            <a:br>
-              <a:rPr lang="en-US" sz="2400" dirty="0">
-                <a:latin typeface="Courier New" panose="02070309020205020404" pitchFamily="49" charset="0"/>
-                <a:cs typeface="Courier New" panose="02070309020205020404" pitchFamily="49" charset="0"/>
-              </a:rPr>
-            </a:br>
-            <a:r>
-              <a:rPr lang="en-US" sz="2400" dirty="0">
-                <a:latin typeface="Courier New" panose="02070309020205020404" pitchFamily="49" charset="0"/>
-                <a:cs typeface="Courier New" panose="02070309020205020404" pitchFamily="49" charset="0"/>
-              </a:rPr>
-              <a:t>  (lambda (x y)</a:t>
-            </a:r>
-            <a:br>
-              <a:rPr lang="en-US" sz="2400" dirty="0">
-                <a:latin typeface="Courier New" panose="02070309020205020404" pitchFamily="49" charset="0"/>
-                <a:cs typeface="Courier New" panose="02070309020205020404" pitchFamily="49" charset="0"/>
-              </a:rPr>
-            </a:br>
-            <a:r>
-              <a:rPr lang="en-US" sz="2400" dirty="0">
-                <a:latin typeface="Courier New" panose="02070309020205020404" pitchFamily="49" charset="0"/>
-                <a:cs typeface="Courier New" panose="02070309020205020404" pitchFamily="49" charset="0"/>
-              </a:rPr>
-              <a:t>    (let ([z (g x (+ x y) y (- x y))]</a:t>
-            </a:r>
-          </a:p>
-          <a:p>
-            <a:pPr marL="0" indent="0">
-              <a:buNone/>
-            </a:pPr>
-            <a:r>
-              <a:rPr lang="en-US" sz="2400" dirty="0">
-                <a:latin typeface="Courier New" panose="02070309020205020404" pitchFamily="49" charset="0"/>
-                <a:cs typeface="Courier New" panose="02070309020205020404" pitchFamily="49" charset="0"/>
-              </a:rPr>
-              <a:t>      (list z x y))))</a:t>
-            </a:r>
-            <a:br>
-              <a:rPr lang="en-US" sz="2400" dirty="0">
-                <a:latin typeface="Courier New" panose="02070309020205020404" pitchFamily="49" charset="0"/>
-                <a:cs typeface="Courier New" panose="02070309020205020404" pitchFamily="49" charset="0"/>
-              </a:rPr>
-            </a:br>
-            <a:endParaRPr lang="en-US" sz="2400" dirty="0">
-              <a:latin typeface="Courier New" panose="02070309020205020404" pitchFamily="49" charset="0"/>
-              <a:cs typeface="Courier New" panose="02070309020205020404" pitchFamily="49" charset="0"/>
-            </a:endParaRPr>
-          </a:p>
-          <a:p>
-            <a:pPr marL="0" indent="0">
-              <a:buNone/>
-            </a:pPr>
-            <a:r>
-              <a:rPr lang="en-US" sz="2400" dirty="0">
-                <a:latin typeface="Courier New" panose="02070309020205020404" pitchFamily="49" charset="0"/>
-                <a:cs typeface="Courier New" panose="02070309020205020404" pitchFamily="49" charset="0"/>
-              </a:rPr>
-              <a:t>(define g</a:t>
-            </a:r>
-            <a:br>
-              <a:rPr lang="en-US" sz="2400" dirty="0">
-                <a:latin typeface="Courier New" panose="02070309020205020404" pitchFamily="49" charset="0"/>
-                <a:cs typeface="Courier New" panose="02070309020205020404" pitchFamily="49" charset="0"/>
-              </a:rPr>
-            </a:br>
-            <a:r>
-              <a:rPr lang="en-US" sz="2400" dirty="0">
-                <a:latin typeface="Courier New" panose="02070309020205020404" pitchFamily="49" charset="0"/>
-                <a:cs typeface="Courier New" panose="02070309020205020404" pitchFamily="49" charset="0"/>
-              </a:rPr>
-              <a:t>  (lambda (a b (ref c) (ref d))</a:t>
-            </a:r>
-            <a:br>
-              <a:rPr lang="en-US" sz="2400" dirty="0">
-                <a:latin typeface="Courier New" panose="02070309020205020404" pitchFamily="49" charset="0"/>
-                <a:cs typeface="Courier New" panose="02070309020205020404" pitchFamily="49" charset="0"/>
-              </a:rPr>
-            </a:br>
-            <a:r>
-              <a:rPr lang="en-US" sz="2400" dirty="0">
-                <a:latin typeface="Courier New" panose="02070309020205020404" pitchFamily="49" charset="0"/>
-                <a:cs typeface="Courier New" panose="02070309020205020404" pitchFamily="49" charset="0"/>
-              </a:rPr>
-              <a:t>    (set! a (add1 a))</a:t>
-            </a:r>
-            <a:br>
-              <a:rPr lang="en-US" sz="2400" dirty="0">
-                <a:latin typeface="Courier New" panose="02070309020205020404" pitchFamily="49" charset="0"/>
-                <a:cs typeface="Courier New" panose="02070309020205020404" pitchFamily="49" charset="0"/>
-              </a:rPr>
-            </a:br>
-            <a:r>
-              <a:rPr lang="en-US" sz="2400" dirty="0">
-                <a:latin typeface="Courier New" panose="02070309020205020404" pitchFamily="49" charset="0"/>
-                <a:cs typeface="Courier New" panose="02070309020205020404" pitchFamily="49" charset="0"/>
-              </a:rPr>
-              <a:t>    (set! b (add1 b)) </a:t>
-            </a:r>
-            <a:br>
-              <a:rPr lang="en-US" sz="2400" dirty="0">
-                <a:latin typeface="Courier New" panose="02070309020205020404" pitchFamily="49" charset="0"/>
-                <a:cs typeface="Courier New" panose="02070309020205020404" pitchFamily="49" charset="0"/>
-              </a:rPr>
-            </a:br>
-            <a:r>
-              <a:rPr lang="en-US" sz="2400" dirty="0">
-                <a:latin typeface="Courier New" panose="02070309020205020404" pitchFamily="49" charset="0"/>
-                <a:cs typeface="Courier New" panose="02070309020205020404" pitchFamily="49" charset="0"/>
-              </a:rPr>
-              <a:t>    (set! c (add1 c)) </a:t>
-            </a:r>
-            <a:br>
-              <a:rPr lang="en-US" sz="2400" dirty="0">
-                <a:latin typeface="Courier New" panose="02070309020205020404" pitchFamily="49" charset="0"/>
-                <a:cs typeface="Courier New" panose="02070309020205020404" pitchFamily="49" charset="0"/>
-              </a:rPr>
-            </a:br>
-            <a:r>
-              <a:rPr lang="en-US" sz="2400" dirty="0">
-                <a:latin typeface="Courier New" panose="02070309020205020404" pitchFamily="49" charset="0"/>
-                <a:cs typeface="Courier New" panose="02070309020205020404" pitchFamily="49" charset="0"/>
-              </a:rPr>
-              <a:t>    (set! d (add1 d))</a:t>
-            </a:r>
-            <a:br>
-              <a:rPr lang="en-US" sz="2400" dirty="0">
-                <a:latin typeface="Courier New" panose="02070309020205020404" pitchFamily="49" charset="0"/>
-                <a:cs typeface="Courier New" panose="02070309020205020404" pitchFamily="49" charset="0"/>
-              </a:rPr>
-            </a:br>
-            <a:r>
-              <a:rPr lang="en-US" sz="2400" dirty="0">
-                <a:latin typeface="Courier New" panose="02070309020205020404" pitchFamily="49" charset="0"/>
-                <a:cs typeface="Courier New" panose="02070309020205020404" pitchFamily="49" charset="0"/>
-              </a:rPr>
-              <a:t>    (+ a b c d)))</a:t>
+            <a:r>
+              <a:rPr lang="en-US" dirty="0"/>
+              <a:t>You apply the continuation within the receiver</a:t>
+            </a:r>
+          </a:p>
+          <a:p>
+            <a:r>
+              <a:rPr lang="en-US" dirty="0"/>
+              <a:t>The remainder of the receiver is *skipped over*</a:t>
+            </a:r>
+          </a:p>
+          <a:p>
+            <a:r>
+              <a:rPr lang="en-US" dirty="0"/>
+              <a:t>The value that you pass to the continuation is the return value of the call/cc expression</a:t>
             </a:r>
           </a:p>
         </p:txBody>
@@ -9781,7 +7585,7 @@
     </p:spTree>
     <p:extLst>
       <p:ext uri="{BB962C8B-B14F-4D97-AF65-F5344CB8AC3E}">
-        <p14:creationId xmlns:p14="http://schemas.microsoft.com/office/powerpoint/2010/main" val="751260803"/>
+        <p14:creationId xmlns:p14="http://schemas.microsoft.com/office/powerpoint/2010/main" val="3074735771"/>
       </p:ext>
     </p:extLst>
   </p:cSld>
@@ -9791,8 +7595,8 @@
 </p:sld>
 </file>
 
-<file path=ppt/slides/slide4.xml><?xml version="1.0" encoding="utf-8"?>
-<p:sld xmlns:a="http://schemas.openxmlformats.org/drawingml/2006/main" xmlns:r="http://schemas.openxmlformats.org/officeDocument/2006/relationships" xmlns:p="http://schemas.openxmlformats.org/presentationml/2006/main" show="0">
+<file path=ppt/slides/slide3.xml><?xml version="1.0" encoding="utf-8"?>
+<p:sld xmlns:a="http://schemas.openxmlformats.org/drawingml/2006/main" xmlns:r="http://schemas.openxmlformats.org/officeDocument/2006/relationships" xmlns:p="http://schemas.openxmlformats.org/presentationml/2006/main">
   <p:cSld>
     <p:spTree>
       <p:nvGrpSpPr>
@@ -9813,7 +7617,7 @@
           <p:cNvPr id="2" name="Title 1">
             <a:extLst>
               <a:ext uri="{FF2B5EF4-FFF2-40B4-BE49-F238E27FC236}">
-                <a16:creationId xmlns:a16="http://schemas.microsoft.com/office/drawing/2014/main" id="{E2FB29AC-66BE-4808-92B5-077A002BDADB}"/>
+                <a16:creationId xmlns:a16="http://schemas.microsoft.com/office/drawing/2014/main" id="{6D5C0212-62FB-7A02-1F67-812DE5E5529E}"/>
               </a:ext>
             </a:extLst>
           </p:cNvPr>
@@ -9831,7 +7635,7 @@
           <a:p>
             <a:r>
               <a:rPr lang="en-US" dirty="0"/>
-              <a:t>Final exam format</a:t>
+              <a:t>Pattern 2: Goto</a:t>
             </a:r>
           </a:p>
         </p:txBody>
@@ -9841,7 +7645,7 @@
           <p:cNvPr id="3" name="Content Placeholder 2">
             <a:extLst>
               <a:ext uri="{FF2B5EF4-FFF2-40B4-BE49-F238E27FC236}">
-                <a16:creationId xmlns:a16="http://schemas.microsoft.com/office/drawing/2014/main" id="{D75E0F90-BE9C-4C26-BEE7-F2194128A6DE}"/>
+                <a16:creationId xmlns:a16="http://schemas.microsoft.com/office/drawing/2014/main" id="{5F7A735C-7DDE-C653-E607-D69CB724C226}"/>
               </a:ext>
             </a:extLst>
           </p:cNvPr>
@@ -9852,77 +7656,34 @@
             <p:ph idx="1"/>
           </p:nvPr>
         </p:nvSpPr>
-        <p:spPr>
-          <a:xfrm>
-            <a:off x="0" y="1600201"/>
-            <a:ext cx="12192000" cy="4525963"/>
-          </a:xfrm>
-        </p:spPr>
+        <p:spPr/>
         <p:txBody>
           <a:bodyPr/>
           <a:lstStyle/>
           <a:p>
             <a:r>
               <a:rPr lang="en-US" dirty="0"/>
-              <a:t>Moodle part (a lot of it will be about call/cc and continuations)  </a:t>
-            </a:r>
-            <a:r>
-              <a:rPr lang="en-US" sz="2800" dirty="0">
-                <a:solidFill>
-                  <a:srgbClr val="FF0000"/>
-                </a:solidFill>
-              </a:rPr>
-              <a:t>60-90 points</a:t>
+              <a:t>You don’t do anything in the receiver and just put the continuation someplace you can access it later</a:t>
             </a:r>
           </a:p>
           <a:p>
             <a:r>
               <a:rPr lang="en-US" dirty="0"/>
-              <a:t>Computer part – Write and debug code</a:t>
-            </a:r>
-            <a:br>
+              <a:t>You execute some post receiver code</a:t>
+            </a:r>
+          </a:p>
+          <a:p>
+            <a:r>
               <a:rPr lang="en-US" dirty="0"/>
-            </a:br>
-            <a:r>
-              <a:rPr lang="en-US" sz="2800" dirty="0">
-                <a:solidFill>
-                  <a:srgbClr val="FF0000"/>
-                </a:solidFill>
-              </a:rPr>
-              <a:t>60-90 points</a:t>
-            </a:r>
-          </a:p>
-          <a:p>
-            <a:r>
-              <a:rPr lang="en-US" dirty="0"/>
-              <a:t>Total – </a:t>
-            </a:r>
-            <a:r>
-              <a:rPr lang="en-US" sz="2800" dirty="0">
-                <a:solidFill>
-                  <a:srgbClr val="FF0000"/>
-                </a:solidFill>
-              </a:rPr>
-              <a:t>150 points</a:t>
-            </a:r>
-          </a:p>
-          <a:p>
-            <a:r>
-              <a:rPr lang="en-US" sz="2800" dirty="0"/>
-              <a:t>Exam 1 was 90 points, Exam 2 was 120 points</a:t>
-            </a:r>
-            <a:endParaRPr lang="en-US" sz="2800" dirty="0">
-              <a:solidFill>
-                <a:srgbClr val="FF0000"/>
-              </a:solidFill>
-            </a:endParaRPr>
+              <a:t>You apply the saved continuation to cause the post receiver code to run again</a:t>
+            </a:r>
           </a:p>
         </p:txBody>
       </p:sp>
     </p:spTree>
     <p:extLst>
       <p:ext uri="{BB962C8B-B14F-4D97-AF65-F5344CB8AC3E}">
-        <p14:creationId xmlns:p14="http://schemas.microsoft.com/office/powerpoint/2010/main" val="2789957542"/>
+        <p14:creationId xmlns:p14="http://schemas.microsoft.com/office/powerpoint/2010/main" val="1126803177"/>
       </p:ext>
     </p:extLst>
   </p:cSld>
@@ -9932,8 +7693,8 @@
 </p:sld>
 </file>
 
-<file path=ppt/slides/slide5.xml><?xml version="1.0" encoding="utf-8"?>
-<p:sld xmlns:a="http://schemas.openxmlformats.org/drawingml/2006/main" xmlns:r="http://schemas.openxmlformats.org/officeDocument/2006/relationships" xmlns:p="http://schemas.openxmlformats.org/presentationml/2006/main" show="0">
+<file path=ppt/slides/slide4.xml><?xml version="1.0" encoding="utf-8"?>
+<p:sld xmlns:a="http://schemas.openxmlformats.org/drawingml/2006/main" xmlns:r="http://schemas.openxmlformats.org/officeDocument/2006/relationships" xmlns:p="http://schemas.openxmlformats.org/presentationml/2006/main">
   <p:cSld>
     <p:spTree>
       <p:nvGrpSpPr>
@@ -9954,7 +7715,7 @@
           <p:cNvPr id="2" name="Title 1">
             <a:extLst>
               <a:ext uri="{FF2B5EF4-FFF2-40B4-BE49-F238E27FC236}">
-                <a16:creationId xmlns:a16="http://schemas.microsoft.com/office/drawing/2014/main" id="{E7598615-5962-4B4F-96EE-C800B27DAC85}"/>
+                <a16:creationId xmlns:a16="http://schemas.microsoft.com/office/drawing/2014/main" id="{A15E883F-325E-1380-3013-BDF5831857D9}"/>
               </a:ext>
             </a:extLst>
           </p:cNvPr>
@@ -9972,7 +7733,7 @@
           <a:p>
             <a:r>
               <a:rPr lang="en-US" dirty="0"/>
-              <a:t>Final exam material</a:t>
+              <a:t>Pattern 3: Resume</a:t>
             </a:r>
           </a:p>
         </p:txBody>
@@ -9982,7 +7743,7 @@
           <p:cNvPr id="3" name="Content Placeholder 2">
             <a:extLst>
               <a:ext uri="{FF2B5EF4-FFF2-40B4-BE49-F238E27FC236}">
-                <a16:creationId xmlns:a16="http://schemas.microsoft.com/office/drawing/2014/main" id="{EC88A4E3-923E-4CAE-9E43-C2A257E332E8}"/>
+                <a16:creationId xmlns:a16="http://schemas.microsoft.com/office/drawing/2014/main" id="{E74D04AF-E81E-6AEB-0642-906C339C67DB}"/>
               </a:ext>
             </a:extLst>
           </p:cNvPr>
@@ -10000,62 +7761,35 @@
           <a:p>
             <a:r>
               <a:rPr lang="en-US" dirty="0"/>
-              <a:t>Will cover the entire course</a:t>
+              <a:t>You’re executing some code within a receiver but then you need to do something completely different.  The completely different code comes in the form of a continuation.</a:t>
             </a:r>
           </a:p>
           <a:p>
             <a:r>
               <a:rPr lang="en-US" dirty="0"/>
-              <a:t>But more emphasis from things after Exam 2:</a:t>
-            </a:r>
-          </a:p>
-          <a:p>
-            <a:pPr lvl="1"/>
+              <a:t>You save your state like you want to do a </a:t>
+            </a:r>
+            <a:r>
+              <a:rPr lang="en-US" dirty="0" err="1"/>
+              <a:t>goto</a:t>
+            </a:r>
             <a:r>
               <a:rPr lang="en-US" dirty="0"/>
-              <a:t>Interpreter</a:t>
-            </a:r>
-          </a:p>
-          <a:p>
-            <a:pPr lvl="2"/>
+              <a:t>, but then in the receiver you apply this other continuation</a:t>
+            </a:r>
+          </a:p>
+          <a:p>
             <a:r>
               <a:rPr lang="en-US" dirty="0"/>
-              <a:t>How did your team do this?</a:t>
-            </a:r>
-          </a:p>
-          <a:p>
-            <a:pPr lvl="2"/>
+              <a:t>When the completely different code is done, it </a:t>
+            </a:r>
+            <a:r>
+              <a:rPr lang="en-US" dirty="0" err="1"/>
+              <a:t>gotos</a:t>
+            </a:r>
             <a:r>
               <a:rPr lang="en-US" dirty="0"/>
-              <a:t>Add new features to the interpreted language.</a:t>
-            </a:r>
-          </a:p>
-          <a:p>
-            <a:pPr lvl="1"/>
-            <a:r>
-              <a:rPr lang="en-US" dirty="0"/>
-              <a:t>CPS, call/cc, imperative form</a:t>
-            </a:r>
-          </a:p>
-          <a:p>
-            <a:pPr lvl="2"/>
-            <a:r>
-              <a:rPr lang="en-US" dirty="0"/>
-              <a:t>Everyone should know the what and why of imperative form.</a:t>
-            </a:r>
-          </a:p>
-          <a:p>
-            <a:pPr lvl="2"/>
-            <a:r>
-              <a:rPr lang="en-US" dirty="0"/>
-              <a:t>Writing code in imperative form will be an extra-credit problem.</a:t>
-            </a:r>
-          </a:p>
-          <a:p>
-            <a:pPr lvl="1"/>
-            <a:r>
-              <a:rPr lang="en-US" dirty="0"/>
-              <a:t>Engines and coroutines</a:t>
+              <a:t> the saved state (i.e. applies that continuation)</a:t>
             </a:r>
           </a:p>
         </p:txBody>
@@ -10063,7 +7797,7 @@
     </p:spTree>
     <p:extLst>
       <p:ext uri="{BB962C8B-B14F-4D97-AF65-F5344CB8AC3E}">
-        <p14:creationId xmlns:p14="http://schemas.microsoft.com/office/powerpoint/2010/main" val="2670320858"/>
+        <p14:creationId xmlns:p14="http://schemas.microsoft.com/office/powerpoint/2010/main" val="875795931"/>
       </p:ext>
     </p:extLst>
   </p:cSld>
@@ -10073,8 +7807,8 @@
 </p:sld>
 </file>
 
-<file path=ppt/slides/slide6.xml><?xml version="1.0" encoding="utf-8"?>
-<p:sld xmlns:a="http://schemas.openxmlformats.org/drawingml/2006/main" xmlns:r="http://schemas.openxmlformats.org/officeDocument/2006/relationships" xmlns:p="http://schemas.openxmlformats.org/presentationml/2006/main" show="0">
+<file path=ppt/slides/slide5.xml><?xml version="1.0" encoding="utf-8"?>
+<p:sld xmlns:a="http://schemas.openxmlformats.org/drawingml/2006/main" xmlns:r="http://schemas.openxmlformats.org/officeDocument/2006/relationships" xmlns:p="http://schemas.openxmlformats.org/presentationml/2006/main">
   <p:cSld>
     <p:spTree>
       <p:nvGrpSpPr>
@@ -10095,7 +7829,7 @@
           <p:cNvPr id="2" name="Title 1">
             <a:extLst>
               <a:ext uri="{FF2B5EF4-FFF2-40B4-BE49-F238E27FC236}">
-                <a16:creationId xmlns:a16="http://schemas.microsoft.com/office/drawing/2014/main" id="{ABF878BD-EA5A-4840-84D3-56BC36A44705}"/>
+                <a16:creationId xmlns:a16="http://schemas.microsoft.com/office/drawing/2014/main" id="{06B1618C-4E9B-45A2-B805-3ED885604A25}"/>
               </a:ext>
             </a:extLst>
           </p:cNvPr>
@@ -10111,7 +7845,10 @@
           <a:bodyPr/>
           <a:lstStyle/>
           <a:p>
-            <a:endParaRPr lang="en-US"/>
+            <a:r>
+              <a:rPr lang="en-US" dirty="0"/>
+              <a:t>Now you try to do it</a:t>
+            </a:r>
           </a:p>
         </p:txBody>
       </p:sp>
@@ -10120,7 +7857,7 @@
           <p:cNvPr id="3" name="Content Placeholder 2">
             <a:extLst>
               <a:ext uri="{FF2B5EF4-FFF2-40B4-BE49-F238E27FC236}">
-                <a16:creationId xmlns:a16="http://schemas.microsoft.com/office/drawing/2014/main" id="{5A9415A7-B7FB-4E93-81A6-3FBA4E5C2E12}"/>
+                <a16:creationId xmlns:a16="http://schemas.microsoft.com/office/drawing/2014/main" id="{576371E3-F8F5-49C0-B187-07C29BCA2BA3}"/>
               </a:ext>
             </a:extLst>
           </p:cNvPr>
@@ -10136,44 +7873,101 @@
           <a:bodyPr/>
           <a:lstStyle/>
           <a:p>
+            <a:pPr marL="0" indent="0">
+              <a:buNone/>
+            </a:pPr>
+            <a:r>
+              <a:rPr lang="en-US" sz="2800" dirty="0"/>
+              <a:t>(run-</a:t>
+            </a:r>
+            <a:r>
+              <a:rPr lang="en-US" sz="2800" dirty="0" err="1"/>
+              <a:t>pausable</a:t>
+            </a:r>
+            <a:r>
+              <a:rPr lang="en-US" sz="2800" dirty="0"/>
+              <a:t> (lambda ()</a:t>
+            </a:r>
+          </a:p>
+          <a:p>
+            <a:pPr marL="0" indent="0">
+              <a:buNone/>
+            </a:pPr>
+            <a:r>
+              <a:rPr lang="en-US" sz="2800" dirty="0"/>
+              <a:t>                (display 1)</a:t>
+            </a:r>
+          </a:p>
+          <a:p>
+            <a:pPr marL="0" indent="0">
+              <a:buNone/>
+            </a:pPr>
+            <a:r>
+              <a:rPr lang="en-US" sz="2800" dirty="0"/>
+              <a:t>                (pause-me)</a:t>
+            </a:r>
+          </a:p>
+          <a:p>
+            <a:pPr marL="0" indent="0">
+              <a:buNone/>
+            </a:pPr>
+            <a:r>
+              <a:rPr lang="en-US" sz="2800" dirty="0"/>
+              <a:t>                (display 3)))</a:t>
+            </a:r>
+          </a:p>
+          <a:p>
+            <a:pPr marL="0" indent="0">
+              <a:buNone/>
+            </a:pPr>
+            <a:r>
+              <a:rPr lang="en-US" sz="2800" dirty="0"/>
+              <a:t>(display 2)</a:t>
+            </a:r>
+          </a:p>
+          <a:p>
+            <a:pPr marL="0" indent="0">
+              <a:buNone/>
+            </a:pPr>
+            <a:r>
+              <a:rPr lang="en-US" sz="2800" dirty="0"/>
+              <a:t>(resume)</a:t>
+            </a:r>
+          </a:p>
+          <a:p>
+            <a:pPr marL="0" indent="0">
+              <a:buNone/>
+            </a:pPr>
+            <a:r>
+              <a:rPr lang="en-US" sz="2800" dirty="0"/>
+              <a:t>(</a:t>
+            </a:r>
+            <a:r>
+              <a:rPr lang="en-US" sz="2800"/>
+              <a:t>display </a:t>
+            </a:r>
+            <a:r>
+              <a:rPr lang="en-US" sz="2800" dirty="0"/>
+              <a:t>4</a:t>
+            </a:r>
+            <a:r>
+              <a:rPr lang="en-US" sz="2800"/>
+              <a:t>)</a:t>
+            </a:r>
+            <a:endParaRPr lang="en-US" sz="2800" dirty="0"/>
+          </a:p>
+          <a:p>
+            <a:pPr marL="0" indent="0">
+              <a:buNone/>
+            </a:pPr>
             <a:endParaRPr lang="en-US" dirty="0"/>
           </a:p>
         </p:txBody>
       </p:sp>
-      <p:pic>
-        <p:nvPicPr>
-          <p:cNvPr id="4" name="Picture 3">
-            <a:extLst>
-              <a:ext uri="{FF2B5EF4-FFF2-40B4-BE49-F238E27FC236}">
-                <a16:creationId xmlns:a16="http://schemas.microsoft.com/office/drawing/2014/main" id="{51E5169B-937D-493D-B5BC-4AE2B37A5F44}"/>
-              </a:ext>
-            </a:extLst>
-          </p:cNvPr>
-          <p:cNvPicPr>
-            <a:picLocks noChangeAspect="1"/>
-          </p:cNvPicPr>
-          <p:nvPr/>
-        </p:nvPicPr>
-        <p:blipFill>
-          <a:blip r:embed="rId2"/>
-          <a:stretch>
-            <a:fillRect/>
-          </a:stretch>
-        </p:blipFill>
-        <p:spPr>
-          <a:xfrm>
-            <a:off x="1581150" y="257175"/>
-            <a:ext cx="9029700" cy="6343650"/>
-          </a:xfrm>
-          <a:prstGeom prst="rect">
-            <a:avLst/>
-          </a:prstGeom>
-        </p:spPr>
-      </p:pic>
     </p:spTree>
     <p:extLst>
       <p:ext uri="{BB962C8B-B14F-4D97-AF65-F5344CB8AC3E}">
-        <p14:creationId xmlns:p14="http://schemas.microsoft.com/office/powerpoint/2010/main" val="1404268453"/>
+        <p14:creationId xmlns:p14="http://schemas.microsoft.com/office/powerpoint/2010/main" val="1355269295"/>
       </p:ext>
     </p:extLst>
   </p:cSld>
@@ -10183,117 +7977,7 @@
 </p:sld>
 </file>
 
-<file path=ppt/slides/slide7.xml><?xml version="1.0" encoding="utf-8"?>
-<p:sld xmlns:a="http://schemas.openxmlformats.org/drawingml/2006/main" xmlns:r="http://schemas.openxmlformats.org/officeDocument/2006/relationships" xmlns:p="http://schemas.openxmlformats.org/presentationml/2006/main" show="0">
-  <p:cSld>
-    <p:spTree>
-      <p:nvGrpSpPr>
-        <p:cNvPr id="1" name=""/>
-        <p:cNvGrpSpPr/>
-        <p:nvPr/>
-      </p:nvGrpSpPr>
-      <p:grpSpPr>
-        <a:xfrm>
-          <a:off x="0" y="0"/>
-          <a:ext cx="0" cy="0"/>
-          <a:chOff x="0" y="0"/>
-          <a:chExt cx="0" cy="0"/>
-        </a:xfrm>
-      </p:grpSpPr>
-      <p:sp>
-        <p:nvSpPr>
-          <p:cNvPr id="2" name="Title 1">
-            <a:extLst>
-              <a:ext uri="{FF2B5EF4-FFF2-40B4-BE49-F238E27FC236}">
-                <a16:creationId xmlns:a16="http://schemas.microsoft.com/office/drawing/2014/main" id="{3AE9B120-CDED-4115-BDD3-D670787CFA31}"/>
-              </a:ext>
-            </a:extLst>
-          </p:cNvPr>
-          <p:cNvSpPr>
-            <a:spLocks noGrp="1"/>
-          </p:cNvSpPr>
-          <p:nvPr>
-            <p:ph type="title"/>
-          </p:nvPr>
-        </p:nvSpPr>
-        <p:spPr/>
-        <p:txBody>
-          <a:bodyPr/>
-          <a:lstStyle/>
-          <a:p>
-            <a:endParaRPr lang="en-US"/>
-          </a:p>
-        </p:txBody>
-      </p:sp>
-      <p:sp>
-        <p:nvSpPr>
-          <p:cNvPr id="3" name="Content Placeholder 2">
-            <a:extLst>
-              <a:ext uri="{FF2B5EF4-FFF2-40B4-BE49-F238E27FC236}">
-                <a16:creationId xmlns:a16="http://schemas.microsoft.com/office/drawing/2014/main" id="{CDBF9DC3-5BC6-466B-A76C-8248AC889919}"/>
-              </a:ext>
-            </a:extLst>
-          </p:cNvPr>
-          <p:cNvSpPr>
-            <a:spLocks noGrp="1"/>
-          </p:cNvSpPr>
-          <p:nvPr>
-            <p:ph idx="1"/>
-          </p:nvPr>
-        </p:nvSpPr>
-        <p:spPr/>
-        <p:txBody>
-          <a:bodyPr/>
-          <a:lstStyle/>
-          <a:p>
-            <a:endParaRPr lang="en-US" dirty="0"/>
-          </a:p>
-        </p:txBody>
-      </p:sp>
-      <p:pic>
-        <p:nvPicPr>
-          <p:cNvPr id="4" name="Picture 3">
-            <a:extLst>
-              <a:ext uri="{FF2B5EF4-FFF2-40B4-BE49-F238E27FC236}">
-                <a16:creationId xmlns:a16="http://schemas.microsoft.com/office/drawing/2014/main" id="{161CFABF-F6B0-40F0-8BC9-4F5AA1059310}"/>
-              </a:ext>
-            </a:extLst>
-          </p:cNvPr>
-          <p:cNvPicPr>
-            <a:picLocks noChangeAspect="1"/>
-          </p:cNvPicPr>
-          <p:nvPr/>
-        </p:nvPicPr>
-        <p:blipFill>
-          <a:blip r:embed="rId3"/>
-          <a:stretch>
-            <a:fillRect/>
-          </a:stretch>
-        </p:blipFill>
-        <p:spPr>
-          <a:xfrm>
-            <a:off x="1473480" y="0"/>
-            <a:ext cx="9245039" cy="6858000"/>
-          </a:xfrm>
-          <a:prstGeom prst="rect">
-            <a:avLst/>
-          </a:prstGeom>
-        </p:spPr>
-      </p:pic>
-    </p:spTree>
-    <p:extLst>
-      <p:ext uri="{BB962C8B-B14F-4D97-AF65-F5344CB8AC3E}">
-        <p14:creationId xmlns:p14="http://schemas.microsoft.com/office/powerpoint/2010/main" val="3721513751"/>
-      </p:ext>
-    </p:extLst>
-  </p:cSld>
-  <p:clrMapOvr>
-    <a:masterClrMapping/>
-  </p:clrMapOvr>
-</p:sld>
-</file>
-
-<file path=ppt/slides/slide8.xml><?xml version="1.0" encoding="utf-8"?>
+<file path=ppt/slides/slide6.xml><?xml version="1.0" encoding="utf-8"?>
 <p:sld xmlns:a="http://schemas.openxmlformats.org/drawingml/2006/main" xmlns:r="http://schemas.openxmlformats.org/officeDocument/2006/relationships" xmlns:p="http://schemas.openxmlformats.org/presentationml/2006/main">
   <p:cSld>
     <p:spTree>
@@ -10440,7 +8124,7 @@
 </p:sld>
 </file>
 
-<file path=ppt/slides/slide9.xml><?xml version="1.0" encoding="utf-8"?>
+<file path=ppt/slides/slide7.xml><?xml version="1.0" encoding="utf-8"?>
 <p:sld xmlns:a="http://schemas.openxmlformats.org/drawingml/2006/main" xmlns:r="http://schemas.openxmlformats.org/officeDocument/2006/relationships" xmlns:p="http://schemas.openxmlformats.org/presentationml/2006/main">
   <p:cSld>
     <p:spTree>
@@ -10588,6 +8272,1813 @@
   <p:clrMapOvr>
     <a:masterClrMapping/>
   </p:clrMapOvr>
+</p:sld>
+</file>
+
+<file path=ppt/slides/slide8.xml><?xml version="1.0" encoding="utf-8"?>
+<p:sld xmlns:a="http://schemas.openxmlformats.org/drawingml/2006/main" xmlns:r="http://schemas.openxmlformats.org/officeDocument/2006/relationships" xmlns:p="http://schemas.openxmlformats.org/presentationml/2006/main" showMasterPhAnim="0">
+  <p:cSld>
+    <p:spTree>
+      <p:nvGrpSpPr>
+        <p:cNvPr id="1" name=""/>
+        <p:cNvGrpSpPr/>
+        <p:nvPr/>
+      </p:nvGrpSpPr>
+      <p:grpSpPr>
+        <a:xfrm>
+          <a:off x="0" y="0"/>
+          <a:ext cx="0" cy="0"/>
+          <a:chOff x="0" y="0"/>
+          <a:chExt cx="0" cy="0"/>
+        </a:xfrm>
+      </p:grpSpPr>
+      <p:sp>
+        <p:nvSpPr>
+          <p:cNvPr id="80898" name="Rectangle 2"/>
+          <p:cNvSpPr>
+            <a:spLocks noGrp="1" noChangeArrowheads="1"/>
+          </p:cNvSpPr>
+          <p:nvPr>
+            <p:ph type="title"/>
+          </p:nvPr>
+        </p:nvSpPr>
+        <p:spPr>
+          <a:xfrm>
+            <a:off x="2471739" y="1"/>
+            <a:ext cx="5737225" cy="930275"/>
+          </a:xfrm>
+        </p:spPr>
+        <p:txBody>
+          <a:bodyPr/>
+          <a:lstStyle/>
+          <a:p>
+            <a:r>
+              <a:rPr lang="en-US" sz="4000" dirty="0"/>
+              <a:t>How Engines work 2</a:t>
+            </a:r>
+          </a:p>
+        </p:txBody>
+      </p:sp>
+      <p:sp>
+        <p:nvSpPr>
+          <p:cNvPr id="80899" name="Rectangle 3"/>
+          <p:cNvSpPr>
+            <a:spLocks noGrp="1" noChangeArrowheads="1"/>
+          </p:cNvSpPr>
+          <p:nvPr>
+            <p:ph type="body" idx="1"/>
+          </p:nvPr>
+        </p:nvSpPr>
+        <p:spPr>
+          <a:xfrm>
+            <a:off x="1524000" y="914400"/>
+            <a:ext cx="8909050" cy="5410200"/>
+          </a:xfrm>
+        </p:spPr>
+        <p:txBody>
+          <a:bodyPr/>
+          <a:lstStyle/>
+          <a:p>
+            <a:pPr>
+              <a:lnSpc>
+                <a:spcPct val="90000"/>
+              </a:lnSpc>
+            </a:pPr>
+            <a:r>
+              <a:rPr lang="en-US" sz="2800" dirty="0"/>
+              <a:t>The three arguments passed  to an engine are:</a:t>
+            </a:r>
+          </a:p>
+          <a:p>
+            <a:pPr>
+              <a:lnSpc>
+                <a:spcPct val="90000"/>
+              </a:lnSpc>
+            </a:pPr>
+            <a:r>
+              <a:rPr lang="en-US" sz="2800" dirty="0">
+                <a:solidFill>
+                  <a:srgbClr val="FF0000"/>
+                </a:solidFill>
+              </a:rPr>
+              <a:t>ticks:</a:t>
+            </a:r>
+            <a:r>
+              <a:rPr lang="en-US" sz="2800" dirty="0"/>
+              <a:t>   a positive integer specifying the amount of "fuel" given to the engine.</a:t>
+            </a:r>
+          </a:p>
+          <a:p>
+            <a:pPr>
+              <a:lnSpc>
+                <a:spcPct val="90000"/>
+              </a:lnSpc>
+            </a:pPr>
+            <a:r>
+              <a:rPr lang="en-US" sz="2800" dirty="0">
+                <a:solidFill>
+                  <a:srgbClr val="FF0000"/>
+                </a:solidFill>
+              </a:rPr>
+              <a:t>complete:</a:t>
+            </a:r>
+            <a:r>
+              <a:rPr lang="en-US" sz="2800" dirty="0"/>
+              <a:t>  a procedure that specifies what to do if the evaluation of </a:t>
+            </a:r>
+            <a:r>
+              <a:rPr lang="en-US" sz="2800" dirty="0">
+                <a:latin typeface="Courier New" pitchFamily="49" charset="0"/>
+              </a:rPr>
+              <a:t>thunk</a:t>
+            </a:r>
+            <a:r>
+              <a:rPr lang="en-US" sz="2800" dirty="0"/>
+              <a:t> finishes before the fuel expires.  </a:t>
+            </a:r>
+          </a:p>
+          <a:p>
+            <a:pPr lvl="1">
+              <a:lnSpc>
+                <a:spcPct val="90000"/>
+              </a:lnSpc>
+            </a:pPr>
+            <a:r>
+              <a:rPr lang="en-US" dirty="0">
+                <a:latin typeface="Courier New" pitchFamily="49" charset="0"/>
+              </a:rPr>
+              <a:t>complete</a:t>
+            </a:r>
+            <a:r>
+              <a:rPr lang="en-US" dirty="0"/>
+              <a:t> is a procedure of two arguments: amount of fuel "left over" and the result of the computation.</a:t>
+            </a:r>
+          </a:p>
+          <a:p>
+            <a:pPr>
+              <a:lnSpc>
+                <a:spcPct val="90000"/>
+              </a:lnSpc>
+            </a:pPr>
+            <a:r>
+              <a:rPr lang="en-US" sz="2800" dirty="0">
+                <a:solidFill>
+                  <a:srgbClr val="FF0000"/>
+                </a:solidFill>
+              </a:rPr>
+              <a:t>expire:</a:t>
+            </a:r>
+            <a:r>
+              <a:rPr lang="en-US" sz="2800" dirty="0"/>
+              <a:t>  a one-argument procedure to be executed if the computation runs out of fuel before it completes.  </a:t>
+            </a:r>
+          </a:p>
+          <a:p>
+            <a:pPr lvl="1">
+              <a:lnSpc>
+                <a:spcPct val="90000"/>
+              </a:lnSpc>
+            </a:pPr>
+            <a:r>
+              <a:rPr lang="en-US" dirty="0"/>
+              <a:t>The argument that will be passed to </a:t>
+            </a:r>
+            <a:r>
+              <a:rPr lang="en-US" dirty="0">
+                <a:latin typeface="Courier New" pitchFamily="49" charset="0"/>
+              </a:rPr>
+              <a:t>expire</a:t>
+            </a:r>
+            <a:r>
+              <a:rPr lang="en-US" dirty="0"/>
+              <a:t> is a new engine that can finish the computation from where it left off.</a:t>
+            </a:r>
+          </a:p>
+        </p:txBody>
+      </p:sp>
+    </p:spTree>
+  </p:cSld>
+  <p:clrMapOvr>
+    <a:masterClrMapping/>
+  </p:clrMapOvr>
+  <p:timing>
+    <p:tnLst>
+      <p:par>
+        <p:cTn id="1" dur="indefinite" restart="never" nodeType="tmRoot">
+          <p:childTnLst>
+            <p:seq concurrent="1" nextAc="seek">
+              <p:cTn id="2" dur="indefinite" nodeType="mainSeq">
+                <p:childTnLst>
+                  <p:par>
+                    <p:cTn id="3" fill="hold">
+                      <p:stCondLst>
+                        <p:cond delay="indefinite"/>
+                      </p:stCondLst>
+                      <p:childTnLst>
+                        <p:par>
+                          <p:cTn id="4" fill="hold">
+                            <p:stCondLst>
+                              <p:cond delay="0"/>
+                            </p:stCondLst>
+                            <p:childTnLst>
+                              <p:par>
+                                <p:cTn id="5" presetID="1" presetClass="entr" presetSubtype="0" fill="hold" grpId="0" nodeType="clickEffect">
+                                  <p:stCondLst>
+                                    <p:cond delay="0"/>
+                                  </p:stCondLst>
+                                  <p:childTnLst>
+                                    <p:set>
+                                      <p:cBhvr>
+                                        <p:cTn id="6" dur="1" fill="hold">
+                                          <p:stCondLst>
+                                            <p:cond delay="0"/>
+                                          </p:stCondLst>
+                                        </p:cTn>
+                                        <p:tgtEl>
+                                          <p:spTgt spid="80899">
+                                            <p:txEl>
+                                              <p:pRg st="0" end="0"/>
+                                            </p:txEl>
+                                          </p:spTgt>
+                                        </p:tgtEl>
+                                        <p:attrNameLst>
+                                          <p:attrName>style.visibility</p:attrName>
+                                        </p:attrNameLst>
+                                      </p:cBhvr>
+                                      <p:to>
+                                        <p:strVal val="visible"/>
+                                      </p:to>
+                                    </p:set>
+                                  </p:childTnLst>
+                                </p:cTn>
+                              </p:par>
+                            </p:childTnLst>
+                          </p:cTn>
+                        </p:par>
+                      </p:childTnLst>
+                    </p:cTn>
+                  </p:par>
+                  <p:par>
+                    <p:cTn id="7" fill="hold">
+                      <p:stCondLst>
+                        <p:cond delay="indefinite"/>
+                      </p:stCondLst>
+                      <p:childTnLst>
+                        <p:par>
+                          <p:cTn id="8" fill="hold">
+                            <p:stCondLst>
+                              <p:cond delay="0"/>
+                            </p:stCondLst>
+                            <p:childTnLst>
+                              <p:par>
+                                <p:cTn id="9" presetID="1" presetClass="entr" presetSubtype="0" fill="hold" grpId="0" nodeType="clickEffect">
+                                  <p:stCondLst>
+                                    <p:cond delay="0"/>
+                                  </p:stCondLst>
+                                  <p:childTnLst>
+                                    <p:set>
+                                      <p:cBhvr>
+                                        <p:cTn id="10" dur="1" fill="hold">
+                                          <p:stCondLst>
+                                            <p:cond delay="0"/>
+                                          </p:stCondLst>
+                                        </p:cTn>
+                                        <p:tgtEl>
+                                          <p:spTgt spid="80899">
+                                            <p:txEl>
+                                              <p:pRg st="1" end="1"/>
+                                            </p:txEl>
+                                          </p:spTgt>
+                                        </p:tgtEl>
+                                        <p:attrNameLst>
+                                          <p:attrName>style.visibility</p:attrName>
+                                        </p:attrNameLst>
+                                      </p:cBhvr>
+                                      <p:to>
+                                        <p:strVal val="visible"/>
+                                      </p:to>
+                                    </p:set>
+                                  </p:childTnLst>
+                                </p:cTn>
+                              </p:par>
+                            </p:childTnLst>
+                          </p:cTn>
+                        </p:par>
+                      </p:childTnLst>
+                    </p:cTn>
+                  </p:par>
+                  <p:par>
+                    <p:cTn id="11" fill="hold">
+                      <p:stCondLst>
+                        <p:cond delay="indefinite"/>
+                      </p:stCondLst>
+                      <p:childTnLst>
+                        <p:par>
+                          <p:cTn id="12" fill="hold">
+                            <p:stCondLst>
+                              <p:cond delay="0"/>
+                            </p:stCondLst>
+                            <p:childTnLst>
+                              <p:par>
+                                <p:cTn id="13" presetID="1" presetClass="entr" presetSubtype="0" fill="hold" grpId="0" nodeType="clickEffect">
+                                  <p:stCondLst>
+                                    <p:cond delay="0"/>
+                                  </p:stCondLst>
+                                  <p:childTnLst>
+                                    <p:set>
+                                      <p:cBhvr>
+                                        <p:cTn id="14" dur="1" fill="hold">
+                                          <p:stCondLst>
+                                            <p:cond delay="0"/>
+                                          </p:stCondLst>
+                                        </p:cTn>
+                                        <p:tgtEl>
+                                          <p:spTgt spid="80899">
+                                            <p:txEl>
+                                              <p:pRg st="2" end="2"/>
+                                            </p:txEl>
+                                          </p:spTgt>
+                                        </p:tgtEl>
+                                        <p:attrNameLst>
+                                          <p:attrName>style.visibility</p:attrName>
+                                        </p:attrNameLst>
+                                      </p:cBhvr>
+                                      <p:to>
+                                        <p:strVal val="visible"/>
+                                      </p:to>
+                                    </p:set>
+                                  </p:childTnLst>
+                                </p:cTn>
+                              </p:par>
+                              <p:par>
+                                <p:cTn id="15" presetID="1" presetClass="entr" presetSubtype="0" fill="hold" grpId="0" nodeType="withEffect">
+                                  <p:stCondLst>
+                                    <p:cond delay="0"/>
+                                  </p:stCondLst>
+                                  <p:childTnLst>
+                                    <p:set>
+                                      <p:cBhvr>
+                                        <p:cTn id="16" dur="1" fill="hold">
+                                          <p:stCondLst>
+                                            <p:cond delay="0"/>
+                                          </p:stCondLst>
+                                        </p:cTn>
+                                        <p:tgtEl>
+                                          <p:spTgt spid="80899">
+                                            <p:txEl>
+                                              <p:pRg st="3" end="3"/>
+                                            </p:txEl>
+                                          </p:spTgt>
+                                        </p:tgtEl>
+                                        <p:attrNameLst>
+                                          <p:attrName>style.visibility</p:attrName>
+                                        </p:attrNameLst>
+                                      </p:cBhvr>
+                                      <p:to>
+                                        <p:strVal val="visible"/>
+                                      </p:to>
+                                    </p:set>
+                                  </p:childTnLst>
+                                </p:cTn>
+                              </p:par>
+                            </p:childTnLst>
+                          </p:cTn>
+                        </p:par>
+                      </p:childTnLst>
+                    </p:cTn>
+                  </p:par>
+                  <p:par>
+                    <p:cTn id="17" fill="hold">
+                      <p:stCondLst>
+                        <p:cond delay="indefinite"/>
+                      </p:stCondLst>
+                      <p:childTnLst>
+                        <p:par>
+                          <p:cTn id="18" fill="hold">
+                            <p:stCondLst>
+                              <p:cond delay="0"/>
+                            </p:stCondLst>
+                            <p:childTnLst>
+                              <p:par>
+                                <p:cTn id="19" presetID="1" presetClass="entr" presetSubtype="0" fill="hold" grpId="0" nodeType="clickEffect">
+                                  <p:stCondLst>
+                                    <p:cond delay="0"/>
+                                  </p:stCondLst>
+                                  <p:childTnLst>
+                                    <p:set>
+                                      <p:cBhvr>
+                                        <p:cTn id="20" dur="1" fill="hold">
+                                          <p:stCondLst>
+                                            <p:cond delay="0"/>
+                                          </p:stCondLst>
+                                        </p:cTn>
+                                        <p:tgtEl>
+                                          <p:spTgt spid="80899">
+                                            <p:txEl>
+                                              <p:pRg st="4" end="4"/>
+                                            </p:txEl>
+                                          </p:spTgt>
+                                        </p:tgtEl>
+                                        <p:attrNameLst>
+                                          <p:attrName>style.visibility</p:attrName>
+                                        </p:attrNameLst>
+                                      </p:cBhvr>
+                                      <p:to>
+                                        <p:strVal val="visible"/>
+                                      </p:to>
+                                    </p:set>
+                                  </p:childTnLst>
+                                </p:cTn>
+                              </p:par>
+                              <p:par>
+                                <p:cTn id="21" presetID="1" presetClass="entr" presetSubtype="0" fill="hold" grpId="0" nodeType="withEffect">
+                                  <p:stCondLst>
+                                    <p:cond delay="0"/>
+                                  </p:stCondLst>
+                                  <p:childTnLst>
+                                    <p:set>
+                                      <p:cBhvr>
+                                        <p:cTn id="22" dur="1" fill="hold">
+                                          <p:stCondLst>
+                                            <p:cond delay="0"/>
+                                          </p:stCondLst>
+                                        </p:cTn>
+                                        <p:tgtEl>
+                                          <p:spTgt spid="80899">
+                                            <p:txEl>
+                                              <p:pRg st="5" end="5"/>
+                                            </p:txEl>
+                                          </p:spTgt>
+                                        </p:tgtEl>
+                                        <p:attrNameLst>
+                                          <p:attrName>style.visibility</p:attrName>
+                                        </p:attrNameLst>
+                                      </p:cBhvr>
+                                      <p:to>
+                                        <p:strVal val="visible"/>
+                                      </p:to>
+                                    </p:set>
+                                  </p:childTnLst>
+                                </p:cTn>
+                              </p:par>
+                            </p:childTnLst>
+                          </p:cTn>
+                        </p:par>
+                      </p:childTnLst>
+                    </p:cTn>
+                  </p:par>
+                </p:childTnLst>
+              </p:cTn>
+              <p:prevCondLst>
+                <p:cond evt="onPrev" delay="0">
+                  <p:tgtEl>
+                    <p:sldTgt/>
+                  </p:tgtEl>
+                </p:cond>
+              </p:prevCondLst>
+              <p:nextCondLst>
+                <p:cond evt="onNext" delay="0">
+                  <p:tgtEl>
+                    <p:sldTgt/>
+                  </p:tgtEl>
+                </p:cond>
+              </p:nextCondLst>
+            </p:seq>
+          </p:childTnLst>
+        </p:cTn>
+      </p:par>
+    </p:tnLst>
+    <p:bldLst>
+      <p:bldP spid="80899" grpId="0" build="p"/>
+    </p:bldLst>
+  </p:timing>
+</p:sld>
+</file>
+
+<file path=ppt/slides/slide9.xml><?xml version="1.0" encoding="utf-8"?>
+<p:sld xmlns:a="http://schemas.openxmlformats.org/drawingml/2006/main" xmlns:r="http://schemas.openxmlformats.org/officeDocument/2006/relationships" xmlns:p="http://schemas.openxmlformats.org/presentationml/2006/main" showMasterPhAnim="0">
+  <p:cSld>
+    <p:spTree>
+      <p:nvGrpSpPr>
+        <p:cNvPr id="1" name=""/>
+        <p:cNvGrpSpPr/>
+        <p:nvPr/>
+      </p:nvGrpSpPr>
+      <p:grpSpPr>
+        <a:xfrm>
+          <a:off x="0" y="0"/>
+          <a:ext cx="0" cy="0"/>
+          <a:chOff x="0" y="0"/>
+          <a:chExt cx="0" cy="0"/>
+        </a:xfrm>
+      </p:grpSpPr>
+      <p:sp>
+        <p:nvSpPr>
+          <p:cNvPr id="76802" name="Rectangle 2"/>
+          <p:cNvSpPr>
+            <a:spLocks noGrp="1" noChangeArrowheads="1"/>
+          </p:cNvSpPr>
+          <p:nvPr>
+            <p:ph type="title"/>
+          </p:nvPr>
+        </p:nvSpPr>
+        <p:spPr>
+          <a:xfrm>
+            <a:off x="1981200" y="274638"/>
+            <a:ext cx="8229600" cy="735012"/>
+          </a:xfrm>
+        </p:spPr>
+        <p:txBody>
+          <a:bodyPr/>
+          <a:lstStyle/>
+          <a:p>
+            <a:r>
+              <a:rPr lang="en-US" sz="4000" dirty="0"/>
+              <a:t>Example</a:t>
+            </a:r>
+          </a:p>
+        </p:txBody>
+      </p:sp>
+      <p:sp>
+        <p:nvSpPr>
+          <p:cNvPr id="76803" name="Rectangle 3"/>
+          <p:cNvSpPr>
+            <a:spLocks noGrp="1" noChangeArrowheads="1"/>
+          </p:cNvSpPr>
+          <p:nvPr>
+            <p:ph type="body" idx="1"/>
+          </p:nvPr>
+        </p:nvSpPr>
+        <p:spPr>
+          <a:xfrm>
+            <a:off x="1524000" y="1066800"/>
+            <a:ext cx="8686800" cy="5791200"/>
+          </a:xfrm>
+        </p:spPr>
+        <p:txBody>
+          <a:bodyPr/>
+          <a:lstStyle/>
+          <a:p>
+            <a:pPr>
+              <a:lnSpc>
+                <a:spcPct val="80000"/>
+              </a:lnSpc>
+              <a:buFontTx/>
+              <a:buNone/>
+            </a:pPr>
+            <a:r>
+              <a:rPr lang="en-US" sz="2000" b="1" dirty="0">
+                <a:latin typeface="Courier New" pitchFamily="49" charset="0"/>
+              </a:rPr>
+              <a:t>(define fib</a:t>
+            </a:r>
+          </a:p>
+          <a:p>
+            <a:pPr>
+              <a:lnSpc>
+                <a:spcPct val="80000"/>
+              </a:lnSpc>
+              <a:buFontTx/>
+              <a:buNone/>
+            </a:pPr>
+            <a:r>
+              <a:rPr lang="en-US" sz="2000" b="1" dirty="0">
+                <a:latin typeface="Courier New" pitchFamily="49" charset="0"/>
+              </a:rPr>
+              <a:t>  (lambda (n)</a:t>
+            </a:r>
+          </a:p>
+          <a:p>
+            <a:pPr>
+              <a:lnSpc>
+                <a:spcPct val="80000"/>
+              </a:lnSpc>
+              <a:buFontTx/>
+              <a:buNone/>
+            </a:pPr>
+            <a:r>
+              <a:rPr lang="en-US" sz="2000" b="1" dirty="0">
+                <a:latin typeface="Courier New" pitchFamily="49" charset="0"/>
+              </a:rPr>
+              <a:t>    (cond [(zero? n) 0]</a:t>
+            </a:r>
+          </a:p>
+          <a:p>
+            <a:pPr>
+              <a:lnSpc>
+                <a:spcPct val="80000"/>
+              </a:lnSpc>
+              <a:buFontTx/>
+              <a:buNone/>
+            </a:pPr>
+            <a:r>
+              <a:rPr lang="en-US" sz="2000" b="1" dirty="0">
+                <a:latin typeface="Courier New" pitchFamily="49" charset="0"/>
+              </a:rPr>
+              <a:t>          [(= n 1) 1]</a:t>
+            </a:r>
+          </a:p>
+          <a:p>
+            <a:pPr>
+              <a:lnSpc>
+                <a:spcPct val="80000"/>
+              </a:lnSpc>
+              <a:buFontTx/>
+              <a:buNone/>
+            </a:pPr>
+            <a:r>
+              <a:rPr lang="en-US" sz="2000" b="1" dirty="0">
+                <a:latin typeface="Courier New" pitchFamily="49" charset="0"/>
+              </a:rPr>
+              <a:t>          [else (+ (fib (- n 1)) </a:t>
+            </a:r>
+          </a:p>
+          <a:p>
+            <a:pPr>
+              <a:lnSpc>
+                <a:spcPct val="80000"/>
+              </a:lnSpc>
+              <a:buFontTx/>
+              <a:buNone/>
+            </a:pPr>
+            <a:r>
+              <a:rPr lang="en-US" sz="2000" b="1" dirty="0">
+                <a:latin typeface="Courier New" pitchFamily="49" charset="0"/>
+              </a:rPr>
+              <a:t>                   (fib (- n 2)))])))</a:t>
+            </a:r>
+          </a:p>
+          <a:p>
+            <a:pPr>
+              <a:lnSpc>
+                <a:spcPct val="80000"/>
+              </a:lnSpc>
+              <a:buFontTx/>
+              <a:buNone/>
+            </a:pPr>
+            <a:r>
+              <a:rPr lang="en-US" sz="2000" b="1" dirty="0">
+                <a:solidFill>
+                  <a:srgbClr val="FF0000"/>
+                </a:solidFill>
+                <a:latin typeface="Courier New" pitchFamily="49" charset="0"/>
+              </a:rPr>
+              <a:t>(define engine-fib</a:t>
+            </a:r>
+          </a:p>
+          <a:p>
+            <a:pPr>
+              <a:lnSpc>
+                <a:spcPct val="80000"/>
+              </a:lnSpc>
+              <a:buFontTx/>
+              <a:buNone/>
+            </a:pPr>
+            <a:r>
+              <a:rPr lang="en-US" sz="2000" b="1" dirty="0">
+                <a:solidFill>
+                  <a:srgbClr val="FF0000"/>
+                </a:solidFill>
+                <a:latin typeface="Courier New" pitchFamily="49" charset="0"/>
+              </a:rPr>
+              <a:t>  (lambda (n)</a:t>
+            </a:r>
+          </a:p>
+          <a:p>
+            <a:pPr>
+              <a:lnSpc>
+                <a:spcPct val="80000"/>
+              </a:lnSpc>
+              <a:buFontTx/>
+              <a:buNone/>
+            </a:pPr>
+            <a:r>
+              <a:rPr lang="en-US" sz="2000" b="1" dirty="0">
+                <a:solidFill>
+                  <a:srgbClr val="FF0000"/>
+                </a:solidFill>
+                <a:latin typeface="Courier New" pitchFamily="49" charset="0"/>
+              </a:rPr>
+              <a:t>    (make-engine </a:t>
+            </a:r>
+          </a:p>
+          <a:p>
+            <a:pPr>
+              <a:lnSpc>
+                <a:spcPct val="80000"/>
+              </a:lnSpc>
+              <a:buFontTx/>
+              <a:buNone/>
+            </a:pPr>
+            <a:r>
+              <a:rPr lang="en-US" sz="2000" b="1" dirty="0">
+                <a:solidFill>
+                  <a:srgbClr val="FF0000"/>
+                </a:solidFill>
+                <a:latin typeface="Courier New" pitchFamily="49" charset="0"/>
+              </a:rPr>
+              <a:t>       (lambda () (fib n)))))</a:t>
+            </a:r>
+          </a:p>
+          <a:p>
+            <a:pPr>
+              <a:lnSpc>
+                <a:spcPct val="80000"/>
+              </a:lnSpc>
+              <a:buFontTx/>
+              <a:buNone/>
+            </a:pPr>
+            <a:r>
+              <a:rPr lang="en-US" sz="2000" dirty="0">
+                <a:latin typeface="Courier New" pitchFamily="49" charset="0"/>
+              </a:rPr>
+              <a:t>&gt; </a:t>
+            </a:r>
+            <a:r>
+              <a:rPr lang="en-US" sz="2000" b="1" dirty="0">
+                <a:latin typeface="Courier New" pitchFamily="49" charset="0"/>
+              </a:rPr>
+              <a:t>(define eng (engine-fib 7))</a:t>
+            </a:r>
+          </a:p>
+          <a:p>
+            <a:pPr>
+              <a:lnSpc>
+                <a:spcPct val="80000"/>
+              </a:lnSpc>
+              <a:buFontTx/>
+              <a:buNone/>
+            </a:pPr>
+            <a:r>
+              <a:rPr lang="en-US" sz="2000" dirty="0">
+                <a:latin typeface="Courier New" pitchFamily="49" charset="0"/>
+              </a:rPr>
+              <a:t>&gt; </a:t>
+            </a:r>
+            <a:r>
+              <a:rPr lang="en-US" sz="2000" b="1" dirty="0">
+                <a:latin typeface="Courier New" pitchFamily="49" charset="0"/>
+              </a:rPr>
+              <a:t>(eng 50 cons (lambda (new-eng) (set! eng new-eng)))</a:t>
+            </a:r>
+          </a:p>
+          <a:p>
+            <a:pPr>
+              <a:lnSpc>
+                <a:spcPct val="80000"/>
+              </a:lnSpc>
+              <a:buFontTx/>
+              <a:buNone/>
+            </a:pPr>
+            <a:r>
+              <a:rPr lang="en-US" sz="2000" dirty="0">
+                <a:latin typeface="Courier New" pitchFamily="49" charset="0"/>
+              </a:rPr>
+              <a:t>&gt; </a:t>
+            </a:r>
+            <a:r>
+              <a:rPr lang="en-US" sz="2000" b="1" dirty="0">
+                <a:latin typeface="Courier New" pitchFamily="49" charset="0"/>
+              </a:rPr>
+              <a:t>(eng 50 cons (lambda (new-eng) (set! eng new-eng)))</a:t>
+            </a:r>
+          </a:p>
+          <a:p>
+            <a:pPr>
+              <a:lnSpc>
+                <a:spcPct val="80000"/>
+              </a:lnSpc>
+              <a:buFontTx/>
+              <a:buNone/>
+            </a:pPr>
+            <a:r>
+              <a:rPr lang="en-US" sz="2000" dirty="0">
+                <a:latin typeface="Courier New" pitchFamily="49" charset="0"/>
+              </a:rPr>
+              <a:t>&gt; </a:t>
+            </a:r>
+            <a:r>
+              <a:rPr lang="en-US" sz="2000" b="1" dirty="0">
+                <a:latin typeface="Courier New" pitchFamily="49" charset="0"/>
+              </a:rPr>
+              <a:t>(eng 50 cons (lambda (new-eng) (set! eng new-eng)))</a:t>
+            </a:r>
+          </a:p>
+          <a:p>
+            <a:pPr>
+              <a:lnSpc>
+                <a:spcPct val="80000"/>
+              </a:lnSpc>
+              <a:buFontTx/>
+              <a:buNone/>
+            </a:pPr>
+            <a:r>
+              <a:rPr lang="en-US" sz="2000" dirty="0">
+                <a:latin typeface="Courier New" pitchFamily="49" charset="0"/>
+              </a:rPr>
+              <a:t>&gt; </a:t>
+            </a:r>
+            <a:r>
+              <a:rPr lang="en-US" sz="2000" b="1" dirty="0">
+                <a:latin typeface="Courier New" pitchFamily="49" charset="0"/>
+              </a:rPr>
+              <a:t>(eng 50 cons (lambda (new-eng) (set! eng new-eng)))</a:t>
+            </a:r>
+          </a:p>
+          <a:p>
+            <a:pPr>
+              <a:lnSpc>
+                <a:spcPct val="80000"/>
+              </a:lnSpc>
+              <a:buFontTx/>
+              <a:buNone/>
+            </a:pPr>
+            <a:r>
+              <a:rPr lang="en-US" sz="2000" dirty="0">
+                <a:latin typeface="Courier New" pitchFamily="49" charset="0"/>
+              </a:rPr>
+              <a:t>&gt; </a:t>
+            </a:r>
+            <a:r>
+              <a:rPr lang="en-US" sz="2000" b="1" dirty="0">
+                <a:latin typeface="Courier New" pitchFamily="49" charset="0"/>
+              </a:rPr>
+              <a:t>(eng 50 cons (lambda (new-eng) (set! eng new-</a:t>
+            </a:r>
+            <a:r>
+              <a:rPr lang="en-US" sz="2000" b="1" dirty="0" err="1">
+                <a:latin typeface="Courier New" pitchFamily="49" charset="0"/>
+              </a:rPr>
+              <a:t>eng</a:t>
+            </a:r>
+            <a:r>
+              <a:rPr lang="en-US" sz="2000" b="1" dirty="0">
+                <a:latin typeface="Courier New" pitchFamily="49" charset="0"/>
+              </a:rPr>
+              <a:t>)))</a:t>
+            </a:r>
+          </a:p>
+          <a:p>
+            <a:pPr>
+              <a:lnSpc>
+                <a:spcPct val="80000"/>
+              </a:lnSpc>
+              <a:buNone/>
+            </a:pPr>
+            <a:r>
+              <a:rPr lang="en-US" sz="2000" dirty="0">
+                <a:latin typeface="Courier New" pitchFamily="49" charset="0"/>
+              </a:rPr>
+              <a:t>&gt; </a:t>
+            </a:r>
+            <a:r>
+              <a:rPr lang="en-US" sz="2000" b="1" dirty="0">
+                <a:latin typeface="Courier New" pitchFamily="49" charset="0"/>
+              </a:rPr>
+              <a:t>(</a:t>
+            </a:r>
+            <a:r>
+              <a:rPr lang="en-US" sz="2000" b="1" dirty="0" err="1">
+                <a:latin typeface="Courier New" pitchFamily="49" charset="0"/>
+              </a:rPr>
+              <a:t>eng</a:t>
+            </a:r>
+            <a:r>
+              <a:rPr lang="en-US" sz="2000" b="1" dirty="0">
+                <a:latin typeface="Courier New" pitchFamily="49" charset="0"/>
+              </a:rPr>
+              <a:t> 50 cons (lambda (new-</a:t>
+            </a:r>
+            <a:r>
+              <a:rPr lang="en-US" sz="2000" b="1" dirty="0" err="1">
+                <a:latin typeface="Courier New" pitchFamily="49" charset="0"/>
+              </a:rPr>
+              <a:t>eng</a:t>
+            </a:r>
+            <a:r>
+              <a:rPr lang="en-US" sz="2000" b="1" dirty="0">
+                <a:latin typeface="Courier New" pitchFamily="49" charset="0"/>
+              </a:rPr>
+              <a:t>) (set! </a:t>
+            </a:r>
+            <a:r>
+              <a:rPr lang="en-US" sz="2000" b="1" dirty="0" err="1">
+                <a:latin typeface="Courier New" pitchFamily="49" charset="0"/>
+              </a:rPr>
+              <a:t>eng</a:t>
+            </a:r>
+            <a:r>
+              <a:rPr lang="en-US" sz="2000" b="1" dirty="0">
+                <a:latin typeface="Courier New" pitchFamily="49" charset="0"/>
+              </a:rPr>
+              <a:t> new-</a:t>
+            </a:r>
+            <a:r>
+              <a:rPr lang="en-US" sz="2000" b="1" dirty="0" err="1">
+                <a:latin typeface="Courier New" pitchFamily="49" charset="0"/>
+              </a:rPr>
+              <a:t>eng</a:t>
+            </a:r>
+            <a:r>
+              <a:rPr lang="en-US" sz="2000" b="1" dirty="0">
+                <a:latin typeface="Courier New" pitchFamily="49" charset="0"/>
+              </a:rPr>
+              <a:t>)))</a:t>
+            </a:r>
+          </a:p>
+          <a:p>
+            <a:pPr>
+              <a:lnSpc>
+                <a:spcPct val="80000"/>
+              </a:lnSpc>
+              <a:buFontTx/>
+              <a:buNone/>
+            </a:pPr>
+            <a:r>
+              <a:rPr lang="en-US" sz="2000" dirty="0">
+                <a:latin typeface="Courier New" pitchFamily="49" charset="0"/>
+              </a:rPr>
+              <a:t>(9 . 13)</a:t>
+            </a:r>
+          </a:p>
+          <a:p>
+            <a:pPr>
+              <a:lnSpc>
+                <a:spcPct val="80000"/>
+              </a:lnSpc>
+              <a:buFontTx/>
+              <a:buNone/>
+            </a:pPr>
+            <a:endParaRPr lang="en-US" sz="2000" dirty="0">
+              <a:latin typeface="Courier New" pitchFamily="49" charset="0"/>
+            </a:endParaRPr>
+          </a:p>
+          <a:p>
+            <a:pPr>
+              <a:lnSpc>
+                <a:spcPct val="80000"/>
+              </a:lnSpc>
+              <a:buFontTx/>
+              <a:buNone/>
+            </a:pPr>
+            <a:endParaRPr lang="en-US" sz="2000" dirty="0">
+              <a:latin typeface="Courier New" pitchFamily="49" charset="0"/>
+            </a:endParaRPr>
+          </a:p>
+        </p:txBody>
+      </p:sp>
+      <p:sp>
+        <p:nvSpPr>
+          <p:cNvPr id="4" name="TextBox 3"/>
+          <p:cNvSpPr txBox="1"/>
+          <p:nvPr/>
+        </p:nvSpPr>
+        <p:spPr>
+          <a:xfrm>
+            <a:off x="7467600" y="838200"/>
+            <a:ext cx="2819400" cy="3416320"/>
+          </a:xfrm>
+          <a:prstGeom prst="rect">
+            <a:avLst/>
+          </a:prstGeom>
+          <a:noFill/>
+          <a:ln w="34925">
+            <a:solidFill>
+              <a:srgbClr val="FF0000"/>
+            </a:solidFill>
+          </a:ln>
+        </p:spPr>
+        <p:txBody>
+          <a:bodyPr wrap="square" rtlCol="0">
+            <a:spAutoFit/>
+          </a:bodyPr>
+          <a:lstStyle/>
+          <a:p>
+            <a:r>
+              <a:rPr lang="en-US" b="1" dirty="0"/>
+              <a:t>Engine arguments:</a:t>
+            </a:r>
+          </a:p>
+          <a:p>
+            <a:r>
+              <a:rPr lang="en-US" b="1" dirty="0">
+                <a:solidFill>
+                  <a:srgbClr val="FF0000"/>
+                </a:solidFill>
+              </a:rPr>
+              <a:t>ticks </a:t>
+            </a:r>
+            <a:r>
+              <a:rPr lang="en-US" dirty="0"/>
+              <a:t>(initial  amount of fuel)</a:t>
+            </a:r>
+          </a:p>
+          <a:p>
+            <a:r>
+              <a:rPr lang="en-US" dirty="0">
+                <a:solidFill>
+                  <a:srgbClr val="FF0000"/>
+                </a:solidFill>
+              </a:rPr>
+              <a:t>complete</a:t>
+            </a:r>
+            <a:r>
+              <a:rPr lang="en-US" dirty="0"/>
+              <a:t> (receives # remaining ticks and answer if computation finishes)</a:t>
+            </a:r>
+          </a:p>
+          <a:p>
+            <a:r>
+              <a:rPr lang="en-US" b="1" dirty="0">
+                <a:solidFill>
+                  <a:srgbClr val="FF0000"/>
+                </a:solidFill>
+              </a:rPr>
+              <a:t>expire</a:t>
+            </a:r>
+            <a:r>
+              <a:rPr lang="en-US" dirty="0"/>
+              <a:t> (receives engine capable of completing the computation if fuel expires before computation finishes)</a:t>
+            </a:r>
+          </a:p>
+        </p:txBody>
+      </p:sp>
+    </p:spTree>
+  </p:cSld>
+  <p:clrMapOvr>
+    <a:masterClrMapping/>
+  </p:clrMapOvr>
+  <p:timing>
+    <p:tnLst>
+      <p:par>
+        <p:cTn id="1" dur="indefinite" restart="never" nodeType="tmRoot">
+          <p:childTnLst>
+            <p:seq concurrent="1" nextAc="seek">
+              <p:cTn id="2" dur="indefinite" nodeType="mainSeq">
+                <p:childTnLst>
+                  <p:par>
+                    <p:cTn id="3" fill="hold">
+                      <p:stCondLst>
+                        <p:cond delay="indefinite"/>
+                      </p:stCondLst>
+                      <p:childTnLst>
+                        <p:par>
+                          <p:cTn id="4" fill="hold">
+                            <p:stCondLst>
+                              <p:cond delay="0"/>
+                            </p:stCondLst>
+                            <p:childTnLst>
+                              <p:par>
+                                <p:cTn id="5" presetID="1" presetClass="entr" presetSubtype="0" fill="hold" grpId="0" nodeType="clickEffect">
+                                  <p:stCondLst>
+                                    <p:cond delay="0"/>
+                                  </p:stCondLst>
+                                  <p:childTnLst>
+                                    <p:set>
+                                      <p:cBhvr>
+                                        <p:cTn id="6" dur="1" fill="hold">
+                                          <p:stCondLst>
+                                            <p:cond delay="0"/>
+                                          </p:stCondLst>
+                                        </p:cTn>
+                                        <p:tgtEl>
+                                          <p:spTgt spid="76803">
+                                            <p:txEl>
+                                              <p:pRg st="0" end="0"/>
+                                            </p:txEl>
+                                          </p:spTgt>
+                                        </p:tgtEl>
+                                        <p:attrNameLst>
+                                          <p:attrName>style.visibility</p:attrName>
+                                        </p:attrNameLst>
+                                      </p:cBhvr>
+                                      <p:to>
+                                        <p:strVal val="visible"/>
+                                      </p:to>
+                                    </p:set>
+                                  </p:childTnLst>
+                                </p:cTn>
+                              </p:par>
+                              <p:par>
+                                <p:cTn id="7" presetID="1" presetClass="entr" presetSubtype="0" fill="hold" grpId="0" nodeType="withEffect">
+                                  <p:stCondLst>
+                                    <p:cond delay="0"/>
+                                  </p:stCondLst>
+                                  <p:childTnLst>
+                                    <p:set>
+                                      <p:cBhvr>
+                                        <p:cTn id="8" dur="1" fill="hold">
+                                          <p:stCondLst>
+                                            <p:cond delay="0"/>
+                                          </p:stCondLst>
+                                        </p:cTn>
+                                        <p:tgtEl>
+                                          <p:spTgt spid="76803">
+                                            <p:txEl>
+                                              <p:pRg st="1" end="1"/>
+                                            </p:txEl>
+                                          </p:spTgt>
+                                        </p:tgtEl>
+                                        <p:attrNameLst>
+                                          <p:attrName>style.visibility</p:attrName>
+                                        </p:attrNameLst>
+                                      </p:cBhvr>
+                                      <p:to>
+                                        <p:strVal val="visible"/>
+                                      </p:to>
+                                    </p:set>
+                                  </p:childTnLst>
+                                </p:cTn>
+                              </p:par>
+                              <p:par>
+                                <p:cTn id="9" presetID="1" presetClass="entr" presetSubtype="0" fill="hold" grpId="0" nodeType="withEffect">
+                                  <p:stCondLst>
+                                    <p:cond delay="0"/>
+                                  </p:stCondLst>
+                                  <p:childTnLst>
+                                    <p:set>
+                                      <p:cBhvr>
+                                        <p:cTn id="10" dur="1" fill="hold">
+                                          <p:stCondLst>
+                                            <p:cond delay="0"/>
+                                          </p:stCondLst>
+                                        </p:cTn>
+                                        <p:tgtEl>
+                                          <p:spTgt spid="76803">
+                                            <p:txEl>
+                                              <p:pRg st="2" end="2"/>
+                                            </p:txEl>
+                                          </p:spTgt>
+                                        </p:tgtEl>
+                                        <p:attrNameLst>
+                                          <p:attrName>style.visibility</p:attrName>
+                                        </p:attrNameLst>
+                                      </p:cBhvr>
+                                      <p:to>
+                                        <p:strVal val="visible"/>
+                                      </p:to>
+                                    </p:set>
+                                  </p:childTnLst>
+                                </p:cTn>
+                              </p:par>
+                              <p:par>
+                                <p:cTn id="11" presetID="1" presetClass="entr" presetSubtype="0" fill="hold" grpId="0" nodeType="withEffect">
+                                  <p:stCondLst>
+                                    <p:cond delay="0"/>
+                                  </p:stCondLst>
+                                  <p:childTnLst>
+                                    <p:set>
+                                      <p:cBhvr>
+                                        <p:cTn id="12" dur="1" fill="hold">
+                                          <p:stCondLst>
+                                            <p:cond delay="0"/>
+                                          </p:stCondLst>
+                                        </p:cTn>
+                                        <p:tgtEl>
+                                          <p:spTgt spid="76803">
+                                            <p:txEl>
+                                              <p:pRg st="3" end="3"/>
+                                            </p:txEl>
+                                          </p:spTgt>
+                                        </p:tgtEl>
+                                        <p:attrNameLst>
+                                          <p:attrName>style.visibility</p:attrName>
+                                        </p:attrNameLst>
+                                      </p:cBhvr>
+                                      <p:to>
+                                        <p:strVal val="visible"/>
+                                      </p:to>
+                                    </p:set>
+                                  </p:childTnLst>
+                                </p:cTn>
+                              </p:par>
+                              <p:par>
+                                <p:cTn id="13" presetID="1" presetClass="entr" presetSubtype="0" fill="hold" grpId="0" nodeType="withEffect">
+                                  <p:stCondLst>
+                                    <p:cond delay="0"/>
+                                  </p:stCondLst>
+                                  <p:childTnLst>
+                                    <p:set>
+                                      <p:cBhvr>
+                                        <p:cTn id="14" dur="1" fill="hold">
+                                          <p:stCondLst>
+                                            <p:cond delay="0"/>
+                                          </p:stCondLst>
+                                        </p:cTn>
+                                        <p:tgtEl>
+                                          <p:spTgt spid="76803">
+                                            <p:txEl>
+                                              <p:pRg st="4" end="4"/>
+                                            </p:txEl>
+                                          </p:spTgt>
+                                        </p:tgtEl>
+                                        <p:attrNameLst>
+                                          <p:attrName>style.visibility</p:attrName>
+                                        </p:attrNameLst>
+                                      </p:cBhvr>
+                                      <p:to>
+                                        <p:strVal val="visible"/>
+                                      </p:to>
+                                    </p:set>
+                                  </p:childTnLst>
+                                </p:cTn>
+                              </p:par>
+                              <p:par>
+                                <p:cTn id="15" presetID="1" presetClass="entr" presetSubtype="0" fill="hold" grpId="0" nodeType="withEffect">
+                                  <p:stCondLst>
+                                    <p:cond delay="0"/>
+                                  </p:stCondLst>
+                                  <p:childTnLst>
+                                    <p:set>
+                                      <p:cBhvr>
+                                        <p:cTn id="16" dur="1" fill="hold">
+                                          <p:stCondLst>
+                                            <p:cond delay="0"/>
+                                          </p:stCondLst>
+                                        </p:cTn>
+                                        <p:tgtEl>
+                                          <p:spTgt spid="76803">
+                                            <p:txEl>
+                                              <p:pRg st="5" end="5"/>
+                                            </p:txEl>
+                                          </p:spTgt>
+                                        </p:tgtEl>
+                                        <p:attrNameLst>
+                                          <p:attrName>style.visibility</p:attrName>
+                                        </p:attrNameLst>
+                                      </p:cBhvr>
+                                      <p:to>
+                                        <p:strVal val="visible"/>
+                                      </p:to>
+                                    </p:set>
+                                  </p:childTnLst>
+                                </p:cTn>
+                              </p:par>
+                            </p:childTnLst>
+                          </p:cTn>
+                        </p:par>
+                      </p:childTnLst>
+                    </p:cTn>
+                  </p:par>
+                  <p:par>
+                    <p:cTn id="17" fill="hold">
+                      <p:stCondLst>
+                        <p:cond delay="indefinite"/>
+                      </p:stCondLst>
+                      <p:childTnLst>
+                        <p:par>
+                          <p:cTn id="18" fill="hold">
+                            <p:stCondLst>
+                              <p:cond delay="0"/>
+                            </p:stCondLst>
+                            <p:childTnLst>
+                              <p:par>
+                                <p:cTn id="19" presetID="1" presetClass="entr" presetSubtype="0" fill="hold" grpId="0" nodeType="clickEffect">
+                                  <p:stCondLst>
+                                    <p:cond delay="0"/>
+                                  </p:stCondLst>
+                                  <p:childTnLst>
+                                    <p:set>
+                                      <p:cBhvr>
+                                        <p:cTn id="20" dur="1" fill="hold">
+                                          <p:stCondLst>
+                                            <p:cond delay="0"/>
+                                          </p:stCondLst>
+                                        </p:cTn>
+                                        <p:tgtEl>
+                                          <p:spTgt spid="76803">
+                                            <p:txEl>
+                                              <p:pRg st="6" end="6"/>
+                                            </p:txEl>
+                                          </p:spTgt>
+                                        </p:tgtEl>
+                                        <p:attrNameLst>
+                                          <p:attrName>style.visibility</p:attrName>
+                                        </p:attrNameLst>
+                                      </p:cBhvr>
+                                      <p:to>
+                                        <p:strVal val="visible"/>
+                                      </p:to>
+                                    </p:set>
+                                  </p:childTnLst>
+                                </p:cTn>
+                              </p:par>
+                              <p:par>
+                                <p:cTn id="21" presetID="1" presetClass="entr" presetSubtype="0" fill="hold" grpId="0" nodeType="withEffect">
+                                  <p:stCondLst>
+                                    <p:cond delay="0"/>
+                                  </p:stCondLst>
+                                  <p:childTnLst>
+                                    <p:set>
+                                      <p:cBhvr>
+                                        <p:cTn id="22" dur="1" fill="hold">
+                                          <p:stCondLst>
+                                            <p:cond delay="0"/>
+                                          </p:stCondLst>
+                                        </p:cTn>
+                                        <p:tgtEl>
+                                          <p:spTgt spid="76803">
+                                            <p:txEl>
+                                              <p:pRg st="7" end="7"/>
+                                            </p:txEl>
+                                          </p:spTgt>
+                                        </p:tgtEl>
+                                        <p:attrNameLst>
+                                          <p:attrName>style.visibility</p:attrName>
+                                        </p:attrNameLst>
+                                      </p:cBhvr>
+                                      <p:to>
+                                        <p:strVal val="visible"/>
+                                      </p:to>
+                                    </p:set>
+                                  </p:childTnLst>
+                                </p:cTn>
+                              </p:par>
+                              <p:par>
+                                <p:cTn id="23" presetID="1" presetClass="entr" presetSubtype="0" fill="hold" grpId="0" nodeType="withEffect">
+                                  <p:stCondLst>
+                                    <p:cond delay="0"/>
+                                  </p:stCondLst>
+                                  <p:childTnLst>
+                                    <p:set>
+                                      <p:cBhvr>
+                                        <p:cTn id="24" dur="1" fill="hold">
+                                          <p:stCondLst>
+                                            <p:cond delay="0"/>
+                                          </p:stCondLst>
+                                        </p:cTn>
+                                        <p:tgtEl>
+                                          <p:spTgt spid="76803">
+                                            <p:txEl>
+                                              <p:pRg st="8" end="8"/>
+                                            </p:txEl>
+                                          </p:spTgt>
+                                        </p:tgtEl>
+                                        <p:attrNameLst>
+                                          <p:attrName>style.visibility</p:attrName>
+                                        </p:attrNameLst>
+                                      </p:cBhvr>
+                                      <p:to>
+                                        <p:strVal val="visible"/>
+                                      </p:to>
+                                    </p:set>
+                                  </p:childTnLst>
+                                </p:cTn>
+                              </p:par>
+                              <p:par>
+                                <p:cTn id="25" presetID="1" presetClass="entr" presetSubtype="0" fill="hold" grpId="0" nodeType="withEffect">
+                                  <p:stCondLst>
+                                    <p:cond delay="0"/>
+                                  </p:stCondLst>
+                                  <p:childTnLst>
+                                    <p:set>
+                                      <p:cBhvr>
+                                        <p:cTn id="26" dur="1" fill="hold">
+                                          <p:stCondLst>
+                                            <p:cond delay="0"/>
+                                          </p:stCondLst>
+                                        </p:cTn>
+                                        <p:tgtEl>
+                                          <p:spTgt spid="76803">
+                                            <p:txEl>
+                                              <p:pRg st="9" end="9"/>
+                                            </p:txEl>
+                                          </p:spTgt>
+                                        </p:tgtEl>
+                                        <p:attrNameLst>
+                                          <p:attrName>style.visibility</p:attrName>
+                                        </p:attrNameLst>
+                                      </p:cBhvr>
+                                      <p:to>
+                                        <p:strVal val="visible"/>
+                                      </p:to>
+                                    </p:set>
+                                  </p:childTnLst>
+                                </p:cTn>
+                              </p:par>
+                            </p:childTnLst>
+                          </p:cTn>
+                        </p:par>
+                      </p:childTnLst>
+                    </p:cTn>
+                  </p:par>
+                  <p:par>
+                    <p:cTn id="27" fill="hold">
+                      <p:stCondLst>
+                        <p:cond delay="indefinite"/>
+                      </p:stCondLst>
+                      <p:childTnLst>
+                        <p:par>
+                          <p:cTn id="28" fill="hold">
+                            <p:stCondLst>
+                              <p:cond delay="0"/>
+                            </p:stCondLst>
+                            <p:childTnLst>
+                              <p:par>
+                                <p:cTn id="29" presetID="1" presetClass="entr" presetSubtype="0" fill="hold" grpId="0" nodeType="clickEffect">
+                                  <p:stCondLst>
+                                    <p:cond delay="0"/>
+                                  </p:stCondLst>
+                                  <p:childTnLst>
+                                    <p:set>
+                                      <p:cBhvr>
+                                        <p:cTn id="30" dur="1" fill="hold">
+                                          <p:stCondLst>
+                                            <p:cond delay="0"/>
+                                          </p:stCondLst>
+                                        </p:cTn>
+                                        <p:tgtEl>
+                                          <p:spTgt spid="76803">
+                                            <p:txEl>
+                                              <p:pRg st="10" end="10"/>
+                                            </p:txEl>
+                                          </p:spTgt>
+                                        </p:tgtEl>
+                                        <p:attrNameLst>
+                                          <p:attrName>style.visibility</p:attrName>
+                                        </p:attrNameLst>
+                                      </p:cBhvr>
+                                      <p:to>
+                                        <p:strVal val="visible"/>
+                                      </p:to>
+                                    </p:set>
+                                  </p:childTnLst>
+                                </p:cTn>
+                              </p:par>
+                            </p:childTnLst>
+                          </p:cTn>
+                        </p:par>
+                      </p:childTnLst>
+                    </p:cTn>
+                  </p:par>
+                  <p:par>
+                    <p:cTn id="31" fill="hold">
+                      <p:stCondLst>
+                        <p:cond delay="indefinite"/>
+                      </p:stCondLst>
+                      <p:childTnLst>
+                        <p:par>
+                          <p:cTn id="32" fill="hold">
+                            <p:stCondLst>
+                              <p:cond delay="0"/>
+                            </p:stCondLst>
+                            <p:childTnLst>
+                              <p:par>
+                                <p:cTn id="33" presetID="1" presetClass="entr" presetSubtype="0" fill="hold" grpId="0" nodeType="clickEffect">
+                                  <p:stCondLst>
+                                    <p:cond delay="0"/>
+                                  </p:stCondLst>
+                                  <p:childTnLst>
+                                    <p:set>
+                                      <p:cBhvr>
+                                        <p:cTn id="34" dur="1" fill="hold">
+                                          <p:stCondLst>
+                                            <p:cond delay="0"/>
+                                          </p:stCondLst>
+                                        </p:cTn>
+                                        <p:tgtEl>
+                                          <p:spTgt spid="76803">
+                                            <p:txEl>
+                                              <p:pRg st="11" end="11"/>
+                                            </p:txEl>
+                                          </p:spTgt>
+                                        </p:tgtEl>
+                                        <p:attrNameLst>
+                                          <p:attrName>style.visibility</p:attrName>
+                                        </p:attrNameLst>
+                                      </p:cBhvr>
+                                      <p:to>
+                                        <p:strVal val="visible"/>
+                                      </p:to>
+                                    </p:set>
+                                  </p:childTnLst>
+                                </p:cTn>
+                              </p:par>
+                            </p:childTnLst>
+                          </p:cTn>
+                        </p:par>
+                      </p:childTnLst>
+                    </p:cTn>
+                  </p:par>
+                  <p:par>
+                    <p:cTn id="35" fill="hold">
+                      <p:stCondLst>
+                        <p:cond delay="indefinite"/>
+                      </p:stCondLst>
+                      <p:childTnLst>
+                        <p:par>
+                          <p:cTn id="36" fill="hold">
+                            <p:stCondLst>
+                              <p:cond delay="0"/>
+                            </p:stCondLst>
+                            <p:childTnLst>
+                              <p:par>
+                                <p:cTn id="37" presetID="1" presetClass="entr" presetSubtype="0" fill="hold" grpId="0" nodeType="clickEffect">
+                                  <p:stCondLst>
+                                    <p:cond delay="0"/>
+                                  </p:stCondLst>
+                                  <p:childTnLst>
+                                    <p:set>
+                                      <p:cBhvr>
+                                        <p:cTn id="38" dur="1" fill="hold">
+                                          <p:stCondLst>
+                                            <p:cond delay="0"/>
+                                          </p:stCondLst>
+                                        </p:cTn>
+                                        <p:tgtEl>
+                                          <p:spTgt spid="76803">
+                                            <p:txEl>
+                                              <p:pRg st="12" end="12"/>
+                                            </p:txEl>
+                                          </p:spTgt>
+                                        </p:tgtEl>
+                                        <p:attrNameLst>
+                                          <p:attrName>style.visibility</p:attrName>
+                                        </p:attrNameLst>
+                                      </p:cBhvr>
+                                      <p:to>
+                                        <p:strVal val="visible"/>
+                                      </p:to>
+                                    </p:set>
+                                  </p:childTnLst>
+                                </p:cTn>
+                              </p:par>
+                            </p:childTnLst>
+                          </p:cTn>
+                        </p:par>
+                      </p:childTnLst>
+                    </p:cTn>
+                  </p:par>
+                  <p:par>
+                    <p:cTn id="39" fill="hold">
+                      <p:stCondLst>
+                        <p:cond delay="indefinite"/>
+                      </p:stCondLst>
+                      <p:childTnLst>
+                        <p:par>
+                          <p:cTn id="40" fill="hold">
+                            <p:stCondLst>
+                              <p:cond delay="0"/>
+                            </p:stCondLst>
+                            <p:childTnLst>
+                              <p:par>
+                                <p:cTn id="41" presetID="1" presetClass="entr" presetSubtype="0" fill="hold" grpId="0" nodeType="clickEffect">
+                                  <p:stCondLst>
+                                    <p:cond delay="0"/>
+                                  </p:stCondLst>
+                                  <p:childTnLst>
+                                    <p:set>
+                                      <p:cBhvr>
+                                        <p:cTn id="42" dur="1" fill="hold">
+                                          <p:stCondLst>
+                                            <p:cond delay="0"/>
+                                          </p:stCondLst>
+                                        </p:cTn>
+                                        <p:tgtEl>
+                                          <p:spTgt spid="76803">
+                                            <p:txEl>
+                                              <p:pRg st="13" end="13"/>
+                                            </p:txEl>
+                                          </p:spTgt>
+                                        </p:tgtEl>
+                                        <p:attrNameLst>
+                                          <p:attrName>style.visibility</p:attrName>
+                                        </p:attrNameLst>
+                                      </p:cBhvr>
+                                      <p:to>
+                                        <p:strVal val="visible"/>
+                                      </p:to>
+                                    </p:set>
+                                  </p:childTnLst>
+                                </p:cTn>
+                              </p:par>
+                            </p:childTnLst>
+                          </p:cTn>
+                        </p:par>
+                      </p:childTnLst>
+                    </p:cTn>
+                  </p:par>
+                  <p:par>
+                    <p:cTn id="43" fill="hold">
+                      <p:stCondLst>
+                        <p:cond delay="indefinite"/>
+                      </p:stCondLst>
+                      <p:childTnLst>
+                        <p:par>
+                          <p:cTn id="44" fill="hold">
+                            <p:stCondLst>
+                              <p:cond delay="0"/>
+                            </p:stCondLst>
+                            <p:childTnLst>
+                              <p:par>
+                                <p:cTn id="45" presetID="1" presetClass="entr" presetSubtype="0" fill="hold" grpId="0" nodeType="clickEffect">
+                                  <p:stCondLst>
+                                    <p:cond delay="0"/>
+                                  </p:stCondLst>
+                                  <p:childTnLst>
+                                    <p:set>
+                                      <p:cBhvr>
+                                        <p:cTn id="46" dur="1" fill="hold">
+                                          <p:stCondLst>
+                                            <p:cond delay="0"/>
+                                          </p:stCondLst>
+                                        </p:cTn>
+                                        <p:tgtEl>
+                                          <p:spTgt spid="76803">
+                                            <p:txEl>
+                                              <p:pRg st="14" end="14"/>
+                                            </p:txEl>
+                                          </p:spTgt>
+                                        </p:tgtEl>
+                                        <p:attrNameLst>
+                                          <p:attrName>style.visibility</p:attrName>
+                                        </p:attrNameLst>
+                                      </p:cBhvr>
+                                      <p:to>
+                                        <p:strVal val="visible"/>
+                                      </p:to>
+                                    </p:set>
+                                  </p:childTnLst>
+                                </p:cTn>
+                              </p:par>
+                            </p:childTnLst>
+                          </p:cTn>
+                        </p:par>
+                      </p:childTnLst>
+                    </p:cTn>
+                  </p:par>
+                  <p:par>
+                    <p:cTn id="47" fill="hold">
+                      <p:stCondLst>
+                        <p:cond delay="indefinite"/>
+                      </p:stCondLst>
+                      <p:childTnLst>
+                        <p:par>
+                          <p:cTn id="48" fill="hold">
+                            <p:stCondLst>
+                              <p:cond delay="0"/>
+                            </p:stCondLst>
+                            <p:childTnLst>
+                              <p:par>
+                                <p:cTn id="49" presetID="1" presetClass="entr" presetSubtype="0" fill="hold" grpId="0" nodeType="clickEffect">
+                                  <p:stCondLst>
+                                    <p:cond delay="0"/>
+                                  </p:stCondLst>
+                                  <p:childTnLst>
+                                    <p:set>
+                                      <p:cBhvr>
+                                        <p:cTn id="50" dur="1" fill="hold">
+                                          <p:stCondLst>
+                                            <p:cond delay="0"/>
+                                          </p:stCondLst>
+                                        </p:cTn>
+                                        <p:tgtEl>
+                                          <p:spTgt spid="76803">
+                                            <p:txEl>
+                                              <p:pRg st="15" end="15"/>
+                                            </p:txEl>
+                                          </p:spTgt>
+                                        </p:tgtEl>
+                                        <p:attrNameLst>
+                                          <p:attrName>style.visibility</p:attrName>
+                                        </p:attrNameLst>
+                                      </p:cBhvr>
+                                      <p:to>
+                                        <p:strVal val="visible"/>
+                                      </p:to>
+                                    </p:set>
+                                  </p:childTnLst>
+                                </p:cTn>
+                              </p:par>
+                            </p:childTnLst>
+                          </p:cTn>
+                        </p:par>
+                      </p:childTnLst>
+                    </p:cTn>
+                  </p:par>
+                  <p:par>
+                    <p:cTn id="51" fill="hold">
+                      <p:stCondLst>
+                        <p:cond delay="indefinite"/>
+                      </p:stCondLst>
+                      <p:childTnLst>
+                        <p:par>
+                          <p:cTn id="52" fill="hold">
+                            <p:stCondLst>
+                              <p:cond delay="0"/>
+                            </p:stCondLst>
+                            <p:childTnLst>
+                              <p:par>
+                                <p:cTn id="53" presetID="1" presetClass="entr" presetSubtype="0" fill="hold" grpId="0" nodeType="clickEffect">
+                                  <p:stCondLst>
+                                    <p:cond delay="0"/>
+                                  </p:stCondLst>
+                                  <p:childTnLst>
+                                    <p:set>
+                                      <p:cBhvr>
+                                        <p:cTn id="54" dur="1" fill="hold">
+                                          <p:stCondLst>
+                                            <p:cond delay="0"/>
+                                          </p:stCondLst>
+                                        </p:cTn>
+                                        <p:tgtEl>
+                                          <p:spTgt spid="76803">
+                                            <p:txEl>
+                                              <p:pRg st="16" end="16"/>
+                                            </p:txEl>
+                                          </p:spTgt>
+                                        </p:tgtEl>
+                                        <p:attrNameLst>
+                                          <p:attrName>style.visibility</p:attrName>
+                                        </p:attrNameLst>
+                                      </p:cBhvr>
+                                      <p:to>
+                                        <p:strVal val="visible"/>
+                                      </p:to>
+                                    </p:set>
+                                  </p:childTnLst>
+                                </p:cTn>
+                              </p:par>
+                            </p:childTnLst>
+                          </p:cTn>
+                        </p:par>
+                      </p:childTnLst>
+                    </p:cTn>
+                  </p:par>
+                  <p:par>
+                    <p:cTn id="55" fill="hold">
+                      <p:stCondLst>
+                        <p:cond delay="indefinite"/>
+                      </p:stCondLst>
+                      <p:childTnLst>
+                        <p:par>
+                          <p:cTn id="56" fill="hold">
+                            <p:stCondLst>
+                              <p:cond delay="0"/>
+                            </p:stCondLst>
+                            <p:childTnLst>
+                              <p:par>
+                                <p:cTn id="57" presetID="1" presetClass="entr" presetSubtype="0" fill="hold" grpId="0" nodeType="clickEffect">
+                                  <p:stCondLst>
+                                    <p:cond delay="0"/>
+                                  </p:stCondLst>
+                                  <p:childTnLst>
+                                    <p:set>
+                                      <p:cBhvr>
+                                        <p:cTn id="58" dur="1" fill="hold">
+                                          <p:stCondLst>
+                                            <p:cond delay="0"/>
+                                          </p:stCondLst>
+                                        </p:cTn>
+                                        <p:tgtEl>
+                                          <p:spTgt spid="76803">
+                                            <p:txEl>
+                                              <p:pRg st="17" end="17"/>
+                                            </p:txEl>
+                                          </p:spTgt>
+                                        </p:tgtEl>
+                                        <p:attrNameLst>
+                                          <p:attrName>style.visibility</p:attrName>
+                                        </p:attrNameLst>
+                                      </p:cBhvr>
+                                      <p:to>
+                                        <p:strVal val="visible"/>
+                                      </p:to>
+                                    </p:set>
+                                  </p:childTnLst>
+                                </p:cTn>
+                              </p:par>
+                            </p:childTnLst>
+                          </p:cTn>
+                        </p:par>
+                      </p:childTnLst>
+                    </p:cTn>
+                  </p:par>
+                </p:childTnLst>
+              </p:cTn>
+              <p:prevCondLst>
+                <p:cond evt="onPrev" delay="0">
+                  <p:tgtEl>
+                    <p:sldTgt/>
+                  </p:tgtEl>
+                </p:cond>
+              </p:prevCondLst>
+              <p:nextCondLst>
+                <p:cond evt="onNext" delay="0">
+                  <p:tgtEl>
+                    <p:sldTgt/>
+                  </p:tgtEl>
+                </p:cond>
+              </p:nextCondLst>
+            </p:seq>
+          </p:childTnLst>
+        </p:cTn>
+      </p:par>
+    </p:tnLst>
+    <p:bldLst>
+      <p:bldP spid="76803" grpId="0" build="p"/>
+    </p:bldLst>
+  </p:timing>
 </p:sld>
 </file>
 
